--- a/Session1/Session1_Slides.pptx
+++ b/Session1/Session1_Slides.pptx
@@ -72,7 +72,6 @@
     <p:sldId id="317" r:id="rId69"/>
     <p:sldId id="318" r:id="rId70"/>
     <p:sldId id="319" r:id="rId71"/>
-    <p:sldId id="320" r:id="rId72"/>
   </p:sldIdLst>
   <p:sldSz cx="13004800" cy="9753600"/>
   <p:notesSz cx="6858000" cy="9144000"/>
@@ -7373,8 +7372,8 @@
         </p:nvSpPr>
         <p:spPr>
           <a:xfrm>
-            <a:off x="710518" y="7783828"/>
-            <a:ext cx="12125631" cy="789944"/>
+            <a:off x="710518" y="7800339"/>
+            <a:ext cx="12125631" cy="756923"/>
           </a:xfrm>
           <a:prstGeom prst="rect">
             <a:avLst/>
@@ -7400,7 +7399,7 @@
               <a:spcBef>
                 <a:spcPts val="0"/>
               </a:spcBef>
-              <a:defRPr cap="all" sz="5400">
+              <a:defRPr cap="all" sz="5200">
                 <a:solidFill>
                   <a:srgbClr val="FFFFFF"/>
                 </a:solidFill>
@@ -7410,7 +7409,7 @@
           <a:p>
             <a:pPr/>
             <a:r>
-              <a:t>Intelligence = Facts + LOGIC (1980 - 1987)</a:t>
+              <a:t>Intelligence = Rules + Deductive Logic (1980 - 1987)</a:t>
             </a:r>
           </a:p>
         </p:txBody>
@@ -7506,9 +7505,123 @@
           <a:chExt cx="0" cy="0"/>
         </a:xfrm>
       </p:grpSpPr>
+      <p:sp>
+        <p:nvSpPr>
+          <p:cNvPr id="246" name="Shape 246"/>
+          <p:cNvSpPr/>
+          <p:nvPr/>
+        </p:nvSpPr>
+        <p:spPr>
+          <a:xfrm>
+            <a:off x="-4548381" y="4713617"/>
+            <a:ext cx="413005" cy="355602"/>
+          </a:xfrm>
+          <a:prstGeom prst="rect">
+            <a:avLst/>
+          </a:prstGeom>
+          <a:ln w="12700">
+            <a:miter lim="400000"/>
+          </a:ln>
+        </p:spPr>
+        <p:txBody>
+          <a:bodyPr wrap="none" lIns="50800" tIns="50800" rIns="50800" bIns="50800" anchor="ctr">
+            <a:spAutoFit/>
+          </a:bodyPr>
+          <a:lstStyle/>
+          <a:p>
+            <a:pPr/>
+          </a:p>
+        </p:txBody>
+      </p:sp>
+      <p:sp>
+        <p:nvSpPr>
+          <p:cNvPr id="247" name="Shape 247"/>
+          <p:cNvSpPr/>
+          <p:nvPr/>
+        </p:nvSpPr>
+        <p:spPr>
+          <a:xfrm>
+            <a:off x="710518" y="7783828"/>
+            <a:ext cx="12125631" cy="789944"/>
+          </a:xfrm>
+          <a:prstGeom prst="rect">
+            <a:avLst/>
+          </a:prstGeom>
+          <a:ln w="12700">
+            <a:miter lim="400000"/>
+          </a:ln>
+          <a:extLst>
+            <a:ext uri="{C572A759-6A51-4108-AA02-DFA0A04FC94B}">
+              <ma14:wrappingTextBoxFlag xmlns:ma14="http://schemas.microsoft.com/office/mac/drawingml/2011/main" val="1"/>
+            </a:ext>
+          </a:extLst>
+        </p:spPr>
+        <p:txBody>
+          <a:bodyPr lIns="50800" tIns="50800" rIns="50800" bIns="50800" anchor="ctr">
+            <a:spAutoFit/>
+          </a:bodyPr>
+          <a:lstStyle>
+            <a:lvl1pPr>
+              <a:lnSpc>
+                <a:spcPct val="80000"/>
+              </a:lnSpc>
+              <a:spcBef>
+                <a:spcPts val="0"/>
+              </a:spcBef>
+              <a:defRPr cap="all" sz="5400">
+                <a:solidFill>
+                  <a:srgbClr val="FFFFFF"/>
+                </a:solidFill>
+              </a:defRPr>
+            </a:lvl1pPr>
+          </a:lstStyle>
+          <a:p>
+            <a:pPr/>
+            <a:r>
+              <a:t>Intelligence = Pattern Recognition (1993 - today)</a:t>
+            </a:r>
+          </a:p>
+        </p:txBody>
+      </p:sp>
+      <p:sp>
+        <p:nvSpPr>
+          <p:cNvPr id="248" name="Shape 248"/>
+          <p:cNvSpPr/>
+          <p:nvPr/>
+        </p:nvSpPr>
+        <p:spPr>
+          <a:xfrm>
+            <a:off x="-973876" y="4098197"/>
+            <a:ext cx="9511793" cy="965201"/>
+          </a:xfrm>
+          <a:prstGeom prst="rect">
+            <a:avLst/>
+          </a:prstGeom>
+          <a:ln w="12700">
+            <a:miter lim="400000"/>
+          </a:ln>
+          <a:extLst>
+            <a:ext uri="{C572A759-6A51-4108-AA02-DFA0A04FC94B}">
+              <ma14:wrappingTextBoxFlag xmlns:ma14="http://schemas.microsoft.com/office/mac/drawingml/2011/main" val="1"/>
+            </a:ext>
+          </a:extLst>
+        </p:spPr>
+        <p:txBody>
+          <a:bodyPr wrap="none" lIns="50800" tIns="50800" rIns="50800" bIns="50800" anchor="ctr">
+            <a:spAutoFit/>
+          </a:bodyPr>
+          <a:lstStyle/>
+          <a:p>
+            <a:pPr/>
+            <a:r>
+              <a:t>https://www.google.com/url?sa=i&amp;source=images&amp;cd=&amp;ved=2ahUKEwi-kIfs_cHkAhWQxVkKHYNjDYQQjRx6BAgBEAQ&amp;url=https%3A%2F%2Fwww.itgsnews.com%2Fcreating-expert-system-with-clips%2F&amp;psig=AOvVaw2rT1XziARmYSMHLyhFbWN6&amp;ust=1568058074270738</a:t>
+            </a:r>
+          </a:p>
+        </p:txBody>
+      </p:sp>
       <p:pic>
         <p:nvPicPr>
-          <p:cNvPr id="246" name="pasted-image.png"/>
+          <p:cNvPr id="249" name="pasted-image.png"/>
           <p:cNvPicPr>
             <a:picLocks noChangeAspect="1"/>
           </p:cNvPicPr>
@@ -7524,8 +7637,66 @@
         </p:blipFill>
         <p:spPr>
           <a:xfrm>
-            <a:off x="740833" y="2116"/>
-            <a:ext cx="10228217" cy="9749368"/>
+            <a:off x="-6416" y="1527108"/>
+            <a:ext cx="13017632" cy="5104553"/>
+          </a:xfrm>
+          <a:prstGeom prst="rect">
+            <a:avLst/>
+          </a:prstGeom>
+          <a:ln w="12700">
+            <a:miter lim="400000"/>
+          </a:ln>
+        </p:spPr>
+      </p:pic>
+      <p:pic>
+        <p:nvPicPr>
+          <p:cNvPr id="250" name="pasted-image.jpeg"/>
+          <p:cNvPicPr>
+            <a:picLocks noChangeAspect="1"/>
+          </p:cNvPicPr>
+          <p:nvPr/>
+        </p:nvPicPr>
+        <p:blipFill>
+          <a:blip r:embed="rId3">
+            <a:extLst/>
+          </a:blip>
+          <a:stretch>
+            <a:fillRect/>
+          </a:stretch>
+        </p:blipFill>
+        <p:spPr>
+          <a:xfrm>
+            <a:off x="3469349" y="2056870"/>
+            <a:ext cx="3797301" cy="2133601"/>
+          </a:xfrm>
+          <a:prstGeom prst="rect">
+            <a:avLst/>
+          </a:prstGeom>
+          <a:ln w="12700">
+            <a:miter lim="400000"/>
+          </a:ln>
+        </p:spPr>
+      </p:pic>
+      <p:pic>
+        <p:nvPicPr>
+          <p:cNvPr id="251" name="pasted-image.jpeg"/>
+          <p:cNvPicPr>
+            <a:picLocks noChangeAspect="1"/>
+          </p:cNvPicPr>
+          <p:nvPr/>
+        </p:nvPicPr>
+        <p:blipFill>
+          <a:blip r:embed="rId4">
+            <a:extLst/>
+          </a:blip>
+          <a:stretch>
+            <a:fillRect/>
+          </a:stretch>
+        </p:blipFill>
+        <p:spPr>
+          <a:xfrm>
+            <a:off x="-66743" y="764395"/>
+            <a:ext cx="13138286" cy="6096365"/>
           </a:xfrm>
           <a:prstGeom prst="rect">
             <a:avLst/>
@@ -7563,205 +7734,133 @@
       </p:grpSpPr>
       <p:sp>
         <p:nvSpPr>
-          <p:cNvPr id="248" name="Shape 248"/>
-          <p:cNvSpPr/>
-          <p:nvPr/>
-        </p:nvSpPr>
-        <p:spPr>
-          <a:xfrm>
-            <a:off x="-4548381" y="4713617"/>
-            <a:ext cx="413005" cy="355602"/>
-          </a:xfrm>
-          <a:prstGeom prst="rect">
-            <a:avLst/>
-          </a:prstGeom>
-          <a:ln w="12700">
-            <a:miter lim="400000"/>
-          </a:ln>
-        </p:spPr>
-        <p:txBody>
-          <a:bodyPr wrap="none" lIns="50800" tIns="50800" rIns="50800" bIns="50800" anchor="ctr">
-            <a:spAutoFit/>
-          </a:bodyPr>
-          <a:lstStyle/>
-          <a:p>
-            <a:pPr/>
-          </a:p>
-        </p:txBody>
-      </p:sp>
-      <p:sp>
-        <p:nvSpPr>
-          <p:cNvPr id="249" name="Shape 249"/>
-          <p:cNvSpPr/>
-          <p:nvPr/>
-        </p:nvSpPr>
-        <p:spPr>
-          <a:xfrm>
-            <a:off x="710518" y="7783828"/>
-            <a:ext cx="12125631" cy="789944"/>
-          </a:xfrm>
-          <a:prstGeom prst="rect">
-            <a:avLst/>
-          </a:prstGeom>
-          <a:ln w="12700">
-            <a:miter lim="400000"/>
-          </a:ln>
-          <a:extLst>
-            <a:ext uri="{C572A759-6A51-4108-AA02-DFA0A04FC94B}">
-              <ma14:wrappingTextBoxFlag xmlns:ma14="http://schemas.microsoft.com/office/mac/drawingml/2011/main" val="1"/>
-            </a:ext>
-          </a:extLst>
-        </p:spPr>
-        <p:txBody>
-          <a:bodyPr lIns="50800" tIns="50800" rIns="50800" bIns="50800" anchor="ctr">
-            <a:spAutoFit/>
-          </a:bodyPr>
+          <p:cNvPr id="253" name="Shape 253"/>
+          <p:cNvSpPr/>
+          <p:nvPr>
+            <p:ph type="title"/>
+          </p:nvPr>
+        </p:nvSpPr>
+        <p:spPr>
+          <a:xfrm>
+            <a:off x="406400" y="1651000"/>
+            <a:ext cx="12192000" cy="1574205"/>
+          </a:xfrm>
+          <a:prstGeom prst="rect">
+            <a:avLst/>
+          </a:prstGeom>
+        </p:spPr>
+        <p:txBody>
+          <a:bodyPr/>
           <a:lstStyle>
             <a:lvl1pPr>
+              <a:defRPr sz="8000"/>
+            </a:lvl1pPr>
+          </a:lstStyle>
+          <a:p>
+            <a:pPr/>
+            <a:r>
+              <a:t>Machine Learning: Why Now?</a:t>
+            </a:r>
+          </a:p>
+        </p:txBody>
+      </p:sp>
+      <p:sp>
+        <p:nvSpPr>
+          <p:cNvPr id="254" name="Shape 254"/>
+          <p:cNvSpPr/>
+          <p:nvPr>
+            <p:ph type="body" idx="1"/>
+          </p:nvPr>
+        </p:nvSpPr>
+        <p:spPr>
+          <a:xfrm>
+            <a:off x="406400" y="3420532"/>
+            <a:ext cx="12192000" cy="6108702"/>
+          </a:xfrm>
+          <a:prstGeom prst="rect">
+            <a:avLst/>
+          </a:prstGeom>
+        </p:spPr>
+        <p:txBody>
+          <a:bodyPr anchor="t"/>
+          <a:lstStyle/>
+          <a:p>
+            <a:pPr marL="444500" indent="-444500" defTabSz="584200">
               <a:lnSpc>
-                <a:spcPct val="80000"/>
+                <a:spcPct val="100000"/>
               </a:lnSpc>
               <a:spcBef>
-                <a:spcPts val="0"/>
+                <a:spcPts val="2800"/>
               </a:spcBef>
-              <a:defRPr cap="all" sz="5400">
-                <a:solidFill>
-                  <a:srgbClr val="FFFFFF"/>
-                </a:solidFill>
-              </a:defRPr>
-            </a:lvl1pPr>
-          </a:lstStyle>
-          <a:p>
-            <a:pPr/>
-            <a:r>
-              <a:t>Intelligence = Pattern recognition (1993 - today)</a:t>
-            </a:r>
-          </a:p>
-        </p:txBody>
-      </p:sp>
-      <p:sp>
-        <p:nvSpPr>
-          <p:cNvPr id="250" name="Shape 250"/>
-          <p:cNvSpPr/>
-          <p:nvPr/>
-        </p:nvSpPr>
-        <p:spPr>
-          <a:xfrm>
-            <a:off x="-973876" y="4098197"/>
-            <a:ext cx="9511793" cy="965201"/>
-          </a:xfrm>
-          <a:prstGeom prst="rect">
-            <a:avLst/>
-          </a:prstGeom>
-          <a:ln w="12700">
-            <a:miter lim="400000"/>
-          </a:ln>
-          <a:extLst>
-            <a:ext uri="{C572A759-6A51-4108-AA02-DFA0A04FC94B}">
-              <ma14:wrappingTextBoxFlag xmlns:ma14="http://schemas.microsoft.com/office/mac/drawingml/2011/main" val="1"/>
-            </a:ext>
-          </a:extLst>
-        </p:spPr>
-        <p:txBody>
-          <a:bodyPr wrap="none" lIns="50800" tIns="50800" rIns="50800" bIns="50800" anchor="ctr">
-            <a:spAutoFit/>
-          </a:bodyPr>
-          <a:lstStyle/>
-          <a:p>
-            <a:pPr/>
-            <a:r>
-              <a:t>https://www.google.com/url?sa=i&amp;source=images&amp;cd=&amp;ved=2ahUKEwi-kIfs_cHkAhWQxVkKHYNjDYQQjRx6BAgBEAQ&amp;url=https%3A%2F%2Fwww.itgsnews.com%2Fcreating-expert-system-with-clips%2F&amp;psig=AOvVaw2rT1XziARmYSMHLyhFbWN6&amp;ust=1568058074270738</a:t>
-            </a:r>
-          </a:p>
-        </p:txBody>
-      </p:sp>
-      <p:pic>
-        <p:nvPicPr>
-          <p:cNvPr id="251" name="pasted-image.png"/>
-          <p:cNvPicPr>
-            <a:picLocks noChangeAspect="1"/>
-          </p:cNvPicPr>
-          <p:nvPr/>
-        </p:nvPicPr>
-        <p:blipFill>
-          <a:blip r:embed="rId2">
-            <a:extLst/>
-          </a:blip>
-          <a:stretch>
-            <a:fillRect/>
-          </a:stretch>
-        </p:blipFill>
-        <p:spPr>
-          <a:xfrm>
-            <a:off x="-6416" y="1527108"/>
-            <a:ext cx="13017632" cy="5104553"/>
-          </a:xfrm>
-          <a:prstGeom prst="rect">
-            <a:avLst/>
-          </a:prstGeom>
-          <a:ln w="12700">
-            <a:miter lim="400000"/>
-          </a:ln>
-        </p:spPr>
-      </p:pic>
-      <p:pic>
-        <p:nvPicPr>
-          <p:cNvPr id="252" name="pasted-image.jpeg"/>
-          <p:cNvPicPr>
-            <a:picLocks noChangeAspect="1"/>
-          </p:cNvPicPr>
-          <p:nvPr/>
-        </p:nvPicPr>
-        <p:blipFill>
-          <a:blip r:embed="rId3">
-            <a:extLst/>
-          </a:blip>
-          <a:stretch>
-            <a:fillRect/>
-          </a:stretch>
-        </p:blipFill>
-        <p:spPr>
-          <a:xfrm>
-            <a:off x="3469349" y="2056870"/>
-            <a:ext cx="3797301" cy="2133601"/>
-          </a:xfrm>
-          <a:prstGeom prst="rect">
-            <a:avLst/>
-          </a:prstGeom>
-          <a:ln w="12700">
-            <a:miter lim="400000"/>
-          </a:ln>
-        </p:spPr>
-      </p:pic>
-      <p:pic>
-        <p:nvPicPr>
-          <p:cNvPr id="253" name="pasted-image.jpeg"/>
-          <p:cNvPicPr>
-            <a:picLocks noChangeAspect="1"/>
-          </p:cNvPicPr>
-          <p:nvPr/>
-        </p:nvPicPr>
-        <p:blipFill>
-          <a:blip r:embed="rId4">
-            <a:extLst/>
-          </a:blip>
-          <a:stretch>
-            <a:fillRect/>
-          </a:stretch>
-        </p:blipFill>
-        <p:spPr>
-          <a:xfrm>
-            <a:off x="-66743" y="764395"/>
-            <a:ext cx="13138286" cy="6096365"/>
-          </a:xfrm>
-          <a:prstGeom prst="rect">
-            <a:avLst/>
-          </a:prstGeom>
-          <a:ln w="12700">
-            <a:miter lim="400000"/>
-          </a:ln>
-        </p:spPr>
-      </p:pic>
+              <a:buClr>
+                <a:schemeClr val="accent1"/>
+              </a:buClr>
+              <a:buSzPct val="104999"/>
+              <a:buFont typeface="Avenir Next"/>
+              <a:buChar char="▸"/>
+              <a:defRPr cap="none" spc="0" sz="5400">
+                <a:latin typeface="Avenir Next Medium"/>
+                <a:ea typeface="Avenir Next Medium"/>
+                <a:cs typeface="Avenir Next Medium"/>
+                <a:sym typeface="Avenir Next Medium"/>
+              </a:defRPr>
+            </a:pPr>
+            <a:r>
+              <a:t>Ideas are not new! Started in 1950s</a:t>
+            </a:r>
+          </a:p>
+          <a:p>
+            <a:pPr marL="444500" indent="-444500" defTabSz="584200">
+              <a:lnSpc>
+                <a:spcPct val="100000"/>
+              </a:lnSpc>
+              <a:spcBef>
+                <a:spcPts val="2800"/>
+              </a:spcBef>
+              <a:buClr>
+                <a:schemeClr val="accent1"/>
+              </a:buClr>
+              <a:buSzPct val="104999"/>
+              <a:buFont typeface="Avenir Next"/>
+              <a:buChar char="▸"/>
+              <a:defRPr cap="none" spc="0" sz="5400">
+                <a:latin typeface="Avenir Next Medium"/>
+                <a:ea typeface="Avenir Next Medium"/>
+                <a:cs typeface="Avenir Next Medium"/>
+                <a:sym typeface="Avenir Next Medium"/>
+              </a:defRPr>
+            </a:pPr>
+            <a:r>
+              <a:t>Computers have gotten fast and cheap enough for Big Data</a:t>
+            </a:r>
+          </a:p>
+          <a:p>
+            <a:pPr marL="444500" indent="-444500" defTabSz="584200">
+              <a:lnSpc>
+                <a:spcPct val="100000"/>
+              </a:lnSpc>
+              <a:spcBef>
+                <a:spcPts val="2800"/>
+              </a:spcBef>
+              <a:buClr>
+                <a:schemeClr val="accent1"/>
+              </a:buClr>
+              <a:buSzPct val="104999"/>
+              <a:buFont typeface="Avenir Next"/>
+              <a:buChar char="▸"/>
+              <a:defRPr cap="none" spc="0" sz="5400">
+                <a:latin typeface="Avenir Next Medium"/>
+                <a:ea typeface="Avenir Next Medium"/>
+                <a:cs typeface="Avenir Next Medium"/>
+                <a:sym typeface="Avenir Next Medium"/>
+              </a:defRPr>
+            </a:pPr>
+            <a:r>
+              <a:t>A few new concepts (e.g. back-propagation)</a:t>
+            </a:r>
+          </a:p>
+        </p:txBody>
+      </p:sp>
     </p:spTree>
   </p:cSld>
   <p:clrMapOvr>
@@ -7790,7 +7889,7 @@
       </p:grpSpPr>
       <p:sp>
         <p:nvSpPr>
-          <p:cNvPr id="255" name="Shape 255"/>
+          <p:cNvPr id="256" name="Shape 256"/>
           <p:cNvSpPr/>
           <p:nvPr>
             <p:ph type="title"/>
@@ -7798,8 +7897,8 @@
         </p:nvSpPr>
         <p:spPr>
           <a:xfrm>
-            <a:off x="406400" y="1651000"/>
-            <a:ext cx="12192000" cy="1574205"/>
+            <a:off x="347170" y="4244673"/>
+            <a:ext cx="12310460" cy="3602707"/>
           </a:xfrm>
           <a:prstGeom prst="rect">
             <a:avLst/>
@@ -7808,111 +7907,14 @@
         <p:txBody>
           <a:bodyPr/>
           <a:lstStyle>
-            <a:lvl1pPr>
-              <a:defRPr sz="8000"/>
+            <a:lvl1pPr defTabSz="490727">
+              <a:defRPr sz="14280"/>
             </a:lvl1pPr>
           </a:lstStyle>
           <a:p>
             <a:pPr/>
             <a:r>
-              <a:t>Machine Learning: Why Now?</a:t>
-            </a:r>
-          </a:p>
-        </p:txBody>
-      </p:sp>
-      <p:sp>
-        <p:nvSpPr>
-          <p:cNvPr id="256" name="Shape 256"/>
-          <p:cNvSpPr/>
-          <p:nvPr>
-            <p:ph type="body" idx="1"/>
-          </p:nvPr>
-        </p:nvSpPr>
-        <p:spPr>
-          <a:xfrm>
-            <a:off x="406400" y="3420532"/>
-            <a:ext cx="12192000" cy="6108702"/>
-          </a:xfrm>
-          <a:prstGeom prst="rect">
-            <a:avLst/>
-          </a:prstGeom>
-        </p:spPr>
-        <p:txBody>
-          <a:bodyPr anchor="t"/>
-          <a:lstStyle/>
-          <a:p>
-            <a:pPr marL="444500" indent="-444500" defTabSz="584200">
-              <a:lnSpc>
-                <a:spcPct val="100000"/>
-              </a:lnSpc>
-              <a:spcBef>
-                <a:spcPts val="2800"/>
-              </a:spcBef>
-              <a:buClr>
-                <a:schemeClr val="accent1"/>
-              </a:buClr>
-              <a:buSzPct val="104999"/>
-              <a:buFont typeface="Avenir Next"/>
-              <a:buChar char="▸"/>
-              <a:defRPr cap="none" spc="0" sz="5400">
-                <a:latin typeface="Avenir Next Medium"/>
-                <a:ea typeface="Avenir Next Medium"/>
-                <a:cs typeface="Avenir Next Medium"/>
-                <a:sym typeface="Avenir Next Medium"/>
-              </a:defRPr>
-            </a:pPr>
-            <a:r>
-              <a:t>Ideas are not new! Started in 1950s</a:t>
-            </a:r>
-          </a:p>
-          <a:p>
-            <a:pPr marL="444500" indent="-444500" defTabSz="584200">
-              <a:lnSpc>
-                <a:spcPct val="100000"/>
-              </a:lnSpc>
-              <a:spcBef>
-                <a:spcPts val="2800"/>
-              </a:spcBef>
-              <a:buClr>
-                <a:schemeClr val="accent1"/>
-              </a:buClr>
-              <a:buSzPct val="104999"/>
-              <a:buFont typeface="Avenir Next"/>
-              <a:buChar char="▸"/>
-              <a:defRPr cap="none" spc="0" sz="5400">
-                <a:latin typeface="Avenir Next Medium"/>
-                <a:ea typeface="Avenir Next Medium"/>
-                <a:cs typeface="Avenir Next Medium"/>
-                <a:sym typeface="Avenir Next Medium"/>
-              </a:defRPr>
-            </a:pPr>
-            <a:r>
-              <a:t>Computers have gotten fast and cheap enough for Big Data</a:t>
-            </a:r>
-          </a:p>
-          <a:p>
-            <a:pPr marL="444500" indent="-444500" defTabSz="584200">
-              <a:lnSpc>
-                <a:spcPct val="100000"/>
-              </a:lnSpc>
-              <a:spcBef>
-                <a:spcPts val="2800"/>
-              </a:spcBef>
-              <a:buClr>
-                <a:schemeClr val="accent1"/>
-              </a:buClr>
-              <a:buSzPct val="104999"/>
-              <a:buFont typeface="Avenir Next"/>
-              <a:buChar char="▸"/>
-              <a:defRPr cap="none" spc="0" sz="5400">
-                <a:latin typeface="Avenir Next Medium"/>
-                <a:ea typeface="Avenir Next Medium"/>
-                <a:cs typeface="Avenir Next Medium"/>
-                <a:sym typeface="Avenir Next Medium"/>
-              </a:defRPr>
-            </a:pPr>
-            <a:r>
-              <a:t>A few new concepts (e.g. back-propagation)</a:t>
+              <a:t>What’s it good for?</a:t>
             </a:r>
           </a:p>
         </p:txBody>
@@ -7947,34 +7949,203 @@
         <p:nvSpPr>
           <p:cNvPr id="258" name="Shape 258"/>
           <p:cNvSpPr/>
-          <p:nvPr>
-            <p:ph type="title"/>
-          </p:nvPr>
-        </p:nvSpPr>
-        <p:spPr>
-          <a:xfrm>
-            <a:off x="347170" y="4244673"/>
-            <a:ext cx="12310460" cy="3602707"/>
-          </a:xfrm>
-          <a:prstGeom prst="rect">
-            <a:avLst/>
-          </a:prstGeom>
-        </p:spPr>
-        <p:txBody>
-          <a:bodyPr/>
+          <p:nvPr/>
+        </p:nvSpPr>
+        <p:spPr>
+          <a:xfrm>
+            <a:off x="-4548381" y="4713617"/>
+            <a:ext cx="413005" cy="355602"/>
+          </a:xfrm>
+          <a:prstGeom prst="rect">
+            <a:avLst/>
+          </a:prstGeom>
+          <a:ln w="12700">
+            <a:miter lim="400000"/>
+          </a:ln>
+        </p:spPr>
+        <p:txBody>
+          <a:bodyPr wrap="none" lIns="50800" tIns="50800" rIns="50800" bIns="50800" anchor="ctr">
+            <a:spAutoFit/>
+          </a:bodyPr>
+          <a:lstStyle/>
+          <a:p>
+            <a:pPr/>
+          </a:p>
+        </p:txBody>
+      </p:sp>
+      <p:sp>
+        <p:nvSpPr>
+          <p:cNvPr id="259" name="Shape 259"/>
+          <p:cNvSpPr/>
+          <p:nvPr/>
+        </p:nvSpPr>
+        <p:spPr>
+          <a:xfrm>
+            <a:off x="3301318" y="7792295"/>
+            <a:ext cx="12125631" cy="1043944"/>
+          </a:xfrm>
+          <a:prstGeom prst="rect">
+            <a:avLst/>
+          </a:prstGeom>
+          <a:ln w="12700">
+            <a:miter lim="400000"/>
+          </a:ln>
+          <a:extLst>
+            <a:ext uri="{C572A759-6A51-4108-AA02-DFA0A04FC94B}">
+              <ma14:wrappingTextBoxFlag xmlns:ma14="http://schemas.microsoft.com/office/mac/drawingml/2011/main" val="1"/>
+            </a:ext>
+          </a:extLst>
+        </p:spPr>
+        <p:txBody>
+          <a:bodyPr lIns="50800" tIns="50800" rIns="50800" bIns="50800" anchor="ctr">
+            <a:spAutoFit/>
+          </a:bodyPr>
           <a:lstStyle>
-            <a:lvl1pPr defTabSz="490727">
-              <a:defRPr sz="14280"/>
+            <a:lvl1pPr>
+              <a:lnSpc>
+                <a:spcPct val="80000"/>
+              </a:lnSpc>
+              <a:spcBef>
+                <a:spcPts val="0"/>
+              </a:spcBef>
+              <a:defRPr cap="all" sz="7400">
+                <a:solidFill>
+                  <a:srgbClr val="FFFFFF"/>
+                </a:solidFill>
+              </a:defRPr>
             </a:lvl1pPr>
           </a:lstStyle>
           <a:p>
             <a:pPr/>
             <a:r>
-              <a:t>What’s it good for?</a:t>
-            </a:r>
-          </a:p>
-        </p:txBody>
-      </p:sp>
+              <a:t>Self-Driving Cars</a:t>
+            </a:r>
+          </a:p>
+        </p:txBody>
+      </p:sp>
+      <p:sp>
+        <p:nvSpPr>
+          <p:cNvPr id="260" name="Shape 260"/>
+          <p:cNvSpPr/>
+          <p:nvPr/>
+        </p:nvSpPr>
+        <p:spPr>
+          <a:xfrm>
+            <a:off x="-973876" y="4098197"/>
+            <a:ext cx="9511793" cy="965201"/>
+          </a:xfrm>
+          <a:prstGeom prst="rect">
+            <a:avLst/>
+          </a:prstGeom>
+          <a:ln w="12700">
+            <a:miter lim="400000"/>
+          </a:ln>
+          <a:extLst>
+            <a:ext uri="{C572A759-6A51-4108-AA02-DFA0A04FC94B}">
+              <ma14:wrappingTextBoxFlag xmlns:ma14="http://schemas.microsoft.com/office/mac/drawingml/2011/main" val="1"/>
+            </a:ext>
+          </a:extLst>
+        </p:spPr>
+        <p:txBody>
+          <a:bodyPr wrap="none" lIns="50800" tIns="50800" rIns="50800" bIns="50800" anchor="ctr">
+            <a:spAutoFit/>
+          </a:bodyPr>
+          <a:lstStyle/>
+          <a:p>
+            <a:pPr/>
+            <a:r>
+              <a:t>https://www.google.com/url?sa=i&amp;source=images&amp;cd=&amp;ved=2ahUKEwi-kIfs_cHkAhWQxVkKHYNjDYQQjRx6BAgBEAQ&amp;url=https%3A%2F%2Fwww.itgsnews.com%2Fcreating-expert-system-with-clips%2F&amp;psig=AOvVaw2rT1XziARmYSMHLyhFbWN6&amp;ust=1568058074270738</a:t>
+            </a:r>
+          </a:p>
+        </p:txBody>
+      </p:sp>
+      <p:pic>
+        <p:nvPicPr>
+          <p:cNvPr id="261" name="pasted-image.png"/>
+          <p:cNvPicPr>
+            <a:picLocks noChangeAspect="1"/>
+          </p:cNvPicPr>
+          <p:nvPr/>
+        </p:nvPicPr>
+        <p:blipFill>
+          <a:blip r:embed="rId2">
+            <a:extLst/>
+          </a:blip>
+          <a:stretch>
+            <a:fillRect/>
+          </a:stretch>
+        </p:blipFill>
+        <p:spPr>
+          <a:xfrm>
+            <a:off x="-6416" y="1527108"/>
+            <a:ext cx="13017632" cy="5104553"/>
+          </a:xfrm>
+          <a:prstGeom prst="rect">
+            <a:avLst/>
+          </a:prstGeom>
+          <a:ln w="12700">
+            <a:miter lim="400000"/>
+          </a:ln>
+        </p:spPr>
+      </p:pic>
+      <p:pic>
+        <p:nvPicPr>
+          <p:cNvPr id="262" name="pasted-image.jpeg"/>
+          <p:cNvPicPr>
+            <a:picLocks noChangeAspect="1"/>
+          </p:cNvPicPr>
+          <p:nvPr/>
+        </p:nvPicPr>
+        <p:blipFill>
+          <a:blip r:embed="rId3">
+            <a:extLst/>
+          </a:blip>
+          <a:stretch>
+            <a:fillRect/>
+          </a:stretch>
+        </p:blipFill>
+        <p:spPr>
+          <a:xfrm>
+            <a:off x="3469349" y="2056870"/>
+            <a:ext cx="3797301" cy="2133601"/>
+          </a:xfrm>
+          <a:prstGeom prst="rect">
+            <a:avLst/>
+          </a:prstGeom>
+          <a:ln w="12700">
+            <a:miter lim="400000"/>
+          </a:ln>
+        </p:spPr>
+      </p:pic>
+      <p:pic>
+        <p:nvPicPr>
+          <p:cNvPr id="263" name="pasted-image.png"/>
+          <p:cNvPicPr>
+            <a:picLocks noChangeAspect="1"/>
+          </p:cNvPicPr>
+          <p:nvPr/>
+        </p:nvPicPr>
+        <p:blipFill>
+          <a:blip r:embed="rId4">
+            <a:extLst/>
+          </a:blip>
+          <a:stretch>
+            <a:fillRect/>
+          </a:stretch>
+        </p:blipFill>
+        <p:spPr>
+          <a:xfrm>
+            <a:off x="-21283" y="316110"/>
+            <a:ext cx="13147726" cy="6829988"/>
+          </a:xfrm>
+          <a:prstGeom prst="rect">
+            <a:avLst/>
+          </a:prstGeom>
+          <a:ln w="12700">
+            <a:miter lim="400000"/>
+          </a:ln>
+        </p:spPr>
+      </p:pic>
     </p:spTree>
   </p:cSld>
   <p:clrMapOvr>
@@ -8133,7 +8304,7 @@
       </p:grpSpPr>
       <p:sp>
         <p:nvSpPr>
-          <p:cNvPr id="260" name="Shape 260"/>
+          <p:cNvPr id="265" name="Shape 265"/>
           <p:cNvSpPr/>
           <p:nvPr/>
         </p:nvSpPr>
@@ -8161,14 +8332,14 @@
       </p:sp>
       <p:sp>
         <p:nvSpPr>
-          <p:cNvPr id="261" name="Shape 261"/>
+          <p:cNvPr id="266" name="Shape 266"/>
           <p:cNvSpPr/>
           <p:nvPr/>
         </p:nvSpPr>
         <p:spPr>
           <a:xfrm>
-            <a:off x="3301318" y="7792295"/>
-            <a:ext cx="12125631" cy="1043944"/>
+            <a:off x="-973876" y="4098197"/>
+            <a:ext cx="9511793" cy="965201"/>
           </a:xfrm>
           <a:prstGeom prst="rect">
             <a:avLst/>
@@ -8183,56 +8354,6 @@
           </a:extLst>
         </p:spPr>
         <p:txBody>
-          <a:bodyPr lIns="50800" tIns="50800" rIns="50800" bIns="50800" anchor="ctr">
-            <a:spAutoFit/>
-          </a:bodyPr>
-          <a:lstStyle>
-            <a:lvl1pPr>
-              <a:lnSpc>
-                <a:spcPct val="80000"/>
-              </a:lnSpc>
-              <a:spcBef>
-                <a:spcPts val="0"/>
-              </a:spcBef>
-              <a:defRPr cap="all" sz="7400">
-                <a:solidFill>
-                  <a:srgbClr val="FFFFFF"/>
-                </a:solidFill>
-              </a:defRPr>
-            </a:lvl1pPr>
-          </a:lstStyle>
-          <a:p>
-            <a:pPr/>
-            <a:r>
-              <a:t>Self-Driving Cars</a:t>
-            </a:r>
-          </a:p>
-        </p:txBody>
-      </p:sp>
-      <p:sp>
-        <p:nvSpPr>
-          <p:cNvPr id="262" name="Shape 262"/>
-          <p:cNvSpPr/>
-          <p:nvPr/>
-        </p:nvSpPr>
-        <p:spPr>
-          <a:xfrm>
-            <a:off x="-973876" y="4098197"/>
-            <a:ext cx="9511793" cy="965201"/>
-          </a:xfrm>
-          <a:prstGeom prst="rect">
-            <a:avLst/>
-          </a:prstGeom>
-          <a:ln w="12700">
-            <a:miter lim="400000"/>
-          </a:ln>
-          <a:extLst>
-            <a:ext uri="{C572A759-6A51-4108-AA02-DFA0A04FC94B}">
-              <ma14:wrappingTextBoxFlag xmlns:ma14="http://schemas.microsoft.com/office/mac/drawingml/2011/main" val="1"/>
-            </a:ext>
-          </a:extLst>
-        </p:spPr>
-        <p:txBody>
           <a:bodyPr wrap="none" lIns="50800" tIns="50800" rIns="50800" bIns="50800" anchor="ctr">
             <a:spAutoFit/>
           </a:bodyPr>
@@ -8247,7 +8368,7 @@
       </p:sp>
       <p:pic>
         <p:nvPicPr>
-          <p:cNvPr id="263" name="pasted-image.png"/>
+          <p:cNvPr id="267" name="pasted-image.png"/>
           <p:cNvPicPr>
             <a:picLocks noChangeAspect="1"/>
           </p:cNvPicPr>
@@ -8276,7 +8397,7 @@
       </p:pic>
       <p:pic>
         <p:nvPicPr>
-          <p:cNvPr id="264" name="pasted-image.jpeg"/>
+          <p:cNvPr id="268" name="pasted-image.jpeg"/>
           <p:cNvPicPr>
             <a:picLocks noChangeAspect="1"/>
           </p:cNvPicPr>
@@ -8305,7 +8426,7 @@
       </p:pic>
       <p:pic>
         <p:nvPicPr>
-          <p:cNvPr id="265" name="pasted-image.png"/>
+          <p:cNvPr id="269" name="pasted-image.png"/>
           <p:cNvPicPr>
             <a:picLocks noChangeAspect="1"/>
           </p:cNvPicPr>
@@ -8321,8 +8442,8 @@
         </p:blipFill>
         <p:spPr>
           <a:xfrm>
-            <a:off x="-21283" y="316110"/>
-            <a:ext cx="13147726" cy="6829988"/>
+            <a:off x="-162849" y="831595"/>
+            <a:ext cx="13330498" cy="7498405"/>
           </a:xfrm>
           <a:prstGeom prst="rect">
             <a:avLst/>
@@ -8360,71 +8481,28 @@
       </p:grpSpPr>
       <p:sp>
         <p:nvSpPr>
-          <p:cNvPr id="267" name="Shape 267"/>
-          <p:cNvSpPr/>
-          <p:nvPr/>
-        </p:nvSpPr>
-        <p:spPr>
-          <a:xfrm>
-            <a:off x="-4548381" y="4713617"/>
-            <a:ext cx="413005" cy="355602"/>
-          </a:xfrm>
-          <a:prstGeom prst="rect">
-            <a:avLst/>
-          </a:prstGeom>
-          <a:ln w="12700">
-            <a:miter lim="400000"/>
-          </a:ln>
-        </p:spPr>
-        <p:txBody>
-          <a:bodyPr wrap="none" lIns="50800" tIns="50800" rIns="50800" bIns="50800" anchor="ctr">
-            <a:spAutoFit/>
-          </a:bodyPr>
+          <p:cNvPr id="271" name="Shape 271"/>
+          <p:cNvSpPr/>
+          <p:nvPr>
+            <p:ph type="subTitle" sz="quarter" idx="1"/>
+          </p:nvPr>
+        </p:nvSpPr>
+        <p:spPr>
+          <a:prstGeom prst="rect">
+            <a:avLst/>
+          </a:prstGeom>
+        </p:spPr>
+        <p:txBody>
+          <a:bodyPr/>
           <a:lstStyle/>
           <a:p>
             <a:pPr/>
-          </a:p>
-        </p:txBody>
-      </p:sp>
-      <p:sp>
-        <p:nvSpPr>
-          <p:cNvPr id="268" name="Shape 268"/>
-          <p:cNvSpPr/>
-          <p:nvPr/>
-        </p:nvSpPr>
-        <p:spPr>
-          <a:xfrm>
-            <a:off x="-973876" y="4098197"/>
-            <a:ext cx="9511793" cy="965201"/>
-          </a:xfrm>
-          <a:prstGeom prst="rect">
-            <a:avLst/>
-          </a:prstGeom>
-          <a:ln w="12700">
-            <a:miter lim="400000"/>
-          </a:ln>
-          <a:extLst>
-            <a:ext uri="{C572A759-6A51-4108-AA02-DFA0A04FC94B}">
-              <ma14:wrappingTextBoxFlag xmlns:ma14="http://schemas.microsoft.com/office/mac/drawingml/2011/main" val="1"/>
-            </a:ext>
-          </a:extLst>
-        </p:spPr>
-        <p:txBody>
-          <a:bodyPr wrap="none" lIns="50800" tIns="50800" rIns="50800" bIns="50800" anchor="ctr">
-            <a:spAutoFit/>
-          </a:bodyPr>
-          <a:lstStyle/>
-          <a:p>
-            <a:pPr/>
-            <a:r>
-              <a:t>https://www.google.com/url?sa=i&amp;source=images&amp;cd=&amp;ved=2ahUKEwi-kIfs_cHkAhWQxVkKHYNjDYQQjRx6BAgBEAQ&amp;url=https%3A%2F%2Fwww.itgsnews.com%2Fcreating-expert-system-with-clips%2F&amp;psig=AOvVaw2rT1XziARmYSMHLyhFbWN6&amp;ust=1568058074270738</a:t>
-            </a:r>
           </a:p>
         </p:txBody>
       </p:sp>
       <p:pic>
         <p:nvPicPr>
-          <p:cNvPr id="269" name="pasted-image.png"/>
+          <p:cNvPr id="272" name="pasted-image.jpeg"/>
           <p:cNvPicPr>
             <a:picLocks noChangeAspect="1"/>
           </p:cNvPicPr>
@@ -8434,14 +8512,15 @@
           <a:blip r:embed="rId2">
             <a:extLst/>
           </a:blip>
+          <a:srcRect l="0" t="8369" r="0" b="5625"/>
           <a:stretch>
             <a:fillRect/>
           </a:stretch>
         </p:blipFill>
         <p:spPr>
           <a:xfrm>
-            <a:off x="-6416" y="1527108"/>
-            <a:ext cx="13017632" cy="5104553"/>
+            <a:off x="-1" y="-11642"/>
+            <a:ext cx="13004801" cy="7741908"/>
           </a:xfrm>
           <a:prstGeom prst="rect">
             <a:avLst/>
@@ -8451,26 +8530,16 @@
           </a:ln>
         </p:spPr>
       </p:pic>
-      <p:pic>
-        <p:nvPicPr>
-          <p:cNvPr id="270" name="pasted-image.jpeg"/>
-          <p:cNvPicPr>
-            <a:picLocks noChangeAspect="1"/>
-          </p:cNvPicPr>
+      <p:sp>
+        <p:nvSpPr>
+          <p:cNvPr id="273" name="Shape 273"/>
+          <p:cNvSpPr/>
           <p:nvPr/>
-        </p:nvPicPr>
-        <p:blipFill>
-          <a:blip r:embed="rId3">
-            <a:extLst/>
-          </a:blip>
-          <a:stretch>
-            <a:fillRect/>
-          </a:stretch>
-        </p:blipFill>
-        <p:spPr>
-          <a:xfrm>
-            <a:off x="3469349" y="2056870"/>
-            <a:ext cx="3797301" cy="2133601"/>
+        </p:nvSpPr>
+        <p:spPr>
+          <a:xfrm>
+            <a:off x="2911851" y="8164828"/>
+            <a:ext cx="12125631" cy="1043944"/>
           </a:xfrm>
           <a:prstGeom prst="rect">
             <a:avLst/>
@@ -8478,37 +8547,39 @@
           <a:ln w="12700">
             <a:miter lim="400000"/>
           </a:ln>
-        </p:spPr>
-      </p:pic>
-      <p:pic>
-        <p:nvPicPr>
-          <p:cNvPr id="271" name="pasted-image.png"/>
-          <p:cNvPicPr>
-            <a:picLocks noChangeAspect="1"/>
-          </p:cNvPicPr>
-          <p:nvPr/>
-        </p:nvPicPr>
-        <p:blipFill>
-          <a:blip r:embed="rId4">
-            <a:extLst/>
-          </a:blip>
-          <a:stretch>
-            <a:fillRect/>
-          </a:stretch>
-        </p:blipFill>
-        <p:spPr>
-          <a:xfrm>
-            <a:off x="-162849" y="831595"/>
-            <a:ext cx="13330498" cy="7498405"/>
-          </a:xfrm>
-          <a:prstGeom prst="rect">
-            <a:avLst/>
-          </a:prstGeom>
-          <a:ln w="12700">
-            <a:miter lim="400000"/>
-          </a:ln>
-        </p:spPr>
-      </p:pic>
+          <a:extLst>
+            <a:ext uri="{C572A759-6A51-4108-AA02-DFA0A04FC94B}">
+              <ma14:wrappingTextBoxFlag xmlns:ma14="http://schemas.microsoft.com/office/mac/drawingml/2011/main" val="1"/>
+            </a:ext>
+          </a:extLst>
+        </p:spPr>
+        <p:txBody>
+          <a:bodyPr lIns="50800" tIns="50800" rIns="50800" bIns="50800" anchor="ctr">
+            <a:spAutoFit/>
+          </a:bodyPr>
+          <a:lstStyle>
+            <a:lvl1pPr>
+              <a:lnSpc>
+                <a:spcPct val="80000"/>
+              </a:lnSpc>
+              <a:spcBef>
+                <a:spcPts val="0"/>
+              </a:spcBef>
+              <a:defRPr cap="all" sz="7400">
+                <a:solidFill>
+                  <a:srgbClr val="FFFFFF"/>
+                </a:solidFill>
+              </a:defRPr>
+            </a:lvl1pPr>
+          </a:lstStyle>
+          <a:p>
+            <a:pPr/>
+            <a:r>
+              <a:t>Medical Diagnostics</a:t>
+            </a:r>
+          </a:p>
+        </p:txBody>
+      </p:sp>
     </p:spTree>
   </p:cSld>
   <p:clrMapOvr>
@@ -8537,7 +8608,7 @@
       </p:grpSpPr>
       <p:sp>
         <p:nvSpPr>
-          <p:cNvPr id="273" name="Shape 273"/>
+          <p:cNvPr id="275" name="Shape 275"/>
           <p:cNvSpPr/>
           <p:nvPr>
             <p:ph type="subTitle" sz="quarter" idx="1"/>
@@ -8558,7 +8629,7 @@
       </p:sp>
       <p:pic>
         <p:nvPicPr>
-          <p:cNvPr id="274" name="pasted-image.jpeg"/>
+          <p:cNvPr id="276" name="pasted-image.png"/>
           <p:cNvPicPr>
             <a:picLocks noChangeAspect="1"/>
           </p:cNvPicPr>
@@ -8568,15 +8639,14 @@
           <a:blip r:embed="rId2">
             <a:extLst/>
           </a:blip>
-          <a:srcRect l="0" t="8369" r="0" b="5625"/>
           <a:stretch>
             <a:fillRect/>
           </a:stretch>
         </p:blipFill>
         <p:spPr>
           <a:xfrm>
-            <a:off x="-1" y="-11642"/>
-            <a:ext cx="13004801" cy="7741908"/>
+            <a:off x="152400" y="101600"/>
+            <a:ext cx="12700000" cy="7620000"/>
           </a:xfrm>
           <a:prstGeom prst="rect">
             <a:avLst/>
@@ -8588,13 +8658,13 @@
       </p:pic>
       <p:sp>
         <p:nvSpPr>
-          <p:cNvPr id="275" name="Shape 275"/>
+          <p:cNvPr id="277" name="Shape 277"/>
           <p:cNvSpPr/>
           <p:nvPr/>
         </p:nvSpPr>
         <p:spPr>
           <a:xfrm>
-            <a:off x="2911851" y="8164828"/>
+            <a:off x="2911851" y="8198695"/>
             <a:ext cx="12125631" cy="1043944"/>
           </a:xfrm>
           <a:prstGeom prst="rect">
@@ -8631,7 +8701,7 @@
           <a:p>
             <a:pPr/>
             <a:r>
-              <a:t>Medical Diagnostics</a:t>
+              <a:t>Models for Predictions</a:t>
             </a:r>
           </a:p>
         </p:txBody>
@@ -8664,13 +8734,17 @@
       </p:grpSpPr>
       <p:sp>
         <p:nvSpPr>
-          <p:cNvPr id="277" name="Shape 277"/>
+          <p:cNvPr id="279" name="Shape 279"/>
           <p:cNvSpPr/>
           <p:nvPr>
-            <p:ph type="subTitle" sz="quarter" idx="1"/>
+            <p:ph type="title"/>
           </p:nvPr>
         </p:nvSpPr>
         <p:spPr>
+          <a:xfrm>
+            <a:off x="2943130" y="3921286"/>
+            <a:ext cx="7118541" cy="2486761"/>
+          </a:xfrm>
           <a:prstGeom prst="rect">
             <a:avLst/>
           </a:prstGeom>
@@ -8680,84 +8754,8 @@
           <a:lstStyle/>
           <a:p>
             <a:pPr/>
-          </a:p>
-        </p:txBody>
-      </p:sp>
-      <p:pic>
-        <p:nvPicPr>
-          <p:cNvPr id="278" name="pasted-image.png"/>
-          <p:cNvPicPr>
-            <a:picLocks noChangeAspect="1"/>
-          </p:cNvPicPr>
-          <p:nvPr/>
-        </p:nvPicPr>
-        <p:blipFill>
-          <a:blip r:embed="rId2">
-            <a:extLst/>
-          </a:blip>
-          <a:stretch>
-            <a:fillRect/>
-          </a:stretch>
-        </p:blipFill>
-        <p:spPr>
-          <a:xfrm>
-            <a:off x="152400" y="101600"/>
-            <a:ext cx="12700000" cy="7620000"/>
-          </a:xfrm>
-          <a:prstGeom prst="rect">
-            <a:avLst/>
-          </a:prstGeom>
-          <a:ln w="12700">
-            <a:miter lim="400000"/>
-          </a:ln>
-        </p:spPr>
-      </p:pic>
-      <p:sp>
-        <p:nvSpPr>
-          <p:cNvPr id="279" name="Shape 279"/>
-          <p:cNvSpPr/>
-          <p:nvPr/>
-        </p:nvSpPr>
-        <p:spPr>
-          <a:xfrm>
-            <a:off x="2911851" y="8198695"/>
-            <a:ext cx="12125631" cy="1043944"/>
-          </a:xfrm>
-          <a:prstGeom prst="rect">
-            <a:avLst/>
-          </a:prstGeom>
-          <a:ln w="12700">
-            <a:miter lim="400000"/>
-          </a:ln>
-          <a:extLst>
-            <a:ext uri="{C572A759-6A51-4108-AA02-DFA0A04FC94B}">
-              <ma14:wrappingTextBoxFlag xmlns:ma14="http://schemas.microsoft.com/office/mac/drawingml/2011/main" val="1"/>
-            </a:ext>
-          </a:extLst>
-        </p:spPr>
-        <p:txBody>
-          <a:bodyPr lIns="50800" tIns="50800" rIns="50800" bIns="50800" anchor="ctr">
-            <a:spAutoFit/>
-          </a:bodyPr>
-          <a:lstStyle>
-            <a:lvl1pPr>
-              <a:lnSpc>
-                <a:spcPct val="80000"/>
-              </a:lnSpc>
-              <a:spcBef>
-                <a:spcPts val="0"/>
-              </a:spcBef>
-              <a:defRPr cap="all" sz="7400">
-                <a:solidFill>
-                  <a:srgbClr val="FFFFFF"/>
-                </a:solidFill>
-              </a:defRPr>
-            </a:lvl1pPr>
-          </a:lstStyle>
-          <a:p>
-            <a:pPr/>
-            <a:r>
-              <a:t>Models for Predictions</a:t>
+            <a:r>
+              <a:t>Concepts</a:t>
             </a:r>
           </a:p>
         </p:txBody>
@@ -8798,8 +8796,8 @@
         </p:nvSpPr>
         <p:spPr>
           <a:xfrm>
-            <a:off x="2943130" y="3921286"/>
-            <a:ext cx="7118541" cy="2486761"/>
+            <a:off x="654851" y="1134532"/>
+            <a:ext cx="11254831" cy="1960664"/>
           </a:xfrm>
           <a:prstGeom prst="rect">
             <a:avLst/>
@@ -8807,11 +8805,91 @@
         </p:spPr>
         <p:txBody>
           <a:bodyPr/>
+          <a:lstStyle>
+            <a:lvl1pPr defTabSz="438150">
+              <a:defRPr sz="9000"/>
+            </a:lvl1pPr>
+          </a:lstStyle>
+          <a:p>
+            <a:pPr/>
+            <a:r>
+              <a:t>Supervised vs Unsupervised</a:t>
+            </a:r>
+          </a:p>
+        </p:txBody>
+      </p:sp>
+      <p:sp>
+        <p:nvSpPr>
+          <p:cNvPr id="282" name="Shape 282"/>
+          <p:cNvSpPr/>
+          <p:nvPr>
+            <p:ph type="body" idx="4294967295"/>
+          </p:nvPr>
+        </p:nvSpPr>
+        <p:spPr>
+          <a:xfrm>
+            <a:off x="558800" y="3060930"/>
+            <a:ext cx="12192000" cy="6311307"/>
+          </a:xfrm>
+          <a:prstGeom prst="rect">
+            <a:avLst/>
+          </a:prstGeom>
+        </p:spPr>
+        <p:txBody>
+          <a:bodyPr lIns="50800" tIns="50800" rIns="50800" bIns="50800"/>
           <a:lstStyle/>
           <a:p>
-            <a:pPr/>
-            <a:r>
-              <a:t>Concepts</a:t>
+            <a:pPr marL="677731" indent="-677731" defTabSz="560830">
+              <a:spcBef>
+                <a:spcPts val="2600"/>
+              </a:spcBef>
+              <a:buClr>
+                <a:srgbClr val="39A3D5"/>
+              </a:buClr>
+              <a:buSzPct val="40000"/>
+              <a:buFont typeface="Avenir Next"/>
+              <a:buBlip>
+                <a:blip r:embed="rId2"/>
+              </a:buBlip>
+              <a:defRPr sz="6100">
+                <a:solidFill>
+                  <a:srgbClr val="838787"/>
+                </a:solidFill>
+                <a:latin typeface="Avenir Next Medium"/>
+                <a:ea typeface="Avenir Next Medium"/>
+                <a:cs typeface="Avenir Next Medium"/>
+                <a:sym typeface="Avenir Next Medium"/>
+              </a:defRPr>
+            </a:pPr>
+            <a:r>
+              <a:t>Supervised: model trained and evaluated based on previous “right answers”</a:t>
+            </a:r>
+          </a:p>
+          <a:p>
+            <a:pPr marL="677731" indent="-677731" defTabSz="560830">
+              <a:spcBef>
+                <a:spcPts val="2600"/>
+              </a:spcBef>
+              <a:buClr>
+                <a:srgbClr val="39A3D5"/>
+              </a:buClr>
+              <a:buSzPct val="40000"/>
+              <a:buFont typeface="Avenir Next"/>
+              <a:buBlip>
+                <a:blip r:embed="rId2"/>
+              </a:buBlip>
+              <a:defRPr sz="6100">
+                <a:solidFill>
+                  <a:srgbClr val="838787"/>
+                </a:solidFill>
+                <a:latin typeface="Avenir Next Medium"/>
+                <a:ea typeface="Avenir Next Medium"/>
+                <a:cs typeface="Avenir Next Medium"/>
+                <a:sym typeface="Avenir Next Medium"/>
+              </a:defRPr>
+            </a:pPr>
+            <a:r>
+              <a:t>Unsupervised: Finds patterns, with no right/wrong answers</a:t>
             </a:r>
           </a:p>
         </p:txBody>
@@ -8842,114 +8920,35 @@
           <a:chExt cx="0" cy="0"/>
         </a:xfrm>
       </p:grpSpPr>
-      <p:sp>
-        <p:nvSpPr>
-          <p:cNvPr id="283" name="Shape 283"/>
-          <p:cNvSpPr/>
-          <p:nvPr>
-            <p:ph type="title"/>
-          </p:nvPr>
-        </p:nvSpPr>
-        <p:spPr>
-          <a:xfrm>
-            <a:off x="654851" y="1134532"/>
-            <a:ext cx="11254831" cy="1960664"/>
-          </a:xfrm>
-          <a:prstGeom prst="rect">
-            <a:avLst/>
-          </a:prstGeom>
-        </p:spPr>
-        <p:txBody>
-          <a:bodyPr/>
-          <a:lstStyle>
-            <a:lvl1pPr defTabSz="438150">
-              <a:defRPr sz="9000"/>
-            </a:lvl1pPr>
-          </a:lstStyle>
-          <a:p>
-            <a:pPr/>
-            <a:r>
-              <a:t>Supervised vs Unsupervised</a:t>
-            </a:r>
-          </a:p>
-        </p:txBody>
-      </p:sp>
-      <p:sp>
-        <p:nvSpPr>
-          <p:cNvPr id="284" name="Shape 284"/>
-          <p:cNvSpPr/>
-          <p:nvPr>
-            <p:ph type="body" idx="4294967295"/>
-          </p:nvPr>
-        </p:nvSpPr>
-        <p:spPr>
-          <a:xfrm>
-            <a:off x="558800" y="3060930"/>
-            <a:ext cx="12192000" cy="6311307"/>
-          </a:xfrm>
-          <a:prstGeom prst="rect">
-            <a:avLst/>
-          </a:prstGeom>
-        </p:spPr>
-        <p:txBody>
-          <a:bodyPr lIns="50800" tIns="50800" rIns="50800" bIns="50800"/>
-          <a:lstStyle/>
-          <a:p>
-            <a:pPr marL="677731" indent="-677731" defTabSz="560830">
-              <a:spcBef>
-                <a:spcPts val="2600"/>
-              </a:spcBef>
-              <a:buClr>
-                <a:srgbClr val="39A3D5"/>
-              </a:buClr>
-              <a:buSzPct val="40000"/>
-              <a:buFont typeface="Avenir Next"/>
-              <a:buBlip>
-                <a:blip r:embed="rId2"/>
-              </a:buBlip>
-              <a:defRPr sz="6100">
-                <a:solidFill>
-                  <a:srgbClr val="838787"/>
-                </a:solidFill>
-                <a:latin typeface="Avenir Next Medium"/>
-                <a:ea typeface="Avenir Next Medium"/>
-                <a:cs typeface="Avenir Next Medium"/>
-                <a:sym typeface="Avenir Next Medium"/>
-              </a:defRPr>
-            </a:pPr>
-            <a:r>
-              <a:t>Supervised: model trained and evaluated based on previous “right answers”</a:t>
-            </a:r>
-          </a:p>
-          <a:p>
-            <a:pPr marL="677731" indent="-677731" defTabSz="560830">
-              <a:spcBef>
-                <a:spcPts val="2600"/>
-              </a:spcBef>
-              <a:buClr>
-                <a:srgbClr val="39A3D5"/>
-              </a:buClr>
-              <a:buSzPct val="40000"/>
-              <a:buFont typeface="Avenir Next"/>
-              <a:buBlip>
-                <a:blip r:embed="rId2"/>
-              </a:buBlip>
-              <a:defRPr sz="6100">
-                <a:solidFill>
-                  <a:srgbClr val="838787"/>
-                </a:solidFill>
-                <a:latin typeface="Avenir Next Medium"/>
-                <a:ea typeface="Avenir Next Medium"/>
-                <a:cs typeface="Avenir Next Medium"/>
-                <a:sym typeface="Avenir Next Medium"/>
-              </a:defRPr>
-            </a:pPr>
-            <a:r>
-              <a:t>Unsupervised: Finds patterns, with no right/wrong answers</a:t>
-            </a:r>
-          </a:p>
-        </p:txBody>
-      </p:sp>
+      <p:pic>
+        <p:nvPicPr>
+          <p:cNvPr id="284" name="pasted-image.png"/>
+          <p:cNvPicPr>
+            <a:picLocks noChangeAspect="1"/>
+          </p:cNvPicPr>
+          <p:nvPr/>
+        </p:nvPicPr>
+        <p:blipFill>
+          <a:blip r:embed="rId2">
+            <a:extLst/>
+          </a:blip>
+          <a:stretch>
+            <a:fillRect/>
+          </a:stretch>
+        </p:blipFill>
+        <p:spPr>
+          <a:xfrm>
+            <a:off x="399987" y="2083262"/>
+            <a:ext cx="11832292" cy="5087887"/>
+          </a:xfrm>
+          <a:prstGeom prst="rect">
+            <a:avLst/>
+          </a:prstGeom>
+          <a:ln w="12700">
+            <a:miter lim="400000"/>
+          </a:ln>
+        </p:spPr>
+      </p:pic>
     </p:spTree>
   </p:cSld>
   <p:clrMapOvr>
@@ -8994,8 +8993,8 @@
         </p:blipFill>
         <p:spPr>
           <a:xfrm>
-            <a:off x="399987" y="2083262"/>
-            <a:ext cx="11832292" cy="5087887"/>
+            <a:off x="360038" y="2190556"/>
+            <a:ext cx="15998073" cy="5372488"/>
           </a:xfrm>
           <a:prstGeom prst="rect">
             <a:avLst/>
@@ -9060,6 +9059,54 @@
           </a:ln>
         </p:spPr>
       </p:pic>
+      <p:sp>
+        <p:nvSpPr>
+          <p:cNvPr id="289" name="Shape 289"/>
+          <p:cNvSpPr/>
+          <p:nvPr/>
+        </p:nvSpPr>
+        <p:spPr>
+          <a:xfrm>
+            <a:off x="160543" y="4610099"/>
+            <a:ext cx="2997709" cy="1143001"/>
+          </a:xfrm>
+          <a:prstGeom prst="rect">
+            <a:avLst/>
+          </a:prstGeom>
+          <a:ln w="12700">
+            <a:miter lim="400000"/>
+          </a:ln>
+          <a:extLst>
+            <a:ext uri="{C572A759-6A51-4108-AA02-DFA0A04FC94B}">
+              <ma14:wrappingTextBoxFlag xmlns:ma14="http://schemas.microsoft.com/office/mac/drawingml/2011/main" val="1"/>
+            </a:ext>
+          </a:extLst>
+        </p:spPr>
+        <p:txBody>
+          <a:bodyPr wrap="none" lIns="50800" tIns="50800" rIns="50800" bIns="50800" anchor="ctr">
+            <a:spAutoFit/>
+          </a:bodyPr>
+          <a:lstStyle>
+            <a:lvl1pPr>
+              <a:defRPr sz="6000">
+                <a:solidFill>
+                  <a:schemeClr val="accent5"/>
+                </a:solidFill>
+                <a:latin typeface="Avenir Next Medium"/>
+                <a:ea typeface="Avenir Next Medium"/>
+                <a:cs typeface="Avenir Next Medium"/>
+                <a:sym typeface="Avenir Next Medium"/>
+              </a:defRPr>
+            </a:lvl1pPr>
+          </a:lstStyle>
+          <a:p>
+            <a:pPr/>
+            <a:r>
+              <a:t>samples</a:t>
+            </a:r>
+          </a:p>
+        </p:txBody>
+      </p:sp>
     </p:spTree>
   </p:cSld>
   <p:clrMapOvr>
@@ -9088,7 +9135,7 @@
       </p:grpSpPr>
       <p:pic>
         <p:nvPicPr>
-          <p:cNvPr id="290" name="pasted-image.png"/>
+          <p:cNvPr id="291" name="pasted-image.png"/>
           <p:cNvPicPr>
             <a:picLocks noChangeAspect="1"/>
           </p:cNvPicPr>
@@ -9117,7 +9164,55 @@
       </p:pic>
       <p:sp>
         <p:nvSpPr>
-          <p:cNvPr id="291" name="Shape 291"/>
+          <p:cNvPr id="292" name="Shape 292"/>
+          <p:cNvSpPr/>
+          <p:nvPr/>
+        </p:nvSpPr>
+        <p:spPr>
+          <a:xfrm>
+            <a:off x="6519010" y="1101460"/>
+            <a:ext cx="2919223" cy="1143001"/>
+          </a:xfrm>
+          <a:prstGeom prst="rect">
+            <a:avLst/>
+          </a:prstGeom>
+          <a:ln w="12700">
+            <a:miter lim="400000"/>
+          </a:ln>
+          <a:extLst>
+            <a:ext uri="{C572A759-6A51-4108-AA02-DFA0A04FC94B}">
+              <ma14:wrappingTextBoxFlag xmlns:ma14="http://schemas.microsoft.com/office/mac/drawingml/2011/main" val="1"/>
+            </a:ext>
+          </a:extLst>
+        </p:spPr>
+        <p:txBody>
+          <a:bodyPr wrap="none" lIns="50800" tIns="50800" rIns="50800" bIns="50800" anchor="ctr">
+            <a:spAutoFit/>
+          </a:bodyPr>
+          <a:lstStyle>
+            <a:lvl1pPr>
+              <a:defRPr sz="6000">
+                <a:solidFill>
+                  <a:schemeClr val="accent5"/>
+                </a:solidFill>
+                <a:latin typeface="Avenir Next Medium"/>
+                <a:ea typeface="Avenir Next Medium"/>
+                <a:cs typeface="Avenir Next Medium"/>
+                <a:sym typeface="Avenir Next Medium"/>
+              </a:defRPr>
+            </a:lvl1pPr>
+          </a:lstStyle>
+          <a:p>
+            <a:pPr/>
+            <a:r>
+              <a:t>features</a:t>
+            </a:r>
+          </a:p>
+        </p:txBody>
+      </p:sp>
+      <p:sp>
+        <p:nvSpPr>
+          <p:cNvPr id="293" name="Shape 293"/>
           <p:cNvSpPr/>
           <p:nvPr/>
         </p:nvSpPr>
@@ -9191,7 +9286,7 @@
       </p:grpSpPr>
       <p:pic>
         <p:nvPicPr>
-          <p:cNvPr id="293" name="pasted-image.png"/>
+          <p:cNvPr id="295" name="dataset_diagram.png"/>
           <p:cNvPicPr>
             <a:picLocks noChangeAspect="1"/>
           </p:cNvPicPr>
@@ -9201,14 +9296,15 @@
           <a:blip r:embed="rId2">
             <a:extLst/>
           </a:blip>
+          <a:srcRect l="17235" t="0" r="5501" b="0"/>
           <a:stretch>
             <a:fillRect/>
           </a:stretch>
         </p:blipFill>
         <p:spPr>
           <a:xfrm>
-            <a:off x="360038" y="2190556"/>
-            <a:ext cx="15998073" cy="5372488"/>
+            <a:off x="2050388" y="1108868"/>
+            <a:ext cx="8390013" cy="7535766"/>
           </a:xfrm>
           <a:prstGeom prst="rect">
             <a:avLst/>
@@ -9218,102 +9314,6 @@
           </a:ln>
         </p:spPr>
       </p:pic>
-      <p:sp>
-        <p:nvSpPr>
-          <p:cNvPr id="294" name="Shape 294"/>
-          <p:cNvSpPr/>
-          <p:nvPr/>
-        </p:nvSpPr>
-        <p:spPr>
-          <a:xfrm>
-            <a:off x="6519010" y="1101460"/>
-            <a:ext cx="2919223" cy="1143001"/>
-          </a:xfrm>
-          <a:prstGeom prst="rect">
-            <a:avLst/>
-          </a:prstGeom>
-          <a:ln w="12700">
-            <a:miter lim="400000"/>
-          </a:ln>
-          <a:extLst>
-            <a:ext uri="{C572A759-6A51-4108-AA02-DFA0A04FC94B}">
-              <ma14:wrappingTextBoxFlag xmlns:ma14="http://schemas.microsoft.com/office/mac/drawingml/2011/main" val="1"/>
-            </a:ext>
-          </a:extLst>
-        </p:spPr>
-        <p:txBody>
-          <a:bodyPr wrap="none" lIns="50800" tIns="50800" rIns="50800" bIns="50800" anchor="ctr">
-            <a:spAutoFit/>
-          </a:bodyPr>
-          <a:lstStyle>
-            <a:lvl1pPr>
-              <a:defRPr sz="6000">
-                <a:solidFill>
-                  <a:schemeClr val="accent5"/>
-                </a:solidFill>
-                <a:latin typeface="Avenir Next Medium"/>
-                <a:ea typeface="Avenir Next Medium"/>
-                <a:cs typeface="Avenir Next Medium"/>
-                <a:sym typeface="Avenir Next Medium"/>
-              </a:defRPr>
-            </a:lvl1pPr>
-          </a:lstStyle>
-          <a:p>
-            <a:pPr/>
-            <a:r>
-              <a:t>features</a:t>
-            </a:r>
-          </a:p>
-        </p:txBody>
-      </p:sp>
-      <p:sp>
-        <p:nvSpPr>
-          <p:cNvPr id="295" name="Shape 295"/>
-          <p:cNvSpPr/>
-          <p:nvPr/>
-        </p:nvSpPr>
-        <p:spPr>
-          <a:xfrm>
-            <a:off x="160543" y="4610099"/>
-            <a:ext cx="2997709" cy="1143001"/>
-          </a:xfrm>
-          <a:prstGeom prst="rect">
-            <a:avLst/>
-          </a:prstGeom>
-          <a:ln w="12700">
-            <a:miter lim="400000"/>
-          </a:ln>
-          <a:extLst>
-            <a:ext uri="{C572A759-6A51-4108-AA02-DFA0A04FC94B}">
-              <ma14:wrappingTextBoxFlag xmlns:ma14="http://schemas.microsoft.com/office/mac/drawingml/2011/main" val="1"/>
-            </a:ext>
-          </a:extLst>
-        </p:spPr>
-        <p:txBody>
-          <a:bodyPr wrap="none" lIns="50800" tIns="50800" rIns="50800" bIns="50800" anchor="ctr">
-            <a:spAutoFit/>
-          </a:bodyPr>
-          <a:lstStyle>
-            <a:lvl1pPr>
-              <a:defRPr sz="6000">
-                <a:solidFill>
-                  <a:schemeClr val="accent5"/>
-                </a:solidFill>
-                <a:latin typeface="Avenir Next Medium"/>
-                <a:ea typeface="Avenir Next Medium"/>
-                <a:cs typeface="Avenir Next Medium"/>
-                <a:sym typeface="Avenir Next Medium"/>
-              </a:defRPr>
-            </a:lvl1pPr>
-          </a:lstStyle>
-          <a:p>
-            <a:pPr/>
-            <a:r>
-              <a:t>samples</a:t>
-            </a:r>
-          </a:p>
-        </p:txBody>
-      </p:sp>
     </p:spTree>
   </p:cSld>
   <p:clrMapOvr>
@@ -9526,9 +9526,30 @@
           <a:chExt cx="0" cy="0"/>
         </a:xfrm>
       </p:grpSpPr>
+      <p:sp>
+        <p:nvSpPr>
+          <p:cNvPr id="297" name="Shape 297"/>
+          <p:cNvSpPr/>
+          <p:nvPr>
+            <p:ph type="subTitle" sz="quarter" idx="1"/>
+          </p:nvPr>
+        </p:nvSpPr>
+        <p:spPr>
+          <a:prstGeom prst="rect">
+            <a:avLst/>
+          </a:prstGeom>
+        </p:spPr>
+        <p:txBody>
+          <a:bodyPr/>
+          <a:lstStyle/>
+          <a:p>
+            <a:pPr/>
+          </a:p>
+        </p:txBody>
+      </p:sp>
       <p:pic>
         <p:nvPicPr>
-          <p:cNvPr id="297" name="dataset_diagram.png"/>
+          <p:cNvPr id="298" name="pasted-image.jpeg"/>
           <p:cNvPicPr>
             <a:picLocks noChangeAspect="1"/>
           </p:cNvPicPr>
@@ -9538,15 +9559,15 @@
           <a:blip r:embed="rId2">
             <a:extLst/>
           </a:blip>
-          <a:srcRect l="17235" t="0" r="5501" b="0"/>
+          <a:srcRect l="4056" t="48434" r="9588" b="0"/>
           <a:stretch>
             <a:fillRect/>
           </a:stretch>
         </p:blipFill>
         <p:spPr>
           <a:xfrm>
-            <a:off x="2050388" y="1108868"/>
-            <a:ext cx="8390013" cy="7535766"/>
+            <a:off x="341312" y="2887001"/>
+            <a:ext cx="12322208" cy="3370064"/>
           </a:xfrm>
           <a:prstGeom prst="rect">
             <a:avLst/>
@@ -9584,7 +9605,30 @@
       </p:grpSpPr>
       <p:sp>
         <p:nvSpPr>
-          <p:cNvPr id="299" name="Shape 299"/>
+          <p:cNvPr id="300" name="Shape 300"/>
+          <p:cNvSpPr/>
+          <p:nvPr>
+            <p:ph type="ctrTitle"/>
+          </p:nvPr>
+        </p:nvSpPr>
+        <p:spPr>
+          <a:prstGeom prst="rect">
+            <a:avLst/>
+          </a:prstGeom>
+        </p:spPr>
+        <p:txBody>
+          <a:bodyPr/>
+          <a:lstStyle/>
+          <a:p>
+            <a:pPr defTabSz="455675">
+              <a:defRPr sz="13259"/>
+            </a:pPr>
+          </a:p>
+        </p:txBody>
+      </p:sp>
+      <p:sp>
+        <p:nvSpPr>
+          <p:cNvPr id="301" name="Shape 301"/>
           <p:cNvSpPr/>
           <p:nvPr>
             <p:ph type="subTitle" sz="quarter" idx="1"/>
@@ -9605,7 +9649,7 @@
       </p:sp>
       <p:pic>
         <p:nvPicPr>
-          <p:cNvPr id="300" name="pasted-image.jpeg"/>
+          <p:cNvPr id="302" name="pasted-image.jpeg"/>
           <p:cNvPicPr>
             <a:picLocks noChangeAspect="1"/>
           </p:cNvPicPr>
@@ -9615,15 +9659,14 @@
           <a:blip r:embed="rId2">
             <a:extLst/>
           </a:blip>
-          <a:srcRect l="4056" t="48434" r="9588" b="0"/>
           <a:stretch>
             <a:fillRect/>
           </a:stretch>
         </p:blipFill>
         <p:spPr>
           <a:xfrm>
-            <a:off x="341312" y="2887001"/>
-            <a:ext cx="12322208" cy="3370064"/>
+            <a:off x="364529" y="2398910"/>
+            <a:ext cx="12275679" cy="6911821"/>
           </a:xfrm>
           <a:prstGeom prst="rect">
             <a:avLst/>
@@ -9633,6 +9676,56 @@
           </a:ln>
         </p:spPr>
       </p:pic>
+      <p:sp>
+        <p:nvSpPr>
+          <p:cNvPr id="303" name="Shape 303"/>
+          <p:cNvSpPr/>
+          <p:nvPr/>
+        </p:nvSpPr>
+        <p:spPr>
+          <a:xfrm>
+            <a:off x="2810251" y="917362"/>
+            <a:ext cx="12125631" cy="1043944"/>
+          </a:xfrm>
+          <a:prstGeom prst="rect">
+            <a:avLst/>
+          </a:prstGeom>
+          <a:ln w="12700">
+            <a:miter lim="400000"/>
+          </a:ln>
+          <a:extLst>
+            <a:ext uri="{C572A759-6A51-4108-AA02-DFA0A04FC94B}">
+              <ma14:wrappingTextBoxFlag xmlns:ma14="http://schemas.microsoft.com/office/mac/drawingml/2011/main" val="1"/>
+            </a:ext>
+          </a:extLst>
+        </p:spPr>
+        <p:txBody>
+          <a:bodyPr lIns="50800" tIns="50800" rIns="50800" bIns="50800" anchor="ctr">
+            <a:spAutoFit/>
+          </a:bodyPr>
+          <a:lstStyle>
+            <a:lvl1pPr>
+              <a:lnSpc>
+                <a:spcPct val="80000"/>
+              </a:lnSpc>
+              <a:spcBef>
+                <a:spcPts val="0"/>
+              </a:spcBef>
+              <a:defRPr cap="all" sz="7400">
+                <a:solidFill>
+                  <a:srgbClr val="FFFFFF"/>
+                </a:solidFill>
+              </a:defRPr>
+            </a:lvl1pPr>
+          </a:lstStyle>
+          <a:p>
+            <a:pPr/>
+            <a:r>
+              <a:t>Wait! How do we test?</a:t>
+            </a:r>
+          </a:p>
+        </p:txBody>
+      </p:sp>
     </p:spTree>
   </p:cSld>
   <p:clrMapOvr>
@@ -9659,53 +9752,9 @@
           <a:chExt cx="0" cy="0"/>
         </a:xfrm>
       </p:grpSpPr>
-      <p:sp>
-        <p:nvSpPr>
-          <p:cNvPr id="302" name="Shape 302"/>
-          <p:cNvSpPr/>
-          <p:nvPr>
-            <p:ph type="ctrTitle"/>
-          </p:nvPr>
-        </p:nvSpPr>
-        <p:spPr>
-          <a:prstGeom prst="rect">
-            <a:avLst/>
-          </a:prstGeom>
-        </p:spPr>
-        <p:txBody>
-          <a:bodyPr/>
-          <a:lstStyle/>
-          <a:p>
-            <a:pPr defTabSz="455675">
-              <a:defRPr sz="13259"/>
-            </a:pPr>
-          </a:p>
-        </p:txBody>
-      </p:sp>
-      <p:sp>
-        <p:nvSpPr>
-          <p:cNvPr id="303" name="Shape 303"/>
-          <p:cNvSpPr/>
-          <p:nvPr>
-            <p:ph type="subTitle" sz="quarter" idx="1"/>
-          </p:nvPr>
-        </p:nvSpPr>
-        <p:spPr>
-          <a:prstGeom prst="rect">
-            <a:avLst/>
-          </a:prstGeom>
-        </p:spPr>
-        <p:txBody>
-          <a:bodyPr/>
-          <a:lstStyle/>
-          <a:p>
-            <a:pPr/>
-          </a:p>
-        </p:txBody>
-      </p:sp>
       <p:pic>
         <p:nvPicPr>
-          <p:cNvPr id="304" name="pasted-image.jpeg"/>
+          <p:cNvPr id="305" name="pasted-image.png"/>
           <p:cNvPicPr>
             <a:picLocks noChangeAspect="1"/>
           </p:cNvPicPr>
@@ -9721,8 +9770,8 @@
         </p:blipFill>
         <p:spPr>
           <a:xfrm>
-            <a:off x="364529" y="2398910"/>
-            <a:ext cx="12275679" cy="6911821"/>
+            <a:off x="4603750" y="3810000"/>
+            <a:ext cx="3797300" cy="2133600"/>
           </a:xfrm>
           <a:prstGeom prst="rect">
             <a:avLst/>
@@ -9732,16 +9781,26 @@
           </a:ln>
         </p:spPr>
       </p:pic>
-      <p:sp>
-        <p:nvSpPr>
-          <p:cNvPr id="305" name="Shape 305"/>
-          <p:cNvSpPr/>
+      <p:pic>
+        <p:nvPicPr>
+          <p:cNvPr id="306" name="pasted-image.png"/>
+          <p:cNvPicPr>
+            <a:picLocks noChangeAspect="1"/>
+          </p:cNvPicPr>
           <p:nvPr/>
-        </p:nvSpPr>
-        <p:spPr>
-          <a:xfrm>
-            <a:off x="2810251" y="917362"/>
-            <a:ext cx="12125631" cy="1043944"/>
+        </p:nvPicPr>
+        <p:blipFill>
+          <a:blip r:embed="rId3">
+            <a:extLst/>
+          </a:blip>
+          <a:stretch>
+            <a:fillRect/>
+          </a:stretch>
+        </p:blipFill>
+        <p:spPr>
+          <a:xfrm>
+            <a:off x="-1" y="1219064"/>
+            <a:ext cx="13004801" cy="7315472"/>
           </a:xfrm>
           <a:prstGeom prst="rect">
             <a:avLst/>
@@ -9749,39 +9808,8 @@
           <a:ln w="12700">
             <a:miter lim="400000"/>
           </a:ln>
-          <a:extLst>
-            <a:ext uri="{C572A759-6A51-4108-AA02-DFA0A04FC94B}">
-              <ma14:wrappingTextBoxFlag xmlns:ma14="http://schemas.microsoft.com/office/mac/drawingml/2011/main" val="1"/>
-            </a:ext>
-          </a:extLst>
-        </p:spPr>
-        <p:txBody>
-          <a:bodyPr lIns="50800" tIns="50800" rIns="50800" bIns="50800" anchor="ctr">
-            <a:spAutoFit/>
-          </a:bodyPr>
-          <a:lstStyle>
-            <a:lvl1pPr>
-              <a:lnSpc>
-                <a:spcPct val="80000"/>
-              </a:lnSpc>
-              <a:spcBef>
-                <a:spcPts val="0"/>
-              </a:spcBef>
-              <a:defRPr cap="all" sz="7400">
-                <a:solidFill>
-                  <a:srgbClr val="FFFFFF"/>
-                </a:solidFill>
-              </a:defRPr>
-            </a:lvl1pPr>
-          </a:lstStyle>
-          <a:p>
-            <a:pPr/>
-            <a:r>
-              <a:t>Wait! How do we test?</a:t>
-            </a:r>
-          </a:p>
-        </p:txBody>
-      </p:sp>
+        </p:spPr>
+      </p:pic>
     </p:spTree>
   </p:cSld>
   <p:clrMapOvr>
@@ -9808,64 +9836,34 @@
           <a:chExt cx="0" cy="0"/>
         </a:xfrm>
       </p:grpSpPr>
-      <p:pic>
-        <p:nvPicPr>
-          <p:cNvPr id="307" name="pasted-image.png"/>
-          <p:cNvPicPr>
-            <a:picLocks noChangeAspect="1"/>
-          </p:cNvPicPr>
-          <p:nvPr/>
-        </p:nvPicPr>
-        <p:blipFill>
-          <a:blip r:embed="rId2">
-            <a:extLst/>
-          </a:blip>
-          <a:stretch>
-            <a:fillRect/>
-          </a:stretch>
-        </p:blipFill>
-        <p:spPr>
-          <a:xfrm>
-            <a:off x="4603750" y="3810000"/>
-            <a:ext cx="3797300" cy="2133600"/>
-          </a:xfrm>
-          <a:prstGeom prst="rect">
-            <a:avLst/>
-          </a:prstGeom>
-          <a:ln w="12700">
-            <a:miter lim="400000"/>
-          </a:ln>
-        </p:spPr>
-      </p:pic>
-      <p:pic>
-        <p:nvPicPr>
-          <p:cNvPr id="308" name="pasted-image.png"/>
-          <p:cNvPicPr>
-            <a:picLocks noChangeAspect="1"/>
-          </p:cNvPicPr>
-          <p:nvPr/>
-        </p:nvPicPr>
-        <p:blipFill>
-          <a:blip r:embed="rId3">
-            <a:extLst/>
-          </a:blip>
-          <a:stretch>
-            <a:fillRect/>
-          </a:stretch>
-        </p:blipFill>
-        <p:spPr>
-          <a:xfrm>
-            <a:off x="-1" y="1219064"/>
-            <a:ext cx="13004801" cy="7315472"/>
-          </a:xfrm>
-          <a:prstGeom prst="rect">
-            <a:avLst/>
-          </a:prstGeom>
-          <a:ln w="12700">
-            <a:miter lim="400000"/>
-          </a:ln>
-        </p:spPr>
-      </p:pic>
+      <p:sp>
+        <p:nvSpPr>
+          <p:cNvPr id="308" name="Shape 308"/>
+          <p:cNvSpPr/>
+          <p:nvPr>
+            <p:ph type="title"/>
+          </p:nvPr>
+        </p:nvSpPr>
+        <p:spPr>
+          <a:xfrm>
+            <a:off x="4546637" y="3906006"/>
+            <a:ext cx="12310459" cy="3602708"/>
+          </a:xfrm>
+          <a:prstGeom prst="rect">
+            <a:avLst/>
+          </a:prstGeom>
+        </p:spPr>
+        <p:txBody>
+          <a:bodyPr/>
+          <a:lstStyle/>
+          <a:p>
+            <a:pPr/>
+            <a:r>
+              <a:t>Quiz</a:t>
+            </a:r>
+          </a:p>
+        </p:txBody>
+      </p:sp>
     </p:spTree>
   </p:cSld>
   <p:clrMapOvr>
@@ -9902,8 +9900,8 @@
         </p:nvSpPr>
         <p:spPr>
           <a:xfrm>
-            <a:off x="4546637" y="3906006"/>
-            <a:ext cx="12310459" cy="3602708"/>
+            <a:off x="1117600" y="3005666"/>
+            <a:ext cx="12192000" cy="4521201"/>
           </a:xfrm>
           <a:prstGeom prst="rect">
             <a:avLst/>
@@ -9915,7 +9913,13 @@
           <a:p>
             <a:pPr/>
             <a:r>
-              <a:t>Quiz</a:t>
+              <a:t>Hands on </a:t>
+            </a:r>
+          </a:p>
+          <a:p>
+            <a:pPr/>
+            <a:r>
+              <a:t>with Python</a:t>
             </a:r>
           </a:p>
         </p:txBody>
@@ -9946,36 +9950,81 @@
           <a:chExt cx="0" cy="0"/>
         </a:xfrm>
       </p:grpSpPr>
-      <p:sp>
-        <p:nvSpPr>
-          <p:cNvPr id="312" name="Shape 312"/>
-          <p:cNvSpPr/>
-          <p:nvPr>
-            <p:ph type="title"/>
-          </p:nvPr>
-        </p:nvSpPr>
-        <p:spPr>
-          <a:xfrm>
-            <a:off x="1117600" y="3005666"/>
-            <a:ext cx="12192000" cy="4521201"/>
-          </a:xfrm>
-          <a:prstGeom prst="rect">
-            <a:avLst/>
-          </a:prstGeom>
-        </p:spPr>
-        <p:txBody>
-          <a:bodyPr/>
-          <a:lstStyle/>
+      <p:pic>
+        <p:nvPicPr>
+          <p:cNvPr id="312" name="pasted-image.jpeg"/>
+          <p:cNvPicPr>
+            <a:picLocks noChangeAspect="1"/>
+          </p:cNvPicPr>
+          <p:nvPr/>
+        </p:nvPicPr>
+        <p:blipFill>
+          <a:blip r:embed="rId2">
+            <a:extLst/>
+          </a:blip>
+          <a:stretch>
+            <a:fillRect/>
+          </a:stretch>
+        </p:blipFill>
+        <p:spPr>
+          <a:xfrm>
+            <a:off x="351366" y="2010404"/>
+            <a:ext cx="12302068" cy="8261243"/>
+          </a:xfrm>
+          <a:prstGeom prst="rect">
+            <a:avLst/>
+          </a:prstGeom>
+          <a:ln w="12700">
+            <a:miter lim="400000"/>
+          </a:ln>
+        </p:spPr>
+      </p:pic>
+      <p:sp>
+        <p:nvSpPr>
+          <p:cNvPr id="313" name="Shape 313"/>
+          <p:cNvSpPr/>
+          <p:nvPr/>
+        </p:nvSpPr>
+        <p:spPr>
+          <a:xfrm>
+            <a:off x="3369052" y="697228"/>
+            <a:ext cx="12125630" cy="1043944"/>
+          </a:xfrm>
+          <a:prstGeom prst="rect">
+            <a:avLst/>
+          </a:prstGeom>
+          <a:ln w="12700">
+            <a:miter lim="400000"/>
+          </a:ln>
+          <a:extLst>
+            <a:ext uri="{C572A759-6A51-4108-AA02-DFA0A04FC94B}">
+              <ma14:wrappingTextBoxFlag xmlns:ma14="http://schemas.microsoft.com/office/mac/drawingml/2011/main" val="1"/>
+            </a:ext>
+          </a:extLst>
+        </p:spPr>
+        <p:txBody>
+          <a:bodyPr lIns="50800" tIns="50800" rIns="50800" bIns="50800" anchor="ctr">
+            <a:spAutoFit/>
+          </a:bodyPr>
+          <a:lstStyle>
+            <a:lvl1pPr>
+              <a:lnSpc>
+                <a:spcPct val="80000"/>
+              </a:lnSpc>
+              <a:spcBef>
+                <a:spcPts val="0"/>
+              </a:spcBef>
+              <a:defRPr cap="all" sz="7400">
+                <a:solidFill>
+                  <a:srgbClr val="FFFFFF"/>
+                </a:solidFill>
+              </a:defRPr>
+            </a:lvl1pPr>
+          </a:lstStyle>
           <a:p>
             <a:pPr/>
             <a:r>
-              <a:t>Hands on </a:t>
-            </a:r>
-          </a:p>
-          <a:p>
-            <a:pPr/>
-            <a:r>
-              <a:t>with Python</a:t>
+              <a:t>Setting the table</a:t>
             </a:r>
           </a:p>
         </p:txBody>
@@ -10006,81 +10055,87 @@
           <a:chExt cx="0" cy="0"/>
         </a:xfrm>
       </p:grpSpPr>
-      <p:pic>
-        <p:nvPicPr>
-          <p:cNvPr id="314" name="pasted-image.jpeg"/>
-          <p:cNvPicPr>
-            <a:picLocks noChangeAspect="1"/>
-          </p:cNvPicPr>
-          <p:nvPr/>
-        </p:nvPicPr>
-        <p:blipFill>
-          <a:blip r:embed="rId2">
-            <a:extLst/>
-          </a:blip>
-          <a:stretch>
-            <a:fillRect/>
-          </a:stretch>
-        </p:blipFill>
-        <p:spPr>
-          <a:xfrm>
-            <a:off x="351366" y="2010404"/>
-            <a:ext cx="12302068" cy="8261243"/>
-          </a:xfrm>
-          <a:prstGeom prst="rect">
-            <a:avLst/>
-          </a:prstGeom>
-          <a:ln w="12700">
-            <a:miter lim="400000"/>
-          </a:ln>
-        </p:spPr>
-      </p:pic>
       <p:sp>
         <p:nvSpPr>
           <p:cNvPr id="315" name="Shape 315"/>
           <p:cNvSpPr/>
-          <p:nvPr/>
-        </p:nvSpPr>
-        <p:spPr>
-          <a:xfrm>
-            <a:off x="3369052" y="697228"/>
-            <a:ext cx="12125630" cy="1043944"/>
-          </a:xfrm>
-          <a:prstGeom prst="rect">
-            <a:avLst/>
-          </a:prstGeom>
-          <a:ln w="12700">
-            <a:miter lim="400000"/>
-          </a:ln>
-          <a:extLst>
-            <a:ext uri="{C572A759-6A51-4108-AA02-DFA0A04FC94B}">
-              <ma14:wrappingTextBoxFlag xmlns:ma14="http://schemas.microsoft.com/office/mac/drawingml/2011/main" val="1"/>
-            </a:ext>
-          </a:extLst>
-        </p:spPr>
-        <p:txBody>
-          <a:bodyPr lIns="50800" tIns="50800" rIns="50800" bIns="50800" anchor="ctr">
-            <a:spAutoFit/>
-          </a:bodyPr>
+          <p:nvPr>
+            <p:ph type="title"/>
+          </p:nvPr>
+        </p:nvSpPr>
+        <p:spPr>
+          <a:xfrm>
+            <a:off x="406400" y="1536700"/>
+            <a:ext cx="12192000" cy="1169260"/>
+          </a:xfrm>
+          <a:prstGeom prst="rect">
+            <a:avLst/>
+          </a:prstGeom>
+        </p:spPr>
+        <p:txBody>
+          <a:bodyPr/>
           <a:lstStyle>
-            <a:lvl1pPr>
-              <a:lnSpc>
-                <a:spcPct val="80000"/>
-              </a:lnSpc>
+            <a:lvl1pPr defTabSz="403097">
               <a:spcBef>
-                <a:spcPts val="0"/>
+                <a:spcPts val="1900"/>
               </a:spcBef>
-              <a:defRPr cap="all" sz="7400">
-                <a:solidFill>
-                  <a:srgbClr val="FFFFFF"/>
-                </a:solidFill>
-              </a:defRPr>
+              <a:defRPr sz="8280"/>
             </a:lvl1pPr>
           </a:lstStyle>
           <a:p>
             <a:pPr/>
             <a:r>
-              <a:t>Setting the table</a:t>
+              <a:t>Pandas</a:t>
+            </a:r>
+          </a:p>
+        </p:txBody>
+      </p:sp>
+      <p:sp>
+        <p:nvSpPr>
+          <p:cNvPr id="316" name="Shape 316"/>
+          <p:cNvSpPr/>
+          <p:nvPr>
+            <p:ph type="body" sz="half" idx="1"/>
+          </p:nvPr>
+        </p:nvSpPr>
+        <p:spPr>
+          <a:xfrm>
+            <a:off x="406400" y="3903099"/>
+            <a:ext cx="12192000" cy="2809780"/>
+          </a:xfrm>
+          <a:prstGeom prst="rect">
+            <a:avLst/>
+          </a:prstGeom>
+        </p:spPr>
+        <p:txBody>
+          <a:bodyPr/>
+          <a:lstStyle/>
+          <a:p>
+            <a:pPr marL="705970" indent="-705970">
+              <a:buClrTx/>
+              <a:buSzPct val="40000"/>
+              <a:buFontTx/>
+              <a:buBlip>
+                <a:blip r:embed="rId2"/>
+              </a:buBlip>
+              <a:defRPr sz="6400"/>
+            </a:pPr>
+            <a:r>
+              <a:t>Short for “panel data”</a:t>
+            </a:r>
+          </a:p>
+          <a:p>
+            <a:pPr marL="705970" indent="-705970">
+              <a:buClrTx/>
+              <a:buSzPct val="40000"/>
+              <a:buFontTx/>
+              <a:buBlip>
+                <a:blip r:embed="rId2"/>
+              </a:buBlip>
+              <a:defRPr sz="6400"/>
+            </a:pPr>
+            <a:r>
+              <a:t>DataFrame concept from R</a:t>
             </a:r>
           </a:p>
         </p:txBody>
@@ -10113,7 +10168,7 @@
       </p:grpSpPr>
       <p:sp>
         <p:nvSpPr>
-          <p:cNvPr id="317" name="Shape 317"/>
+          <p:cNvPr id="318" name="Shape 318"/>
           <p:cNvSpPr/>
           <p:nvPr>
             <p:ph type="title"/>
@@ -10141,23 +10196,23 @@
           <a:p>
             <a:pPr/>
             <a:r>
-              <a:t>Pandas</a:t>
-            </a:r>
-          </a:p>
-        </p:txBody>
-      </p:sp>
-      <p:sp>
-        <p:nvSpPr>
-          <p:cNvPr id="318" name="Shape 318"/>
+              <a:t>Dataframe</a:t>
+            </a:r>
+          </a:p>
+        </p:txBody>
+      </p:sp>
+      <p:sp>
+        <p:nvSpPr>
+          <p:cNvPr id="319" name="Shape 319"/>
           <p:cNvSpPr/>
           <p:nvPr>
-            <p:ph type="body" sz="half" idx="1"/>
+            <p:ph type="body" idx="1"/>
           </p:nvPr>
         </p:nvSpPr>
         <p:spPr>
           <a:xfrm>
-            <a:off x="406400" y="3903099"/>
-            <a:ext cx="12192000" cy="2809780"/>
+            <a:off x="406400" y="3953767"/>
+            <a:ext cx="12192000" cy="4612257"/>
           </a:xfrm>
           <a:prstGeom prst="rect">
             <a:avLst/>
@@ -10177,7 +10232,7 @@
               <a:defRPr sz="6400"/>
             </a:pPr>
             <a:r>
-              <a:t>Short for “panel data”</a:t>
+              <a:t>Similar to a spreadsheet</a:t>
             </a:r>
           </a:p>
           <a:p>
@@ -10191,7 +10246,7 @@
               <a:defRPr sz="6400"/>
             </a:pPr>
             <a:r>
-              <a:t>DataFrame concept from R</a:t>
+              <a:t>Columns are Numpy arrays with special index</a:t>
             </a:r>
           </a:p>
         </p:txBody>
@@ -10224,7 +10279,7 @@
       </p:grpSpPr>
       <p:sp>
         <p:nvSpPr>
-          <p:cNvPr id="320" name="Shape 320"/>
+          <p:cNvPr id="321" name="Shape 321"/>
           <p:cNvSpPr/>
           <p:nvPr>
             <p:ph type="title"/>
@@ -10252,57 +10307,69 @@
           <a:p>
             <a:pPr/>
             <a:r>
-              <a:t>Dataframe</a:t>
-            </a:r>
-          </a:p>
-        </p:txBody>
-      </p:sp>
-      <p:sp>
-        <p:nvSpPr>
-          <p:cNvPr id="321" name="Shape 321"/>
-          <p:cNvSpPr/>
-          <p:nvPr>
-            <p:ph type="body" idx="1"/>
-          </p:nvPr>
-        </p:nvSpPr>
-        <p:spPr>
-          <a:xfrm>
-            <a:off x="406400" y="3953767"/>
-            <a:ext cx="12192000" cy="4612257"/>
-          </a:xfrm>
-          <a:prstGeom prst="rect">
-            <a:avLst/>
-          </a:prstGeom>
-        </p:spPr>
-        <p:txBody>
-          <a:bodyPr/>
+              <a:t>importing Pandas</a:t>
+            </a:r>
+          </a:p>
+        </p:txBody>
+      </p:sp>
+      <p:sp>
+        <p:nvSpPr>
+          <p:cNvPr id="322" name="Shape 322"/>
+          <p:cNvSpPr/>
+          <p:nvPr/>
+        </p:nvSpPr>
+        <p:spPr>
+          <a:xfrm>
+            <a:off x="455296" y="4826000"/>
+            <a:ext cx="12192002" cy="1955801"/>
+          </a:xfrm>
+          <a:prstGeom prst="rect">
+            <a:avLst/>
+          </a:prstGeom>
+          <a:ln w="12700">
+            <a:miter lim="400000"/>
+          </a:ln>
+          <a:extLst>
+            <a:ext uri="{C572A759-6A51-4108-AA02-DFA0A04FC94B}">
+              <ma14:wrappingTextBoxFlag xmlns:ma14="http://schemas.microsoft.com/office/mac/drawingml/2011/main" val="1"/>
+            </a:ext>
+          </a:extLst>
+        </p:spPr>
+        <p:txBody>
+          <a:bodyPr lIns="50800" tIns="50800" rIns="50800" bIns="50800" anchor="ctr">
+            <a:spAutoFit/>
+          </a:bodyPr>
           <a:lstStyle/>
           <a:p>
-            <a:pPr marL="705970" indent="-705970">
-              <a:buClrTx/>
-              <a:buSzPct val="40000"/>
-              <a:buFontTx/>
-              <a:buBlip>
-                <a:blip r:embed="rId2"/>
-              </a:buBlip>
-              <a:defRPr sz="6400"/>
+            <a:pPr>
+              <a:defRPr sz="5100">
+                <a:solidFill>
+                  <a:srgbClr val="838787"/>
+                </a:solidFill>
+                <a:latin typeface="Anonymous Pro for Powerline"/>
+                <a:ea typeface="Anonymous Pro for Powerline"/>
+                <a:cs typeface="Anonymous Pro for Powerline"/>
+                <a:sym typeface="Anonymous Pro for Powerline"/>
+              </a:defRPr>
             </a:pPr>
             <a:r>
-              <a:t>Similar to a spreadsheet</a:t>
-            </a:r>
-          </a:p>
-          <a:p>
-            <a:pPr marL="705970" indent="-705970">
-              <a:buClrTx/>
-              <a:buSzPct val="40000"/>
-              <a:buFontTx/>
-              <a:buBlip>
-                <a:blip r:embed="rId2"/>
-              </a:buBlip>
-              <a:defRPr sz="6400"/>
+              <a:t>import pandas as pd</a:t>
+            </a:r>
+          </a:p>
+          <a:p>
+            <a:pPr>
+              <a:defRPr sz="5100">
+                <a:solidFill>
+                  <a:srgbClr val="838787"/>
+                </a:solidFill>
+                <a:latin typeface="Anonymous Pro for Powerline"/>
+                <a:ea typeface="Anonymous Pro for Powerline"/>
+                <a:cs typeface="Anonymous Pro for Powerline"/>
+                <a:sym typeface="Anonymous Pro for Powerline"/>
+              </a:defRPr>
             </a:pPr>
             <a:r>
-              <a:t>Columns are Numpy arrays with special index</a:t>
+              <a:t> </a:t>
             </a:r>
           </a:p>
         </p:txBody>
@@ -10335,7 +10402,7 @@
       </p:grpSpPr>
       <p:sp>
         <p:nvSpPr>
-          <p:cNvPr id="323" name="Shape 323"/>
+          <p:cNvPr id="324" name="Shape 324"/>
           <p:cNvSpPr/>
           <p:nvPr>
             <p:ph type="title"/>
@@ -10363,21 +10430,21 @@
           <a:p>
             <a:pPr/>
             <a:r>
-              <a:t>importing Pandas</a:t>
-            </a:r>
-          </a:p>
-        </p:txBody>
-      </p:sp>
-      <p:sp>
-        <p:nvSpPr>
-          <p:cNvPr id="324" name="Shape 324"/>
+              <a:t>creating a Dataframe</a:t>
+            </a:r>
+          </a:p>
+        </p:txBody>
+      </p:sp>
+      <p:sp>
+        <p:nvSpPr>
+          <p:cNvPr id="325" name="Shape 325"/>
           <p:cNvSpPr/>
           <p:nvPr/>
         </p:nvSpPr>
         <p:spPr>
           <a:xfrm>
-            <a:off x="455296" y="4826000"/>
-            <a:ext cx="12192002" cy="1955801"/>
+            <a:off x="481291" y="4826000"/>
+            <a:ext cx="13004801" cy="1955801"/>
           </a:xfrm>
           <a:prstGeom prst="rect">
             <a:avLst/>
@@ -10409,7 +10476,18 @@
               </a:defRPr>
             </a:pPr>
             <a:r>
-              <a:t>import pandas as pd</a:t>
+              <a:t>df = </a:t>
+            </a:r>
+            <a:r>
+              <a:rPr>
+                <a:solidFill>
+                  <a:schemeClr val="accent3"/>
+                </a:solidFill>
+              </a:rPr>
+              <a:t>pd.read_csv</a:t>
+            </a:r>
+            <a:r>
+              <a:t>(“file_name”)</a:t>
             </a:r>
           </a:p>
           <a:p>
@@ -10613,7 +10691,7 @@
       </p:grpSpPr>
       <p:sp>
         <p:nvSpPr>
-          <p:cNvPr id="326" name="Shape 326"/>
+          <p:cNvPr id="327" name="Shape 327"/>
           <p:cNvSpPr/>
           <p:nvPr>
             <p:ph type="title"/>
@@ -10641,21 +10719,21 @@
           <a:p>
             <a:pPr/>
             <a:r>
-              <a:t>creating a Dataframe</a:t>
-            </a:r>
-          </a:p>
-        </p:txBody>
-      </p:sp>
-      <p:sp>
-        <p:nvSpPr>
-          <p:cNvPr id="327" name="Shape 327"/>
+              <a:t>Grabbing a Column</a:t>
+            </a:r>
+          </a:p>
+        </p:txBody>
+      </p:sp>
+      <p:sp>
+        <p:nvSpPr>
+          <p:cNvPr id="328" name="Shape 328"/>
           <p:cNvSpPr/>
           <p:nvPr/>
         </p:nvSpPr>
         <p:spPr>
           <a:xfrm>
-            <a:off x="481291" y="4826000"/>
-            <a:ext cx="13004801" cy="1955801"/>
+            <a:off x="552927" y="4826000"/>
+            <a:ext cx="12136012" cy="1955801"/>
           </a:xfrm>
           <a:prstGeom prst="rect">
             <a:avLst/>
@@ -10687,7 +10765,7 @@
               </a:defRPr>
             </a:pPr>
             <a:r>
-              <a:t>df = </a:t>
+              <a:t>df</a:t>
             </a:r>
             <a:r>
               <a:rPr>
@@ -10695,11 +10773,13 @@
                   <a:schemeClr val="accent3"/>
                 </a:solidFill>
               </a:rPr>
-              <a:t>pd.read_csv</a:t>
-            </a:r>
-            <a:r>
-              <a:t>(“file_name”)</a:t>
-            </a:r>
+              <a:t>[‘profit’]</a:t>
+            </a:r>
+            <a:endParaRPr>
+              <a:solidFill>
+                <a:schemeClr val="accent3"/>
+              </a:solidFill>
+            </a:endParaRPr>
           </a:p>
           <a:p>
             <a:pPr>
@@ -10747,7 +10827,7 @@
       </p:grpSpPr>
       <p:sp>
         <p:nvSpPr>
-          <p:cNvPr id="329" name="Shape 329"/>
+          <p:cNvPr id="330" name="Shape 330"/>
           <p:cNvSpPr/>
           <p:nvPr>
             <p:ph type="title"/>
@@ -10775,21 +10855,21 @@
           <a:p>
             <a:pPr/>
             <a:r>
-              <a:t>Grabbing a Column</a:t>
-            </a:r>
-          </a:p>
-        </p:txBody>
-      </p:sp>
-      <p:sp>
-        <p:nvSpPr>
-          <p:cNvPr id="330" name="Shape 330"/>
+              <a:t>Dataframe from columns</a:t>
+            </a:r>
+          </a:p>
+        </p:txBody>
+      </p:sp>
+      <p:sp>
+        <p:nvSpPr>
+          <p:cNvPr id="331" name="Shape 331"/>
           <p:cNvSpPr/>
           <p:nvPr/>
         </p:nvSpPr>
         <p:spPr>
           <a:xfrm>
-            <a:off x="552927" y="4826000"/>
-            <a:ext cx="12136012" cy="1955801"/>
+            <a:off x="434394" y="4826000"/>
+            <a:ext cx="12946701" cy="1955801"/>
           </a:xfrm>
           <a:prstGeom prst="rect">
             <a:avLst/>
@@ -10821,21 +10901,8 @@
               </a:defRPr>
             </a:pPr>
             <a:r>
-              <a:t>df</a:t>
-            </a:r>
-            <a:r>
-              <a:rPr>
-                <a:solidFill>
-                  <a:schemeClr val="accent3"/>
-                </a:solidFill>
-              </a:rPr>
-              <a:t>[‘profit’]</a:t>
-            </a:r>
-            <a:endParaRPr>
-              <a:solidFill>
-                <a:schemeClr val="accent3"/>
-              </a:solidFill>
-            </a:endParaRPr>
+              <a:t>columns = [‘revenue’, ‘profit’]</a:t>
+            </a:r>
           </a:p>
           <a:p>
             <a:pPr>
@@ -10850,7 +10917,7 @@
               </a:defRPr>
             </a:pPr>
             <a:r>
-              <a:t> </a:t>
+              <a:t>df[columns]</a:t>
             </a:r>
           </a:p>
         </p:txBody>
@@ -10883,7 +10950,7 @@
       </p:grpSpPr>
       <p:sp>
         <p:nvSpPr>
-          <p:cNvPr id="332" name="Shape 332"/>
+          <p:cNvPr id="333" name="Shape 333"/>
           <p:cNvSpPr/>
           <p:nvPr>
             <p:ph type="title"/>
@@ -10911,21 +10978,21 @@
           <a:p>
             <a:pPr/>
             <a:r>
-              <a:t>Dataframe from columns</a:t>
-            </a:r>
-          </a:p>
-        </p:txBody>
-      </p:sp>
-      <p:sp>
-        <p:nvSpPr>
-          <p:cNvPr id="333" name="Shape 333"/>
+              <a:t>Dropping Nulls</a:t>
+            </a:r>
+          </a:p>
+        </p:txBody>
+      </p:sp>
+      <p:sp>
+        <p:nvSpPr>
+          <p:cNvPr id="334" name="Shape 334"/>
           <p:cNvSpPr/>
           <p:nvPr/>
         </p:nvSpPr>
         <p:spPr>
           <a:xfrm>
-            <a:off x="434394" y="4826000"/>
-            <a:ext cx="12946701" cy="1955801"/>
+            <a:off x="510396" y="4859069"/>
+            <a:ext cx="11141553" cy="876301"/>
           </a:xfrm>
           <a:prstGeom prst="rect">
             <a:avLst/>
@@ -10957,23 +11024,15 @@
               </a:defRPr>
             </a:pPr>
             <a:r>
-              <a:t>columns = [‘revenue’, ‘profit’]</a:t>
-            </a:r>
-          </a:p>
-          <a:p>
-            <a:pPr>
-              <a:defRPr sz="5100">
-                <a:solidFill>
-                  <a:srgbClr val="838787"/>
-                </a:solidFill>
-                <a:latin typeface="Anonymous Pro for Powerline"/>
-                <a:ea typeface="Anonymous Pro for Powerline"/>
-                <a:cs typeface="Anonymous Pro for Powerline"/>
-                <a:sym typeface="Anonymous Pro for Powerline"/>
-              </a:defRPr>
-            </a:pPr>
-            <a:r>
-              <a:t>df[columns]</a:t>
+              <a:t>df</a:t>
+            </a:r>
+            <a:r>
+              <a:rPr>
+                <a:solidFill>
+                  <a:schemeClr val="accent3"/>
+                </a:solidFill>
+              </a:rPr>
+              <a:t>.dropna()</a:t>
             </a:r>
           </a:p>
         </p:txBody>
@@ -11004,51 +11063,27 @@
           <a:chExt cx="0" cy="0"/>
         </a:xfrm>
       </p:grpSpPr>
-      <p:sp>
-        <p:nvSpPr>
-          <p:cNvPr id="335" name="Shape 335"/>
-          <p:cNvSpPr/>
-          <p:nvPr>
-            <p:ph type="title"/>
-          </p:nvPr>
-        </p:nvSpPr>
-        <p:spPr>
-          <a:xfrm>
-            <a:off x="406400" y="1536700"/>
-            <a:ext cx="12192000" cy="1169260"/>
-          </a:xfrm>
-          <a:prstGeom prst="rect">
-            <a:avLst/>
-          </a:prstGeom>
-        </p:spPr>
-        <p:txBody>
-          <a:bodyPr/>
-          <a:lstStyle>
-            <a:lvl1pPr defTabSz="403097">
-              <a:spcBef>
-                <a:spcPts val="1900"/>
-              </a:spcBef>
-              <a:defRPr sz="8280"/>
-            </a:lvl1pPr>
-          </a:lstStyle>
-          <a:p>
-            <a:pPr/>
-            <a:r>
-              <a:t>Dropping Nulls</a:t>
-            </a:r>
-          </a:p>
-        </p:txBody>
-      </p:sp>
-      <p:sp>
-        <p:nvSpPr>
-          <p:cNvPr id="336" name="Shape 336"/>
-          <p:cNvSpPr/>
+      <p:pic>
+        <p:nvPicPr>
+          <p:cNvPr id="336" name="dataset_diagram.png"/>
+          <p:cNvPicPr>
+            <a:picLocks noChangeAspect="1"/>
+          </p:cNvPicPr>
           <p:nvPr/>
-        </p:nvSpPr>
-        <p:spPr>
-          <a:xfrm>
-            <a:off x="510396" y="4859069"/>
-            <a:ext cx="11141553" cy="876301"/>
+        </p:nvPicPr>
+        <p:blipFill>
+          <a:blip r:embed="rId2">
+            <a:extLst/>
+          </a:blip>
+          <a:srcRect l="17235" t="0" r="5501" b="0"/>
+          <a:stretch>
+            <a:fillRect/>
+          </a:stretch>
+        </p:blipFill>
+        <p:spPr>
+          <a:xfrm>
+            <a:off x="2050388" y="1108868"/>
+            <a:ext cx="8390013" cy="7535766"/>
           </a:xfrm>
           <a:prstGeom prst="rect">
             <a:avLst/>
@@ -11056,43 +11091,8 @@
           <a:ln w="12700">
             <a:miter lim="400000"/>
           </a:ln>
-          <a:extLst>
-            <a:ext uri="{C572A759-6A51-4108-AA02-DFA0A04FC94B}">
-              <ma14:wrappingTextBoxFlag xmlns:ma14="http://schemas.microsoft.com/office/mac/drawingml/2011/main" val="1"/>
-            </a:ext>
-          </a:extLst>
-        </p:spPr>
-        <p:txBody>
-          <a:bodyPr lIns="50800" tIns="50800" rIns="50800" bIns="50800" anchor="ctr">
-            <a:spAutoFit/>
-          </a:bodyPr>
-          <a:lstStyle/>
-          <a:p>
-            <a:pPr>
-              <a:defRPr sz="5100">
-                <a:solidFill>
-                  <a:srgbClr val="838787"/>
-                </a:solidFill>
-                <a:latin typeface="Anonymous Pro for Powerline"/>
-                <a:ea typeface="Anonymous Pro for Powerline"/>
-                <a:cs typeface="Anonymous Pro for Powerline"/>
-                <a:sym typeface="Anonymous Pro for Powerline"/>
-              </a:defRPr>
-            </a:pPr>
-            <a:r>
-              <a:t>df</a:t>
-            </a:r>
-            <a:r>
-              <a:rPr>
-                <a:solidFill>
-                  <a:schemeClr val="accent3"/>
-                </a:solidFill>
-              </a:rPr>
-              <a:t>.dropna()</a:t>
-            </a:r>
-          </a:p>
-        </p:txBody>
-      </p:sp>
+        </p:spPr>
+      </p:pic>
     </p:spTree>
   </p:cSld>
   <p:clrMapOvr>
@@ -11121,7 +11121,7 @@
       </p:grpSpPr>
       <p:pic>
         <p:nvPicPr>
-          <p:cNvPr id="338" name="dataset_diagram.png"/>
+          <p:cNvPr id="338" name="pasted-image.png"/>
           <p:cNvPicPr>
             <a:picLocks noChangeAspect="1"/>
           </p:cNvPicPr>
@@ -11131,15 +11131,43 @@
           <a:blip r:embed="rId2">
             <a:extLst/>
           </a:blip>
-          <a:srcRect l="17235" t="0" r="5501" b="0"/>
           <a:stretch>
             <a:fillRect/>
           </a:stretch>
         </p:blipFill>
         <p:spPr>
           <a:xfrm>
-            <a:off x="2050388" y="1108868"/>
-            <a:ext cx="8390013" cy="7535766"/>
+            <a:off x="4603750" y="3810000"/>
+            <a:ext cx="3797300" cy="2133600"/>
+          </a:xfrm>
+          <a:prstGeom prst="rect">
+            <a:avLst/>
+          </a:prstGeom>
+          <a:ln w="12700">
+            <a:miter lim="400000"/>
+          </a:ln>
+        </p:spPr>
+      </p:pic>
+      <p:pic>
+        <p:nvPicPr>
+          <p:cNvPr id="339" name="pasted-image.png"/>
+          <p:cNvPicPr>
+            <a:picLocks noChangeAspect="1"/>
+          </p:cNvPicPr>
+          <p:nvPr/>
+        </p:nvPicPr>
+        <p:blipFill>
+          <a:blip r:embed="rId3">
+            <a:extLst/>
+          </a:blip>
+          <a:stretch>
+            <a:fillRect/>
+          </a:stretch>
+        </p:blipFill>
+        <p:spPr>
+          <a:xfrm>
+            <a:off x="-1" y="1219064"/>
+            <a:ext cx="13004801" cy="7315472"/>
           </a:xfrm>
           <a:prstGeom prst="rect">
             <a:avLst/>
@@ -11175,64 +11203,34 @@
           <a:chExt cx="0" cy="0"/>
         </a:xfrm>
       </p:grpSpPr>
-      <p:pic>
-        <p:nvPicPr>
-          <p:cNvPr id="340" name="pasted-image.png"/>
-          <p:cNvPicPr>
-            <a:picLocks noChangeAspect="1"/>
-          </p:cNvPicPr>
-          <p:nvPr/>
-        </p:nvPicPr>
-        <p:blipFill>
-          <a:blip r:embed="rId2">
-            <a:extLst/>
-          </a:blip>
-          <a:stretch>
-            <a:fillRect/>
-          </a:stretch>
-        </p:blipFill>
-        <p:spPr>
-          <a:xfrm>
-            <a:off x="4603750" y="3810000"/>
-            <a:ext cx="3797300" cy="2133600"/>
-          </a:xfrm>
-          <a:prstGeom prst="rect">
-            <a:avLst/>
-          </a:prstGeom>
-          <a:ln w="12700">
-            <a:miter lim="400000"/>
-          </a:ln>
-        </p:spPr>
-      </p:pic>
-      <p:pic>
-        <p:nvPicPr>
-          <p:cNvPr id="341" name="pasted-image.png"/>
-          <p:cNvPicPr>
-            <a:picLocks noChangeAspect="1"/>
-          </p:cNvPicPr>
-          <p:nvPr/>
-        </p:nvPicPr>
-        <p:blipFill>
-          <a:blip r:embed="rId3">
-            <a:extLst/>
-          </a:blip>
-          <a:stretch>
-            <a:fillRect/>
-          </a:stretch>
-        </p:blipFill>
-        <p:spPr>
-          <a:xfrm>
-            <a:off x="-1" y="1219064"/>
-            <a:ext cx="13004801" cy="7315472"/>
-          </a:xfrm>
-          <a:prstGeom prst="rect">
-            <a:avLst/>
-          </a:prstGeom>
-          <a:ln w="12700">
-            <a:miter lim="400000"/>
-          </a:ln>
-        </p:spPr>
-      </p:pic>
+      <p:sp>
+        <p:nvSpPr>
+          <p:cNvPr id="341" name="Shape 341"/>
+          <p:cNvSpPr/>
+          <p:nvPr>
+            <p:ph type="title"/>
+          </p:nvPr>
+        </p:nvSpPr>
+        <p:spPr>
+          <a:xfrm>
+            <a:off x="2802101" y="4038600"/>
+            <a:ext cx="7400598" cy="4521200"/>
+          </a:xfrm>
+          <a:prstGeom prst="rect">
+            <a:avLst/>
+          </a:prstGeom>
+        </p:spPr>
+        <p:txBody>
+          <a:bodyPr/>
+          <a:lstStyle/>
+          <a:p>
+            <a:pPr/>
+            <a:r>
+              <a:t>Exercises</a:t>
+            </a:r>
+          </a:p>
+        </p:txBody>
+      </p:sp>
     </p:spTree>
   </p:cSld>
   <p:clrMapOvr>
@@ -11269,8 +11267,43 @@
         </p:nvSpPr>
         <p:spPr>
           <a:xfrm>
-            <a:off x="2802101" y="4038600"/>
-            <a:ext cx="7400598" cy="4521200"/>
+            <a:off x="406400" y="1536700"/>
+            <a:ext cx="12192000" cy="1169260"/>
+          </a:xfrm>
+          <a:prstGeom prst="rect">
+            <a:avLst/>
+          </a:prstGeom>
+        </p:spPr>
+        <p:txBody>
+          <a:bodyPr/>
+          <a:lstStyle>
+            <a:lvl1pPr defTabSz="403097">
+              <a:spcBef>
+                <a:spcPts val="1900"/>
+              </a:spcBef>
+              <a:defRPr sz="8280"/>
+            </a:lvl1pPr>
+          </a:lstStyle>
+          <a:p>
+            <a:pPr/>
+            <a:r>
+              <a:t>Sci-Kit Learn</a:t>
+            </a:r>
+          </a:p>
+        </p:txBody>
+      </p:sp>
+      <p:sp>
+        <p:nvSpPr>
+          <p:cNvPr id="344" name="Shape 344"/>
+          <p:cNvSpPr/>
+          <p:nvPr>
+            <p:ph type="body" sz="half" idx="1"/>
+          </p:nvPr>
+        </p:nvSpPr>
+        <p:spPr>
+          <a:xfrm>
+            <a:off x="406400" y="3953767"/>
+            <a:ext cx="12192000" cy="2531601"/>
           </a:xfrm>
           <a:prstGeom prst="rect">
             <a:avLst/>
@@ -11280,9 +11313,40 @@
           <a:bodyPr/>
           <a:lstStyle/>
           <a:p>
-            <a:pPr/>
-            <a:r>
-              <a:t>Exercises</a:t>
+            <a:pPr marL="585955" indent="-585955" defTabSz="484886">
+              <a:spcBef>
+                <a:spcPts val="2300"/>
+              </a:spcBef>
+              <a:buClrTx/>
+              <a:buSzPct val="40000"/>
+              <a:buFontTx/>
+              <a:buBlip>
+                <a:blip r:embed="rId2"/>
+              </a:buBlip>
+              <a:defRPr sz="5312"/>
+            </a:pPr>
+            <a:r>
+              <a:t>All-in-one machine learning package</a:t>
+            </a:r>
+          </a:p>
+          <a:p>
+            <a:pPr marL="585955" indent="-585955" defTabSz="484886">
+              <a:lnSpc>
+                <a:spcPct val="200000"/>
+              </a:lnSpc>
+              <a:spcBef>
+                <a:spcPts val="2300"/>
+              </a:spcBef>
+              <a:buClrTx/>
+              <a:buSzPct val="40000"/>
+              <a:buFontTx/>
+              <a:buBlip>
+                <a:blip r:embed="rId2"/>
+              </a:buBlip>
+              <a:defRPr sz="5312"/>
+            </a:pPr>
+            <a:r>
+              <a:t>Built on Numpy and matplotlib</a:t>
             </a:r>
           </a:p>
         </p:txBody>
@@ -11315,52 +11379,37 @@
       </p:grpSpPr>
       <p:sp>
         <p:nvSpPr>
-          <p:cNvPr id="345" name="Shape 345"/>
+          <p:cNvPr id="346" name="Shape 346"/>
+          <p:cNvSpPr/>
+          <p:nvPr>
+            <p:ph type="body" idx="13"/>
+          </p:nvPr>
+        </p:nvSpPr>
+        <p:spPr>
+          <a:prstGeom prst="rect">
+            <a:avLst/>
+          </a:prstGeom>
+        </p:spPr>
+        <p:txBody>
+          <a:bodyPr/>
+          <a:lstStyle/>
+          <a:p>
+            <a:pPr/>
+            <a:r>
+              <a:t>Text</a:t>
+            </a:r>
+          </a:p>
+        </p:txBody>
+      </p:sp>
+      <p:sp>
+        <p:nvSpPr>
+          <p:cNvPr id="347" name="Shape 347"/>
           <p:cNvSpPr/>
           <p:nvPr>
             <p:ph type="title"/>
           </p:nvPr>
         </p:nvSpPr>
         <p:spPr>
-          <a:xfrm>
-            <a:off x="406400" y="1536700"/>
-            <a:ext cx="12192000" cy="1169260"/>
-          </a:xfrm>
-          <a:prstGeom prst="rect">
-            <a:avLst/>
-          </a:prstGeom>
-        </p:spPr>
-        <p:txBody>
-          <a:bodyPr/>
-          <a:lstStyle>
-            <a:lvl1pPr defTabSz="403097">
-              <a:spcBef>
-                <a:spcPts val="1900"/>
-              </a:spcBef>
-              <a:defRPr sz="8280"/>
-            </a:lvl1pPr>
-          </a:lstStyle>
-          <a:p>
-            <a:pPr/>
-            <a:r>
-              <a:t>Sci-Kit Learn</a:t>
-            </a:r>
-          </a:p>
-        </p:txBody>
-      </p:sp>
-      <p:sp>
-        <p:nvSpPr>
-          <p:cNvPr id="346" name="Shape 346"/>
-          <p:cNvSpPr/>
-          <p:nvPr>
-            <p:ph type="body" sz="half" idx="1"/>
-          </p:nvPr>
-        </p:nvSpPr>
-        <p:spPr>
-          <a:xfrm>
-            <a:off x="406400" y="3953767"/>
-            <a:ext cx="12192000" cy="2531601"/>
-          </a:xfrm>
           <a:prstGeom prst="rect">
             <a:avLst/>
           </a:prstGeom>
@@ -11369,44 +11418,65 @@
           <a:bodyPr/>
           <a:lstStyle/>
           <a:p>
-            <a:pPr marL="585955" indent="-585955" defTabSz="484886">
+            <a:pPr defTabSz="467359">
               <a:spcBef>
-                <a:spcPts val="2300"/>
+                <a:spcPts val="2200"/>
               </a:spcBef>
-              <a:buClrTx/>
-              <a:buSzPct val="40000"/>
-              <a:buFontTx/>
-              <a:buBlip>
-                <a:blip r:embed="rId2"/>
-              </a:buBlip>
-              <a:defRPr sz="5312"/>
+              <a:defRPr sz="4800"/>
             </a:pPr>
-            <a:r>
-              <a:t>All-in-one machine learning package</a:t>
-            </a:r>
-          </a:p>
-          <a:p>
-            <a:pPr marL="585955" indent="-585955" defTabSz="484886">
-              <a:lnSpc>
-                <a:spcPct val="200000"/>
-              </a:lnSpc>
-              <a:spcBef>
-                <a:spcPts val="2300"/>
-              </a:spcBef>
-              <a:buClrTx/>
-              <a:buSzPct val="40000"/>
-              <a:buFontTx/>
-              <a:buBlip>
-                <a:blip r:embed="rId2"/>
-              </a:buBlip>
-              <a:defRPr sz="5312"/>
-            </a:pPr>
-            <a:r>
-              <a:t>Built on Numpy and matplotlib</a:t>
-            </a:r>
-          </a:p>
-        </p:txBody>
-      </p:sp>
+          </a:p>
+        </p:txBody>
+      </p:sp>
+      <p:sp>
+        <p:nvSpPr>
+          <p:cNvPr id="348" name="Shape 348"/>
+          <p:cNvSpPr/>
+          <p:nvPr>
+            <p:ph type="body" idx="1"/>
+          </p:nvPr>
+        </p:nvSpPr>
+        <p:spPr>
+          <a:prstGeom prst="rect">
+            <a:avLst/>
+          </a:prstGeom>
+        </p:spPr>
+        <p:txBody>
+          <a:bodyPr/>
+          <a:lstStyle/>
+          <a:p>
+            <a:pPr/>
+          </a:p>
+        </p:txBody>
+      </p:sp>
+      <p:pic>
+        <p:nvPicPr>
+          <p:cNvPr id="349" name="pasted-image.png"/>
+          <p:cNvPicPr>
+            <a:picLocks noChangeAspect="1"/>
+          </p:cNvPicPr>
+          <p:nvPr/>
+        </p:nvPicPr>
+        <p:blipFill>
+          <a:blip r:embed="rId2">
+            <a:extLst/>
+          </a:blip>
+          <a:stretch>
+            <a:fillRect/>
+          </a:stretch>
+        </p:blipFill>
+        <p:spPr>
+          <a:xfrm>
+            <a:off x="-1270000" y="0"/>
+            <a:ext cx="15544800" cy="9753600"/>
+          </a:xfrm>
+          <a:prstGeom prst="rect">
+            <a:avLst/>
+          </a:prstGeom>
+          <a:ln w="12700">
+            <a:miter lim="400000"/>
+          </a:ln>
+        </p:spPr>
+      </p:pic>
     </p:spTree>
   </p:cSld>
   <p:clrMapOvr>
@@ -11435,95 +11505,49 @@
       </p:grpSpPr>
       <p:sp>
         <p:nvSpPr>
-          <p:cNvPr id="348" name="Shape 348"/>
-          <p:cNvSpPr/>
-          <p:nvPr>
-            <p:ph type="body" idx="13"/>
-          </p:nvPr>
-        </p:nvSpPr>
-        <p:spPr>
-          <a:prstGeom prst="rect">
-            <a:avLst/>
-          </a:prstGeom>
-        </p:spPr>
-        <p:txBody>
-          <a:bodyPr/>
-          <a:lstStyle/>
-          <a:p>
-            <a:pPr/>
-            <a:r>
-              <a:t>Text</a:t>
-            </a:r>
-          </a:p>
-        </p:txBody>
-      </p:sp>
-      <p:sp>
-        <p:nvSpPr>
-          <p:cNvPr id="349" name="Shape 349"/>
+          <p:cNvPr id="351" name="Shape 351"/>
           <p:cNvSpPr/>
           <p:nvPr>
             <p:ph type="title"/>
           </p:nvPr>
         </p:nvSpPr>
         <p:spPr>
+          <a:xfrm>
+            <a:off x="406400" y="1536700"/>
+            <a:ext cx="12192000" cy="1169260"/>
+          </a:xfrm>
           <a:prstGeom prst="rect">
             <a:avLst/>
           </a:prstGeom>
         </p:spPr>
         <p:txBody>
           <a:bodyPr/>
-          <a:lstStyle/>
-          <a:p>
-            <a:pPr defTabSz="467359">
+          <a:lstStyle>
+            <a:lvl1pPr defTabSz="403097">
               <a:spcBef>
-                <a:spcPts val="2200"/>
+                <a:spcPts val="1900"/>
               </a:spcBef>
-              <a:defRPr sz="4800"/>
-            </a:pPr>
-          </a:p>
-        </p:txBody>
-      </p:sp>
-      <p:sp>
-        <p:nvSpPr>
-          <p:cNvPr id="350" name="Shape 350"/>
-          <p:cNvSpPr/>
-          <p:nvPr>
-            <p:ph type="body" idx="1"/>
-          </p:nvPr>
-        </p:nvSpPr>
-        <p:spPr>
-          <a:prstGeom prst="rect">
-            <a:avLst/>
-          </a:prstGeom>
-        </p:spPr>
-        <p:txBody>
-          <a:bodyPr/>
-          <a:lstStyle/>
+              <a:defRPr sz="8280"/>
+            </a:lvl1pPr>
+          </a:lstStyle>
           <a:p>
             <a:pPr/>
-          </a:p>
-        </p:txBody>
-      </p:sp>
-      <p:pic>
-        <p:nvPicPr>
-          <p:cNvPr id="351" name="pasted-image.png"/>
-          <p:cNvPicPr>
-            <a:picLocks noChangeAspect="1"/>
-          </p:cNvPicPr>
+            <a:r>
+              <a:t>Imported as sklearn</a:t>
+            </a:r>
+          </a:p>
+        </p:txBody>
+      </p:sp>
+      <p:sp>
+        <p:nvSpPr>
+          <p:cNvPr id="352" name="Shape 352"/>
+          <p:cNvSpPr/>
           <p:nvPr/>
-        </p:nvPicPr>
-        <p:blipFill>
-          <a:blip r:embed="rId2">
-            <a:extLst/>
-          </a:blip>
-          <a:stretch>
-            <a:fillRect/>
-          </a:stretch>
-        </p:blipFill>
-        <p:spPr>
-          <a:xfrm>
-            <a:off x="-1270000" y="0"/>
-            <a:ext cx="15544800" cy="9753600"/>
+        </p:nvSpPr>
+        <p:spPr>
+          <a:xfrm>
+            <a:off x="434394" y="4826000"/>
+            <a:ext cx="12136011" cy="1955801"/>
           </a:xfrm>
           <a:prstGeom prst="rect">
             <a:avLst/>
@@ -11531,8 +11555,51 @@
           <a:ln w="12700">
             <a:miter lim="400000"/>
           </a:ln>
-        </p:spPr>
-      </p:pic>
+          <a:extLst>
+            <a:ext uri="{C572A759-6A51-4108-AA02-DFA0A04FC94B}">
+              <ma14:wrappingTextBoxFlag xmlns:ma14="http://schemas.microsoft.com/office/mac/drawingml/2011/main" val="1"/>
+            </a:ext>
+          </a:extLst>
+        </p:spPr>
+        <p:txBody>
+          <a:bodyPr lIns="50800" tIns="50800" rIns="50800" bIns="50800" anchor="ctr">
+            <a:spAutoFit/>
+          </a:bodyPr>
+          <a:lstStyle/>
+          <a:p>
+            <a:pPr>
+              <a:defRPr sz="5100">
+                <a:solidFill>
+                  <a:srgbClr val="838787"/>
+                </a:solidFill>
+                <a:latin typeface="Anonymous Pro for Powerline"/>
+                <a:ea typeface="Anonymous Pro for Powerline"/>
+                <a:cs typeface="Anonymous Pro for Powerline"/>
+                <a:sym typeface="Anonymous Pro for Powerline"/>
+              </a:defRPr>
+            </a:pPr>
+            <a:r>
+              <a:t>import sklearn</a:t>
+            </a:r>
+          </a:p>
+          <a:p>
+            <a:pPr>
+              <a:defRPr sz="5100">
+                <a:solidFill>
+                  <a:srgbClr val="838787"/>
+                </a:solidFill>
+                <a:latin typeface="Anonymous Pro for Powerline"/>
+                <a:ea typeface="Anonymous Pro for Powerline"/>
+                <a:cs typeface="Anonymous Pro for Powerline"/>
+                <a:sym typeface="Anonymous Pro for Powerline"/>
+              </a:defRPr>
+            </a:pPr>
+            <a:r>
+              <a:t> </a:t>
+            </a:r>
+          </a:p>
+        </p:txBody>
+      </p:sp>
     </p:spTree>
   </p:cSld>
   <p:clrMapOvr>
@@ -11561,7 +11628,7 @@
       </p:grpSpPr>
       <p:sp>
         <p:nvSpPr>
-          <p:cNvPr id="353" name="Shape 353"/>
+          <p:cNvPr id="354" name="Shape 354"/>
           <p:cNvSpPr/>
           <p:nvPr>
             <p:ph type="title"/>
@@ -11596,14 +11663,14 @@
       </p:sp>
       <p:sp>
         <p:nvSpPr>
-          <p:cNvPr id="354" name="Shape 354"/>
+          <p:cNvPr id="355" name="Shape 355"/>
           <p:cNvSpPr/>
           <p:nvPr/>
         </p:nvSpPr>
         <p:spPr>
           <a:xfrm>
-            <a:off x="434394" y="4826000"/>
-            <a:ext cx="12136011" cy="1955801"/>
+            <a:off x="434394" y="4286249"/>
+            <a:ext cx="12136011" cy="3035301"/>
           </a:xfrm>
           <a:prstGeom prst="rect">
             <a:avLst/>
@@ -11635,7 +11702,23 @@
               </a:defRPr>
             </a:pPr>
             <a:r>
-              <a:t>import sklearn</a:t>
+              <a:t>from sklearn.linear_model \</a:t>
+            </a:r>
+          </a:p>
+          <a:p>
+            <a:pPr>
+              <a:defRPr sz="5100">
+                <a:solidFill>
+                  <a:srgbClr val="838787"/>
+                </a:solidFill>
+                <a:latin typeface="Anonymous Pro for Powerline"/>
+                <a:ea typeface="Anonymous Pro for Powerline"/>
+                <a:cs typeface="Anonymous Pro for Powerline"/>
+                <a:sym typeface="Anonymous Pro for Powerline"/>
+              </a:defRPr>
+            </a:pPr>
+            <a:r>
+              <a:t>import LinearRegression</a:t>
             </a:r>
           </a:p>
           <a:p>
@@ -11818,7 +11901,7 @@
       </p:grpSpPr>
       <p:sp>
         <p:nvSpPr>
-          <p:cNvPr id="356" name="Shape 356"/>
+          <p:cNvPr id="357" name="Shape 357"/>
           <p:cNvSpPr/>
           <p:nvPr>
             <p:ph type="title"/>
@@ -11846,21 +11929,21 @@
           <a:p>
             <a:pPr/>
             <a:r>
-              <a:t>Imported as sklearn</a:t>
-            </a:r>
-          </a:p>
-        </p:txBody>
-      </p:sp>
-      <p:sp>
-        <p:nvSpPr>
-          <p:cNvPr id="357" name="Shape 357"/>
+              <a:t>Linear Regression</a:t>
+            </a:r>
+          </a:p>
+        </p:txBody>
+      </p:sp>
+      <p:sp>
+        <p:nvSpPr>
+          <p:cNvPr id="358" name="Shape 358"/>
           <p:cNvSpPr/>
           <p:nvPr/>
         </p:nvSpPr>
         <p:spPr>
           <a:xfrm>
-            <a:off x="434394" y="4286249"/>
-            <a:ext cx="12136011" cy="3035301"/>
+            <a:off x="656526" y="4571724"/>
+            <a:ext cx="12136011" cy="1333501"/>
           </a:xfrm>
           <a:prstGeom prst="rect">
             <a:avLst/>
@@ -11881,7 +11964,7 @@
           <a:lstStyle/>
           <a:p>
             <a:pPr>
-              <a:defRPr sz="5100">
+              <a:defRPr sz="8100">
                 <a:solidFill>
                   <a:srgbClr val="838787"/>
                 </a:solidFill>
@@ -11892,39 +11975,53 @@
               </a:defRPr>
             </a:pPr>
             <a:r>
-              <a:t>from sklearn.linear_model \</a:t>
-            </a:r>
-          </a:p>
-          <a:p>
-            <a:pPr>
-              <a:defRPr sz="5100">
-                <a:solidFill>
-                  <a:srgbClr val="838787"/>
-                </a:solidFill>
-                <a:latin typeface="Anonymous Pro for Powerline"/>
-                <a:ea typeface="Anonymous Pro for Powerline"/>
-                <a:cs typeface="Anonymous Pro for Powerline"/>
-                <a:sym typeface="Anonymous Pro for Powerline"/>
-              </a:defRPr>
-            </a:pPr>
-            <a:r>
-              <a:t>import LinearRegression</a:t>
-            </a:r>
-          </a:p>
-          <a:p>
-            <a:pPr>
-              <a:defRPr sz="5100">
-                <a:solidFill>
-                  <a:srgbClr val="838787"/>
-                </a:solidFill>
-                <a:latin typeface="Anonymous Pro for Powerline"/>
-                <a:ea typeface="Anonymous Pro for Powerline"/>
-                <a:cs typeface="Anonymous Pro for Powerline"/>
-                <a:sym typeface="Anonymous Pro for Powerline"/>
-              </a:defRPr>
-            </a:pPr>
-            <a:r>
-              <a:t> </a:t>
+              <a:rPr>
+                <a:solidFill>
+                  <a:schemeClr val="accent5"/>
+                </a:solidFill>
+              </a:rPr>
+              <a:t>y</a:t>
+            </a:r>
+            <a:r>
+              <a:t> = 2</a:t>
+            </a:r>
+            <a:r>
+              <a:rPr>
+                <a:solidFill>
+                  <a:schemeClr val="accent3"/>
+                </a:solidFill>
+              </a:rPr>
+              <a:t>x</a:t>
+            </a:r>
+            <a:r>
+              <a:rPr baseline="-5999">
+                <a:solidFill>
+                  <a:schemeClr val="accent3"/>
+                </a:solidFill>
+              </a:rPr>
+              <a:t>0</a:t>
+            </a:r>
+            <a:r>
+              <a:t> + 3</a:t>
+            </a:r>
+            <a:r>
+              <a:rPr>
+                <a:solidFill>
+                  <a:schemeClr val="accent3"/>
+                </a:solidFill>
+              </a:rPr>
+              <a:t>x</a:t>
+            </a:r>
+            <a:r>
+              <a:rPr baseline="-5999">
+                <a:solidFill>
+                  <a:schemeClr val="accent3"/>
+                </a:solidFill>
+              </a:rPr>
+              <a:t>1 </a:t>
+            </a:r>
+            <a:r>
+              <a:t>+ … + 1</a:t>
             </a:r>
           </a:p>
         </p:txBody>
@@ -11957,7 +12054,7 @@
       </p:grpSpPr>
       <p:sp>
         <p:nvSpPr>
-          <p:cNvPr id="359" name="Shape 359"/>
+          <p:cNvPr id="360" name="Shape 360"/>
           <p:cNvSpPr/>
           <p:nvPr>
             <p:ph type="title"/>
@@ -11985,21 +12082,21 @@
           <a:p>
             <a:pPr/>
             <a:r>
-              <a:t>Linear Regression</a:t>
-            </a:r>
-          </a:p>
-        </p:txBody>
-      </p:sp>
-      <p:sp>
-        <p:nvSpPr>
-          <p:cNvPr id="360" name="Shape 360"/>
+              <a:t>Training a Model</a:t>
+            </a:r>
+          </a:p>
+        </p:txBody>
+      </p:sp>
+      <p:sp>
+        <p:nvSpPr>
+          <p:cNvPr id="361" name="Shape 361"/>
           <p:cNvSpPr/>
           <p:nvPr/>
         </p:nvSpPr>
         <p:spPr>
           <a:xfrm>
-            <a:off x="656526" y="4571724"/>
-            <a:ext cx="12136011" cy="1333501"/>
+            <a:off x="546594" y="4889499"/>
+            <a:ext cx="13599923" cy="1828801"/>
           </a:xfrm>
           <a:prstGeom prst="rect">
             <a:avLst/>
@@ -12020,7 +12117,7 @@
           <a:lstStyle/>
           <a:p>
             <a:pPr>
-              <a:defRPr sz="8100">
+              <a:defRPr sz="4700">
                 <a:solidFill>
                   <a:srgbClr val="838787"/>
                 </a:solidFill>
@@ -12031,53 +12128,23 @@
               </a:defRPr>
             </a:pPr>
             <a:r>
-              <a:rPr>
-                <a:solidFill>
-                  <a:schemeClr val="accent5"/>
-                </a:solidFill>
-              </a:rPr>
-              <a:t>y</a:t>
-            </a:r>
-            <a:r>
-              <a:t> = 2</a:t>
-            </a:r>
-            <a:r>
-              <a:rPr>
-                <a:solidFill>
-                  <a:schemeClr val="accent3"/>
-                </a:solidFill>
-              </a:rPr>
-              <a:t>x</a:t>
-            </a:r>
-            <a:r>
-              <a:rPr baseline="-5999">
-                <a:solidFill>
-                  <a:schemeClr val="accent3"/>
-                </a:solidFill>
-              </a:rPr>
-              <a:t>0</a:t>
-            </a:r>
-            <a:r>
-              <a:t> + 3</a:t>
-            </a:r>
-            <a:r>
-              <a:rPr>
-                <a:solidFill>
-                  <a:schemeClr val="accent3"/>
-                </a:solidFill>
-              </a:rPr>
-              <a:t>x</a:t>
-            </a:r>
-            <a:r>
-              <a:rPr baseline="-5999">
-                <a:solidFill>
-                  <a:schemeClr val="accent3"/>
-                </a:solidFill>
-              </a:rPr>
-              <a:t>1 </a:t>
-            </a:r>
-            <a:r>
-              <a:t>+ … + 1</a:t>
+              <a:t>model = LinearRegression()</a:t>
+            </a:r>
+          </a:p>
+          <a:p>
+            <a:pPr>
+              <a:defRPr sz="4700">
+                <a:solidFill>
+                  <a:srgbClr val="838787"/>
+                </a:solidFill>
+                <a:latin typeface="Anonymous Pro for Powerline"/>
+                <a:ea typeface="Anonymous Pro for Powerline"/>
+                <a:cs typeface="Anonymous Pro for Powerline"/>
+                <a:sym typeface="Anonymous Pro for Powerline"/>
+              </a:defRPr>
+            </a:pPr>
+            <a:r>
+              <a:t>model.fit(X_train,y_train)</a:t>
             </a:r>
           </a:p>
         </p:txBody>
@@ -12110,7 +12177,7 @@
       </p:grpSpPr>
       <p:sp>
         <p:nvSpPr>
-          <p:cNvPr id="362" name="Shape 362"/>
+          <p:cNvPr id="363" name="Shape 363"/>
           <p:cNvSpPr/>
           <p:nvPr>
             <p:ph type="title"/>
@@ -12138,21 +12205,21 @@
           <a:p>
             <a:pPr/>
             <a:r>
-              <a:t>Training a Model</a:t>
-            </a:r>
-          </a:p>
-        </p:txBody>
-      </p:sp>
-      <p:sp>
-        <p:nvSpPr>
-          <p:cNvPr id="363" name="Shape 363"/>
+              <a:t>Using a Model</a:t>
+            </a:r>
+          </a:p>
+        </p:txBody>
+      </p:sp>
+      <p:sp>
+        <p:nvSpPr>
+          <p:cNvPr id="364" name="Shape 364"/>
           <p:cNvSpPr/>
           <p:nvPr/>
         </p:nvSpPr>
         <p:spPr>
           <a:xfrm>
-            <a:off x="546594" y="4889499"/>
-            <a:ext cx="13599923" cy="1828801"/>
+            <a:off x="526400" y="5397500"/>
+            <a:ext cx="13599923" cy="812801"/>
           </a:xfrm>
           <a:prstGeom prst="rect">
             <a:avLst/>
@@ -12170,9 +12237,8 @@
           <a:bodyPr lIns="50800" tIns="50800" rIns="50800" bIns="50800" anchor="ctr">
             <a:spAutoFit/>
           </a:bodyPr>
-          <a:lstStyle/>
-          <a:p>
-            <a:pPr>
+          <a:lstStyle>
+            <a:lvl1pPr>
               <a:defRPr sz="4700">
                 <a:solidFill>
                   <a:srgbClr val="838787"/>
@@ -12182,25 +12248,12 @@
                 <a:cs typeface="Anonymous Pro for Powerline"/>
                 <a:sym typeface="Anonymous Pro for Powerline"/>
               </a:defRPr>
-            </a:pPr>
-            <a:r>
-              <a:t>model = LinearRegression()</a:t>
-            </a:r>
-          </a:p>
-          <a:p>
-            <a:pPr>
-              <a:defRPr sz="4700">
-                <a:solidFill>
-                  <a:srgbClr val="838787"/>
-                </a:solidFill>
-                <a:latin typeface="Anonymous Pro for Powerline"/>
-                <a:ea typeface="Anonymous Pro for Powerline"/>
-                <a:cs typeface="Anonymous Pro for Powerline"/>
-                <a:sym typeface="Anonymous Pro for Powerline"/>
-              </a:defRPr>
-            </a:pPr>
-            <a:r>
-              <a:t>model.fit(X_train,y_train)</a:t>
+            </a:lvl1pPr>
+          </a:lstStyle>
+          <a:p>
+            <a:pPr/>
+            <a:r>
+              <a:t>y_predicted = model.predict(X_test)</a:t>
             </a:r>
           </a:p>
         </p:txBody>
@@ -12233,7 +12286,7 @@
       </p:grpSpPr>
       <p:sp>
         <p:nvSpPr>
-          <p:cNvPr id="365" name="Shape 365"/>
+          <p:cNvPr id="366" name="Shape 366"/>
           <p:cNvSpPr/>
           <p:nvPr>
             <p:ph type="title"/>
@@ -12261,14 +12314,14 @@
           <a:p>
             <a:pPr/>
             <a:r>
-              <a:t>Using a Model</a:t>
-            </a:r>
-          </a:p>
-        </p:txBody>
-      </p:sp>
-      <p:sp>
-        <p:nvSpPr>
-          <p:cNvPr id="366" name="Shape 366"/>
+              <a:t>Evaluating a Model</a:t>
+            </a:r>
+          </a:p>
+        </p:txBody>
+      </p:sp>
+      <p:sp>
+        <p:nvSpPr>
+          <p:cNvPr id="367" name="Shape 367"/>
           <p:cNvSpPr/>
           <p:nvPr/>
         </p:nvSpPr>
@@ -12309,7 +12362,7 @@
           <a:p>
             <a:pPr/>
             <a:r>
-              <a:t>y_predicted = model.predict(X_test)</a:t>
+              <a:t>model.score(X_test, y_test)</a:t>
             </a:r>
           </a:p>
         </p:txBody>
@@ -12342,7 +12395,7 @@
       </p:grpSpPr>
       <p:sp>
         <p:nvSpPr>
-          <p:cNvPr id="368" name="Shape 368"/>
+          <p:cNvPr id="369" name="Shape 369"/>
           <p:cNvSpPr/>
           <p:nvPr>
             <p:ph type="title"/>
@@ -12370,21 +12423,21 @@
           <a:p>
             <a:pPr/>
             <a:r>
-              <a:t>Evaluating a Model</a:t>
-            </a:r>
-          </a:p>
-        </p:txBody>
-      </p:sp>
-      <p:sp>
-        <p:nvSpPr>
-          <p:cNvPr id="369" name="Shape 369"/>
+              <a:t>Mean absolute error</a:t>
+            </a:r>
+          </a:p>
+        </p:txBody>
+      </p:sp>
+      <p:sp>
+        <p:nvSpPr>
+          <p:cNvPr id="370" name="Shape 370"/>
           <p:cNvSpPr/>
           <p:nvPr/>
         </p:nvSpPr>
         <p:spPr>
           <a:xfrm>
-            <a:off x="526400" y="5397500"/>
-            <a:ext cx="13599923" cy="812801"/>
+            <a:off x="265493" y="3949699"/>
+            <a:ext cx="12473814" cy="3708401"/>
           </a:xfrm>
           <a:prstGeom prst="rect">
             <a:avLst/>
@@ -12402,9 +12455,10 @@
           <a:bodyPr lIns="50800" tIns="50800" rIns="50800" bIns="50800" anchor="ctr">
             <a:spAutoFit/>
           </a:bodyPr>
-          <a:lstStyle>
-            <a:lvl1pPr>
-              <a:defRPr sz="4700">
+          <a:lstStyle/>
+          <a:p>
+            <a:pPr>
+              <a:defRPr sz="4400">
                 <a:solidFill>
                   <a:srgbClr val="838787"/>
                 </a:solidFill>
@@ -12413,12 +12467,57 @@
                 <a:cs typeface="Anonymous Pro for Powerline"/>
                 <a:sym typeface="Anonymous Pro for Powerline"/>
               </a:defRPr>
-            </a:lvl1pPr>
-          </a:lstStyle>
-          <a:p>
-            <a:pPr/>
-            <a:r>
-              <a:t>model.score(X_test, y_test)</a:t>
+            </a:pPr>
+            <a:r>
+              <a:t>from sklearn.metrics \</a:t>
+            </a:r>
+          </a:p>
+          <a:p>
+            <a:pPr>
+              <a:defRPr sz="4400">
+                <a:solidFill>
+                  <a:srgbClr val="838787"/>
+                </a:solidFill>
+                <a:latin typeface="Anonymous Pro for Powerline"/>
+                <a:ea typeface="Anonymous Pro for Powerline"/>
+                <a:cs typeface="Anonymous Pro for Powerline"/>
+                <a:sym typeface="Anonymous Pro for Powerline"/>
+              </a:defRPr>
+            </a:pPr>
+            <a:r>
+              <a:t>import mean_absolute_error</a:t>
+            </a:r>
+          </a:p>
+          <a:p>
+            <a:pPr>
+              <a:defRPr sz="4400">
+                <a:solidFill>
+                  <a:srgbClr val="838787"/>
+                </a:solidFill>
+                <a:latin typeface="Anonymous Pro for Powerline"/>
+                <a:ea typeface="Anonymous Pro for Powerline"/>
+                <a:cs typeface="Anonymous Pro for Powerline"/>
+                <a:sym typeface="Anonymous Pro for Powerline"/>
+              </a:defRPr>
+            </a:pPr>
+            <a:r>
+              <a:t> </a:t>
+            </a:r>
+          </a:p>
+          <a:p>
+            <a:pPr>
+              <a:defRPr sz="4400">
+                <a:solidFill>
+                  <a:srgbClr val="838787"/>
+                </a:solidFill>
+                <a:latin typeface="Anonymous Pro for Powerline"/>
+                <a:ea typeface="Anonymous Pro for Powerline"/>
+                <a:cs typeface="Anonymous Pro for Powerline"/>
+                <a:sym typeface="Anonymous Pro for Powerline"/>
+              </a:defRPr>
+            </a:pPr>
+            <a:r>
+              <a:t>mean_absolute_error(y_predicted, y_test)</a:t>
             </a:r>
           </a:p>
         </p:txBody>
@@ -12451,7 +12550,7 @@
       </p:grpSpPr>
       <p:sp>
         <p:nvSpPr>
-          <p:cNvPr id="371" name="Shape 371"/>
+          <p:cNvPr id="372" name="Shape 372"/>
           <p:cNvSpPr/>
           <p:nvPr>
             <p:ph type="title"/>
@@ -12459,8 +12558,8 @@
         </p:nvSpPr>
         <p:spPr>
           <a:xfrm>
-            <a:off x="406400" y="1536700"/>
-            <a:ext cx="12192000" cy="1169260"/>
+            <a:off x="2802101" y="4038600"/>
+            <a:ext cx="7400598" cy="4521200"/>
           </a:xfrm>
           <a:prstGeom prst="rect">
             <a:avLst/>
@@ -12468,112 +12567,11 @@
         </p:spPr>
         <p:txBody>
           <a:bodyPr/>
-          <a:lstStyle>
-            <a:lvl1pPr defTabSz="403097">
-              <a:spcBef>
-                <a:spcPts val="1900"/>
-              </a:spcBef>
-              <a:defRPr sz="8280"/>
-            </a:lvl1pPr>
-          </a:lstStyle>
+          <a:lstStyle/>
           <a:p>
             <a:pPr/>
             <a:r>
-              <a:t>Mean absolute error</a:t>
-            </a:r>
-          </a:p>
-        </p:txBody>
-      </p:sp>
-      <p:sp>
-        <p:nvSpPr>
-          <p:cNvPr id="372" name="Shape 372"/>
-          <p:cNvSpPr/>
-          <p:nvPr/>
-        </p:nvSpPr>
-        <p:spPr>
-          <a:xfrm>
-            <a:off x="265493" y="3949699"/>
-            <a:ext cx="12473814" cy="3708401"/>
-          </a:xfrm>
-          <a:prstGeom prst="rect">
-            <a:avLst/>
-          </a:prstGeom>
-          <a:ln w="12700">
-            <a:miter lim="400000"/>
-          </a:ln>
-          <a:extLst>
-            <a:ext uri="{C572A759-6A51-4108-AA02-DFA0A04FC94B}">
-              <ma14:wrappingTextBoxFlag xmlns:ma14="http://schemas.microsoft.com/office/mac/drawingml/2011/main" val="1"/>
-            </a:ext>
-          </a:extLst>
-        </p:spPr>
-        <p:txBody>
-          <a:bodyPr lIns="50800" tIns="50800" rIns="50800" bIns="50800" anchor="ctr">
-            <a:spAutoFit/>
-          </a:bodyPr>
-          <a:lstStyle/>
-          <a:p>
-            <a:pPr>
-              <a:defRPr sz="4400">
-                <a:solidFill>
-                  <a:srgbClr val="838787"/>
-                </a:solidFill>
-                <a:latin typeface="Anonymous Pro for Powerline"/>
-                <a:ea typeface="Anonymous Pro for Powerline"/>
-                <a:cs typeface="Anonymous Pro for Powerline"/>
-                <a:sym typeface="Anonymous Pro for Powerline"/>
-              </a:defRPr>
-            </a:pPr>
-            <a:r>
-              <a:t>from sklearn.metrics \</a:t>
-            </a:r>
-          </a:p>
-          <a:p>
-            <a:pPr>
-              <a:defRPr sz="4400">
-                <a:solidFill>
-                  <a:srgbClr val="838787"/>
-                </a:solidFill>
-                <a:latin typeface="Anonymous Pro for Powerline"/>
-                <a:ea typeface="Anonymous Pro for Powerline"/>
-                <a:cs typeface="Anonymous Pro for Powerline"/>
-                <a:sym typeface="Anonymous Pro for Powerline"/>
-              </a:defRPr>
-            </a:pPr>
-            <a:r>
-              <a:t>import mean_absolute_error</a:t>
-            </a:r>
-          </a:p>
-          <a:p>
-            <a:pPr>
-              <a:defRPr sz="4400">
-                <a:solidFill>
-                  <a:srgbClr val="838787"/>
-                </a:solidFill>
-                <a:latin typeface="Anonymous Pro for Powerline"/>
-                <a:ea typeface="Anonymous Pro for Powerline"/>
-                <a:cs typeface="Anonymous Pro for Powerline"/>
-                <a:sym typeface="Anonymous Pro for Powerline"/>
-              </a:defRPr>
-            </a:pPr>
-            <a:r>
-              <a:t> </a:t>
-            </a:r>
-          </a:p>
-          <a:p>
-            <a:pPr>
-              <a:defRPr sz="4400">
-                <a:solidFill>
-                  <a:srgbClr val="838787"/>
-                </a:solidFill>
-                <a:latin typeface="Anonymous Pro for Powerline"/>
-                <a:ea typeface="Anonymous Pro for Powerline"/>
-                <a:cs typeface="Anonymous Pro for Powerline"/>
-                <a:sym typeface="Anonymous Pro for Powerline"/>
-              </a:defRPr>
-            </a:pPr>
-            <a:r>
-              <a:t>mean_absolute_error(y_predicted, y_test)</a:t>
+              <a:t>Exercises</a:t>
             </a:r>
           </a:p>
         </p:txBody>
@@ -12614,8 +12612,8 @@
         </p:nvSpPr>
         <p:spPr>
           <a:xfrm>
-            <a:off x="2802101" y="4038600"/>
-            <a:ext cx="7400598" cy="4521200"/>
+            <a:off x="1360652" y="4113807"/>
+            <a:ext cx="10283496" cy="1932386"/>
           </a:xfrm>
           <a:prstGeom prst="rect">
             <a:avLst/>
@@ -12623,11 +12621,15 @@
         </p:spPr>
         <p:txBody>
           <a:bodyPr/>
-          <a:lstStyle/>
+          <a:lstStyle>
+            <a:lvl1pPr>
+              <a:defRPr sz="13000"/>
+            </a:lvl1pPr>
+          </a:lstStyle>
           <a:p>
             <a:pPr/>
             <a:r>
-              <a:t>Exercises</a:t>
+              <a:t>One-Hot Encoding</a:t>
             </a:r>
           </a:p>
         </p:txBody>
@@ -12668,8 +12670,8 @@
         </p:nvSpPr>
         <p:spPr>
           <a:xfrm>
-            <a:off x="1360652" y="4113807"/>
-            <a:ext cx="10283496" cy="1932386"/>
+            <a:off x="406400" y="1536700"/>
+            <a:ext cx="12192000" cy="1169260"/>
           </a:xfrm>
           <a:prstGeom prst="rect">
             <a:avLst/>
@@ -12678,14 +12680,73 @@
         <p:txBody>
           <a:bodyPr/>
           <a:lstStyle>
-            <a:lvl1pPr>
-              <a:defRPr sz="13000"/>
+            <a:lvl1pPr defTabSz="403097">
+              <a:spcBef>
+                <a:spcPts val="1900"/>
+              </a:spcBef>
+              <a:defRPr sz="8280"/>
             </a:lvl1pPr>
           </a:lstStyle>
           <a:p>
             <a:pPr/>
             <a:r>
-              <a:t>One-Hot Encoding</a:t>
+              <a:t>The Problem</a:t>
+            </a:r>
+          </a:p>
+        </p:txBody>
+      </p:sp>
+      <p:sp>
+        <p:nvSpPr>
+          <p:cNvPr id="377" name="Shape 377"/>
+          <p:cNvSpPr/>
+          <p:nvPr>
+            <p:ph type="body" idx="1"/>
+          </p:nvPr>
+        </p:nvSpPr>
+        <p:spPr>
+          <a:xfrm>
+            <a:off x="406400" y="3497772"/>
+            <a:ext cx="12192000" cy="5610529"/>
+          </a:xfrm>
+          <a:prstGeom prst="rect">
+            <a:avLst/>
+          </a:prstGeom>
+        </p:spPr>
+        <p:txBody>
+          <a:bodyPr/>
+          <a:lstStyle/>
+          <a:p>
+            <a:pPr marL="698910" indent="-698910" defTabSz="578358">
+              <a:spcBef>
+                <a:spcPts val="2700"/>
+              </a:spcBef>
+              <a:buClrTx/>
+              <a:buSzPct val="40000"/>
+              <a:buFontTx/>
+              <a:buBlip>
+                <a:blip r:embed="rId2"/>
+              </a:buBlip>
+              <a:defRPr sz="6336"/>
+            </a:pPr>
+            <a:r>
+              <a:t>Linear models use multiplication (with coefficient)</a:t>
+            </a:r>
+          </a:p>
+          <a:p>
+            <a:pPr marL="698910" indent="-698910" defTabSz="578358">
+              <a:spcBef>
+                <a:spcPts val="2700"/>
+              </a:spcBef>
+              <a:buClrTx/>
+              <a:buSzPct val="40000"/>
+              <a:buFontTx/>
+              <a:buBlip>
+                <a:blip r:embed="rId2"/>
+              </a:buBlip>
+              <a:defRPr sz="6336"/>
+            </a:pPr>
+            <a:r>
+              <a:t>We can’t multiply categorical data   :(</a:t>
             </a:r>
           </a:p>
         </p:txBody>
@@ -12718,7 +12779,7 @@
       </p:grpSpPr>
       <p:sp>
         <p:nvSpPr>
-          <p:cNvPr id="378" name="Shape 378"/>
+          <p:cNvPr id="379" name="Shape 379"/>
           <p:cNvSpPr/>
           <p:nvPr>
             <p:ph type="title"/>
@@ -12746,14 +12807,14 @@
           <a:p>
             <a:pPr/>
             <a:r>
-              <a:t>The Problem</a:t>
-            </a:r>
-          </a:p>
-        </p:txBody>
-      </p:sp>
-      <p:sp>
-        <p:nvSpPr>
-          <p:cNvPr id="379" name="Shape 379"/>
+              <a:t>Simple Encoding Doesn’t work</a:t>
+            </a:r>
+          </a:p>
+        </p:txBody>
+      </p:sp>
+      <p:sp>
+        <p:nvSpPr>
+          <p:cNvPr id="380" name="Shape 380"/>
           <p:cNvSpPr/>
           <p:nvPr>
             <p:ph type="body" idx="1"/>
@@ -12762,7 +12823,7 @@
         <p:spPr>
           <a:xfrm>
             <a:off x="406400" y="3497772"/>
-            <a:ext cx="12192001" cy="5610529"/>
+            <a:ext cx="12192000" cy="5610529"/>
           </a:xfrm>
           <a:prstGeom prst="rect">
             <a:avLst/>
@@ -12772,37 +12833,31 @@
           <a:bodyPr/>
           <a:lstStyle/>
           <a:p>
-            <a:pPr marL="698910" indent="-698910" defTabSz="578358">
-              <a:spcBef>
-                <a:spcPts val="2700"/>
-              </a:spcBef>
+            <a:pPr marL="705970" indent="-705970">
               <a:buClrTx/>
               <a:buSzPct val="40000"/>
               <a:buFontTx/>
               <a:buBlip>
                 <a:blip r:embed="rId2"/>
               </a:buBlip>
-              <a:defRPr sz="6336"/>
+              <a:defRPr sz="6400"/>
             </a:pPr>
             <a:r>
-              <a:t>Linear models use multiplication (with coefficient)</a:t>
-            </a:r>
-          </a:p>
-          <a:p>
-            <a:pPr marL="698910" indent="-698910" defTabSz="578358">
-              <a:spcBef>
-                <a:spcPts val="2700"/>
-              </a:spcBef>
+              <a:t>What if we re-label each category as 0,1, 2, .. etc?</a:t>
+            </a:r>
+          </a:p>
+          <a:p>
+            <a:pPr marL="705970" indent="-705970">
               <a:buClrTx/>
               <a:buSzPct val="40000"/>
               <a:buFontTx/>
               <a:buBlip>
                 <a:blip r:embed="rId2"/>
               </a:buBlip>
-              <a:defRPr sz="6336"/>
+              <a:defRPr sz="6400"/>
             </a:pPr>
             <a:r>
-              <a:t>We can’t multiply categorical data   :(</a:t>
+              <a:t>Model thinks we’re adding more and more of same thing!</a:t>
             </a:r>
           </a:p>
         </p:txBody>
@@ -12835,7 +12890,7 @@
       </p:grpSpPr>
       <p:sp>
         <p:nvSpPr>
-          <p:cNvPr id="381" name="Shape 381"/>
+          <p:cNvPr id="382" name="Shape 382"/>
           <p:cNvSpPr/>
           <p:nvPr>
             <p:ph type="title"/>
@@ -12863,14 +12918,14 @@
           <a:p>
             <a:pPr/>
             <a:r>
-              <a:t>Simple Encoding Doesn’t work</a:t>
-            </a:r>
-          </a:p>
-        </p:txBody>
-      </p:sp>
-      <p:sp>
-        <p:nvSpPr>
-          <p:cNvPr id="382" name="Shape 382"/>
+              <a:t>One-hot encoding</a:t>
+            </a:r>
+          </a:p>
+        </p:txBody>
+      </p:sp>
+      <p:sp>
+        <p:nvSpPr>
+          <p:cNvPr id="383" name="Shape 383"/>
           <p:cNvSpPr/>
           <p:nvPr>
             <p:ph type="body" idx="1"/>
@@ -12878,8 +12933,8 @@
         </p:nvSpPr>
         <p:spPr>
           <a:xfrm>
-            <a:off x="406400" y="3497772"/>
-            <a:ext cx="12192000" cy="5610529"/>
+            <a:off x="224565" y="3362306"/>
+            <a:ext cx="12555671" cy="5610529"/>
           </a:xfrm>
           <a:prstGeom prst="rect">
             <a:avLst/>
@@ -12889,31 +12944,37 @@
           <a:bodyPr/>
           <a:lstStyle/>
           <a:p>
-            <a:pPr marL="705970" indent="-705970">
+            <a:pPr marL="649492" indent="-649492" defTabSz="537463">
+              <a:spcBef>
+                <a:spcPts val="2500"/>
+              </a:spcBef>
               <a:buClrTx/>
               <a:buSzPct val="40000"/>
               <a:buFontTx/>
               <a:buBlip>
                 <a:blip r:embed="rId2"/>
               </a:buBlip>
-              <a:defRPr sz="6400"/>
+              <a:defRPr sz="5888"/>
             </a:pPr>
             <a:r>
-              <a:t>What if we re-label each category as 0,1, 2, .. etc?</a:t>
-            </a:r>
-          </a:p>
-          <a:p>
-            <a:pPr marL="705970" indent="-705970">
+              <a:t>Creates a 1-or-0 column for each unique value in categorical </a:t>
+            </a:r>
+          </a:p>
+          <a:p>
+            <a:pPr marL="649492" indent="-649492" defTabSz="537463">
+              <a:spcBef>
+                <a:spcPts val="2500"/>
+              </a:spcBef>
               <a:buClrTx/>
               <a:buSzPct val="40000"/>
               <a:buFontTx/>
               <a:buBlip>
                 <a:blip r:embed="rId2"/>
               </a:buBlip>
-              <a:defRPr sz="6400"/>
+              <a:defRPr sz="5888"/>
             </a:pPr>
             <a:r>
-              <a:t>Model thinks we’re adding more and more of same thing!</a:t>
+              <a:t>Per row, only one of the new columns will have a 1, hence 1-hot</a:t>
             </a:r>
           </a:p>
         </p:txBody>
@@ -12954,8 +13015,8 @@
         </p:nvSpPr>
         <p:spPr>
           <a:xfrm>
-            <a:off x="3315263" y="677332"/>
-            <a:ext cx="7189310" cy="1960665"/>
+            <a:off x="2909630" y="846665"/>
+            <a:ext cx="7185540" cy="1960665"/>
           </a:xfrm>
           <a:prstGeom prst="rect">
             <a:avLst/>
@@ -12976,22 +13037,139 @@
           </a:p>
         </p:txBody>
       </p:sp>
-      <p:graphicFrame>
-        <p:nvGraphicFramePr>
-          <p:cNvPr id="210" name="Chart 210"/>
-          <p:cNvGraphicFramePr/>
-          <p:nvPr/>
-        </p:nvGraphicFramePr>
-        <p:xfrm>
-          <a:off x="406399" y="2552999"/>
-          <a:ext cx="12131042" cy="6771982"/>
-        </p:xfrm>
-        <a:graphic xmlns:a="http://schemas.openxmlformats.org/drawingml/2006/main">
-          <a:graphicData uri="http://schemas.openxmlformats.org/drawingml/2006/chart">
-            <c:chart xmlns:c="http://schemas.openxmlformats.org/drawingml/2006/chart" r:id="rId2"/>
-          </a:graphicData>
-        </a:graphic>
-      </p:graphicFrame>
+      <p:sp>
+        <p:nvSpPr>
+          <p:cNvPr id="210" name="Shape 210"/>
+          <p:cNvSpPr/>
+          <p:nvPr>
+            <p:ph type="body" idx="4294967295"/>
+          </p:nvPr>
+        </p:nvSpPr>
+        <p:spPr>
+          <a:xfrm>
+            <a:off x="406400" y="2840796"/>
+            <a:ext cx="12192000" cy="6311307"/>
+          </a:xfrm>
+          <a:prstGeom prst="rect">
+            <a:avLst/>
+          </a:prstGeom>
+        </p:spPr>
+        <p:txBody>
+          <a:bodyPr lIns="50800" tIns="50800" rIns="50800" bIns="50800"/>
+          <a:lstStyle/>
+          <a:p>
+            <a:pPr marL="677731" indent="-677731" defTabSz="560830">
+              <a:spcBef>
+                <a:spcPts val="2600"/>
+              </a:spcBef>
+              <a:buClr>
+                <a:srgbClr val="39A3D5"/>
+              </a:buClr>
+              <a:buSzPct val="40000"/>
+              <a:buFont typeface="Avenir Next"/>
+              <a:buBlip>
+                <a:blip r:embed="rId2"/>
+              </a:buBlip>
+              <a:defRPr sz="6100">
+                <a:solidFill>
+                  <a:srgbClr val="838787"/>
+                </a:solidFill>
+                <a:latin typeface="Avenir Next Medium"/>
+                <a:ea typeface="Avenir Next Medium"/>
+                <a:cs typeface="Avenir Next Medium"/>
+                <a:sym typeface="Avenir Next Medium"/>
+              </a:defRPr>
+            </a:pPr>
+            <a:r>
+              <a:t>10 minutes for lesson &amp; demo</a:t>
+            </a:r>
+          </a:p>
+          <a:p>
+            <a:pPr marL="677731" indent="-677731" defTabSz="560830">
+              <a:spcBef>
+                <a:spcPts val="2600"/>
+              </a:spcBef>
+              <a:buClr>
+                <a:srgbClr val="39A3D5"/>
+              </a:buClr>
+              <a:buSzPct val="40000"/>
+              <a:buFont typeface="Avenir Next"/>
+              <a:buBlip>
+                <a:blip r:embed="rId2"/>
+              </a:buBlip>
+              <a:defRPr sz="6100">
+                <a:solidFill>
+                  <a:srgbClr val="838787"/>
+                </a:solidFill>
+                <a:latin typeface="Avenir Next Medium"/>
+                <a:ea typeface="Avenir Next Medium"/>
+                <a:cs typeface="Avenir Next Medium"/>
+                <a:sym typeface="Avenir Next Medium"/>
+              </a:defRPr>
+            </a:pPr>
+            <a:r>
+              <a:t>15 minutes for exercise</a:t>
+            </a:r>
+          </a:p>
+          <a:p>
+            <a:pPr marL="677731" indent="-677731" defTabSz="560830">
+              <a:spcBef>
+                <a:spcPts val="2600"/>
+              </a:spcBef>
+              <a:buClr>
+                <a:srgbClr val="39A3D5"/>
+              </a:buClr>
+              <a:buSzPct val="40000"/>
+              <a:buFont typeface="Avenir Next"/>
+              <a:buBlip>
+                <a:blip r:embed="rId2"/>
+              </a:buBlip>
+              <a:defRPr sz="6100">
+                <a:solidFill>
+                  <a:srgbClr val="838787"/>
+                </a:solidFill>
+                <a:latin typeface="Avenir Next Medium"/>
+                <a:ea typeface="Avenir Next Medium"/>
+                <a:cs typeface="Avenir Next Medium"/>
+                <a:sym typeface="Avenir Next Medium"/>
+              </a:defRPr>
+            </a:pPr>
+            <a:r>
+              <a:t>Pause to review &amp; ask questions</a:t>
+            </a:r>
+          </a:p>
+          <a:p>
+            <a:pPr marL="677731" indent="-677731" defTabSz="560830">
+              <a:lnSpc>
+                <a:spcPct val="200000"/>
+              </a:lnSpc>
+              <a:spcBef>
+                <a:spcPts val="2600"/>
+              </a:spcBef>
+              <a:buClr>
+                <a:srgbClr val="39A3D5"/>
+              </a:buClr>
+              <a:buSzPct val="40000"/>
+              <a:buFont typeface="Avenir Next"/>
+              <a:buBlip>
+                <a:blip r:embed="rId2"/>
+              </a:buBlip>
+              <a:defRPr sz="6100">
+                <a:solidFill>
+                  <a:srgbClr val="838787"/>
+                </a:solidFill>
+                <a:latin typeface="Avenir Next Medium"/>
+                <a:ea typeface="Avenir Next Medium"/>
+                <a:cs typeface="Avenir Next Medium"/>
+                <a:sym typeface="Avenir Next Medium"/>
+              </a:defRPr>
+            </a:pPr>
+            <a:r>
+              <a:t>Rinse and repeat</a:t>
+            </a:r>
+          </a:p>
+        </p:txBody>
+      </p:sp>
     </p:spTree>
   </p:cSld>
   <p:clrMapOvr>
@@ -13020,7 +13198,7 @@
       </p:grpSpPr>
       <p:sp>
         <p:nvSpPr>
-          <p:cNvPr id="384" name="Shape 384"/>
+          <p:cNvPr id="385" name="Shape 385"/>
           <p:cNvSpPr/>
           <p:nvPr>
             <p:ph type="title"/>
@@ -13048,63 +13226,80 @@
           <a:p>
             <a:pPr/>
             <a:r>
-              <a:t>One-hot encoding</a:t>
-            </a:r>
-          </a:p>
-        </p:txBody>
-      </p:sp>
-      <p:sp>
-        <p:nvSpPr>
-          <p:cNvPr id="385" name="Shape 385"/>
-          <p:cNvSpPr/>
-          <p:nvPr>
-            <p:ph type="body" idx="1"/>
-          </p:nvPr>
-        </p:nvSpPr>
-        <p:spPr>
-          <a:xfrm>
-            <a:off x="224565" y="3362305"/>
-            <a:ext cx="12555671" cy="5610529"/>
-          </a:xfrm>
-          <a:prstGeom prst="rect">
-            <a:avLst/>
-          </a:prstGeom>
-        </p:spPr>
-        <p:txBody>
-          <a:bodyPr/>
+              <a:t>How the math works:</a:t>
+            </a:r>
+          </a:p>
+        </p:txBody>
+      </p:sp>
+      <p:sp>
+        <p:nvSpPr>
+          <p:cNvPr id="386" name="Shape 386"/>
+          <p:cNvSpPr/>
+          <p:nvPr/>
+        </p:nvSpPr>
+        <p:spPr>
+          <a:xfrm>
+            <a:off x="656526" y="4571724"/>
+            <a:ext cx="12136011" cy="1333501"/>
+          </a:xfrm>
+          <a:prstGeom prst="rect">
+            <a:avLst/>
+          </a:prstGeom>
+          <a:ln w="12700">
+            <a:miter lim="400000"/>
+          </a:ln>
+          <a:extLst>
+            <a:ext uri="{C572A759-6A51-4108-AA02-DFA0A04FC94B}">
+              <ma14:wrappingTextBoxFlag xmlns:ma14="http://schemas.microsoft.com/office/mac/drawingml/2011/main" val="1"/>
+            </a:ext>
+          </a:extLst>
+        </p:spPr>
+        <p:txBody>
+          <a:bodyPr lIns="50800" tIns="50800" rIns="50800" bIns="50800" anchor="ctr">
+            <a:spAutoFit/>
+          </a:bodyPr>
           <a:lstStyle/>
           <a:p>
-            <a:pPr marL="649492" indent="-649492" defTabSz="537463">
-              <a:spcBef>
-                <a:spcPts val="2500"/>
-              </a:spcBef>
-              <a:buClrTx/>
-              <a:buSzPct val="40000"/>
-              <a:buFontTx/>
-              <a:buBlip>
-                <a:blip r:embed="rId2"/>
-              </a:buBlip>
-              <a:defRPr sz="5888"/>
+            <a:pPr>
+              <a:defRPr sz="8100">
+                <a:solidFill>
+                  <a:srgbClr val="838787"/>
+                </a:solidFill>
+                <a:latin typeface="Anonymous Pro for Powerline"/>
+                <a:ea typeface="Anonymous Pro for Powerline"/>
+                <a:cs typeface="Anonymous Pro for Powerline"/>
+                <a:sym typeface="Anonymous Pro for Powerline"/>
+              </a:defRPr>
             </a:pPr>
             <a:r>
-              <a:t>Creates a 1-or-0 column for each unique value in categorical </a:t>
-            </a:r>
-          </a:p>
-          <a:p>
-            <a:pPr marL="649492" indent="-649492" defTabSz="537463">
-              <a:spcBef>
-                <a:spcPts val="2500"/>
-              </a:spcBef>
-              <a:buClrTx/>
-              <a:buSzPct val="40000"/>
-              <a:buFontTx/>
-              <a:buBlip>
-                <a:blip r:embed="rId2"/>
-              </a:buBlip>
-              <a:defRPr sz="5888"/>
-            </a:pPr>
-            <a:r>
-              <a:t>Per row, only one of the new columns will have a 1, hence 1-hot</a:t>
+              <a:rPr>
+                <a:solidFill>
+                  <a:schemeClr val="accent5"/>
+                </a:solidFill>
+              </a:rPr>
+              <a:t>y</a:t>
+            </a:r>
+            <a:r>
+              <a:t> = … + 3</a:t>
+            </a:r>
+            <a:r>
+              <a:rPr>
+                <a:solidFill>
+                  <a:schemeClr val="accent3"/>
+                </a:solidFill>
+              </a:rPr>
+              <a:t>x</a:t>
+            </a:r>
+            <a:r>
+              <a:rPr baseline="-5999">
+                <a:solidFill>
+                  <a:schemeClr val="accent3"/>
+                </a:solidFill>
+              </a:rPr>
+              <a:t>n </a:t>
+            </a:r>
+            <a:r>
+              <a:t>+ ..</a:t>
             </a:r>
           </a:p>
         </p:txBody>
@@ -13137,7 +13332,7 @@
       </p:grpSpPr>
       <p:sp>
         <p:nvSpPr>
-          <p:cNvPr id="387" name="Shape 387"/>
+          <p:cNvPr id="388" name="Shape 388"/>
           <p:cNvSpPr/>
           <p:nvPr>
             <p:ph type="title"/>
@@ -13172,7 +13367,7 @@
       </p:sp>
       <p:sp>
         <p:nvSpPr>
-          <p:cNvPr id="388" name="Shape 388"/>
+          <p:cNvPr id="389" name="Shape 389"/>
           <p:cNvSpPr/>
           <p:nvPr/>
         </p:nvSpPr>
@@ -13227,7 +13422,7 @@
                   <a:schemeClr val="accent3"/>
                 </a:solidFill>
               </a:rPr>
-              <a:t>x</a:t>
+              <a:t>(1)</a:t>
             </a:r>
             <a:r>
               <a:rPr baseline="-5999">
@@ -13235,7 +13430,7 @@
                   <a:schemeClr val="accent3"/>
                 </a:solidFill>
               </a:rPr>
-              <a:t>n </a:t>
+              <a:t> </a:t>
             </a:r>
             <a:r>
               <a:t>+ ..</a:t>
@@ -13271,7 +13466,7 @@
       </p:grpSpPr>
       <p:sp>
         <p:nvSpPr>
-          <p:cNvPr id="390" name="Shape 390"/>
+          <p:cNvPr id="391" name="Shape 391"/>
           <p:cNvSpPr/>
           <p:nvPr>
             <p:ph type="title"/>
@@ -13306,7 +13501,7 @@
       </p:sp>
       <p:sp>
         <p:nvSpPr>
-          <p:cNvPr id="391" name="Shape 391"/>
+          <p:cNvPr id="392" name="Shape 392"/>
           <p:cNvSpPr/>
           <p:nvPr/>
         </p:nvSpPr>
@@ -13361,7 +13556,7 @@
                   <a:schemeClr val="accent3"/>
                 </a:solidFill>
               </a:rPr>
-              <a:t>(1)</a:t>
+              <a:t>(0)</a:t>
             </a:r>
             <a:r>
               <a:rPr baseline="-5999">
@@ -13405,7 +13600,7 @@
       </p:grpSpPr>
       <p:sp>
         <p:nvSpPr>
-          <p:cNvPr id="393" name="Shape 393"/>
+          <p:cNvPr id="394" name="Shape 394"/>
           <p:cNvSpPr/>
           <p:nvPr>
             <p:ph type="title"/>
@@ -13440,7 +13635,7 @@
       </p:sp>
       <p:sp>
         <p:nvSpPr>
-          <p:cNvPr id="394" name="Shape 394"/>
+          <p:cNvPr id="395" name="Shape 395"/>
           <p:cNvSpPr/>
           <p:nvPr/>
         </p:nvSpPr>
@@ -13507,6 +13702,56 @@
             </a:r>
             <a:r>
               <a:t>+ ..</a:t>
+            </a:r>
+          </a:p>
+        </p:txBody>
+      </p:sp>
+      <p:sp>
+        <p:nvSpPr>
+          <p:cNvPr id="396" name="Shape 396"/>
+          <p:cNvSpPr/>
+          <p:nvPr/>
+        </p:nvSpPr>
+        <p:spPr>
+          <a:xfrm>
+            <a:off x="509574" y="7119195"/>
+            <a:ext cx="11985652" cy="1170944"/>
+          </a:xfrm>
+          <a:prstGeom prst="rect">
+            <a:avLst/>
+          </a:prstGeom>
+          <a:ln w="12700">
+            <a:miter lim="400000"/>
+          </a:ln>
+          <a:extLst>
+            <a:ext uri="{C572A759-6A51-4108-AA02-DFA0A04FC94B}">
+              <ma14:wrappingTextBoxFlag xmlns:ma14="http://schemas.microsoft.com/office/mac/drawingml/2011/main" val="1"/>
+            </a:ext>
+          </a:extLst>
+        </p:spPr>
+        <p:txBody>
+          <a:bodyPr wrap="none" lIns="50800" tIns="50800" rIns="50800" bIns="50800" anchor="ctr">
+            <a:spAutoFit/>
+          </a:bodyPr>
+          <a:lstStyle>
+            <a:lvl1pPr>
+              <a:lnSpc>
+                <a:spcPct val="80000"/>
+              </a:lnSpc>
+              <a:spcBef>
+                <a:spcPts val="0"/>
+              </a:spcBef>
+              <a:defRPr cap="all" sz="8400">
+                <a:solidFill>
+                  <a:srgbClr val="FFFFFF"/>
+                </a:solidFill>
+              </a:defRPr>
+            </a:lvl1pPr>
+          </a:lstStyle>
+          <a:p>
+            <a:pPr/>
+            <a:r>
+              <a:t>Adds a fixed amount, or doesn’t!</a:t>
             </a:r>
           </a:p>
         </p:txBody>
@@ -13539,191 +13784,7 @@
       </p:grpSpPr>
       <p:sp>
         <p:nvSpPr>
-          <p:cNvPr id="396" name="Shape 396"/>
-          <p:cNvSpPr/>
-          <p:nvPr>
-            <p:ph type="title"/>
-          </p:nvPr>
-        </p:nvSpPr>
-        <p:spPr>
-          <a:xfrm>
-            <a:off x="406400" y="1536700"/>
-            <a:ext cx="12192000" cy="1169260"/>
-          </a:xfrm>
-          <a:prstGeom prst="rect">
-            <a:avLst/>
-          </a:prstGeom>
-        </p:spPr>
-        <p:txBody>
-          <a:bodyPr/>
-          <a:lstStyle>
-            <a:lvl1pPr defTabSz="403097">
-              <a:spcBef>
-                <a:spcPts val="1900"/>
-              </a:spcBef>
-              <a:defRPr sz="8280"/>
-            </a:lvl1pPr>
-          </a:lstStyle>
-          <a:p>
-            <a:pPr/>
-            <a:r>
-              <a:t>How the math works:</a:t>
-            </a:r>
-          </a:p>
-        </p:txBody>
-      </p:sp>
-      <p:sp>
-        <p:nvSpPr>
-          <p:cNvPr id="397" name="Shape 397"/>
-          <p:cNvSpPr/>
-          <p:nvPr/>
-        </p:nvSpPr>
-        <p:spPr>
-          <a:xfrm>
-            <a:off x="656526" y="4571724"/>
-            <a:ext cx="12136011" cy="1333501"/>
-          </a:xfrm>
-          <a:prstGeom prst="rect">
-            <a:avLst/>
-          </a:prstGeom>
-          <a:ln w="12700">
-            <a:miter lim="400000"/>
-          </a:ln>
-          <a:extLst>
-            <a:ext uri="{C572A759-6A51-4108-AA02-DFA0A04FC94B}">
-              <ma14:wrappingTextBoxFlag xmlns:ma14="http://schemas.microsoft.com/office/mac/drawingml/2011/main" val="1"/>
-            </a:ext>
-          </a:extLst>
-        </p:spPr>
-        <p:txBody>
-          <a:bodyPr lIns="50800" tIns="50800" rIns="50800" bIns="50800" anchor="ctr">
-            <a:spAutoFit/>
-          </a:bodyPr>
-          <a:lstStyle/>
-          <a:p>
-            <a:pPr>
-              <a:defRPr sz="8100">
-                <a:solidFill>
-                  <a:srgbClr val="838787"/>
-                </a:solidFill>
-                <a:latin typeface="Anonymous Pro for Powerline"/>
-                <a:ea typeface="Anonymous Pro for Powerline"/>
-                <a:cs typeface="Anonymous Pro for Powerline"/>
-                <a:sym typeface="Anonymous Pro for Powerline"/>
-              </a:defRPr>
-            </a:pPr>
-            <a:r>
-              <a:rPr>
-                <a:solidFill>
-                  <a:schemeClr val="accent5"/>
-                </a:solidFill>
-              </a:rPr>
-              <a:t>y</a:t>
-            </a:r>
-            <a:r>
-              <a:t> = … + 3</a:t>
-            </a:r>
-            <a:r>
-              <a:rPr>
-                <a:solidFill>
-                  <a:schemeClr val="accent3"/>
-                </a:solidFill>
-              </a:rPr>
-              <a:t>(0)</a:t>
-            </a:r>
-            <a:r>
-              <a:rPr baseline="-5999">
-                <a:solidFill>
-                  <a:schemeClr val="accent3"/>
-                </a:solidFill>
-              </a:rPr>
-              <a:t> </a:t>
-            </a:r>
-            <a:r>
-              <a:t>+ ..</a:t>
-            </a:r>
-          </a:p>
-        </p:txBody>
-      </p:sp>
-      <p:sp>
-        <p:nvSpPr>
           <p:cNvPr id="398" name="Shape 398"/>
-          <p:cNvSpPr/>
-          <p:nvPr/>
-        </p:nvSpPr>
-        <p:spPr>
-          <a:xfrm>
-            <a:off x="509574" y="7119195"/>
-            <a:ext cx="11985652" cy="1170944"/>
-          </a:xfrm>
-          <a:prstGeom prst="rect">
-            <a:avLst/>
-          </a:prstGeom>
-          <a:ln w="12700">
-            <a:miter lim="400000"/>
-          </a:ln>
-          <a:extLst>
-            <a:ext uri="{C572A759-6A51-4108-AA02-DFA0A04FC94B}">
-              <ma14:wrappingTextBoxFlag xmlns:ma14="http://schemas.microsoft.com/office/mac/drawingml/2011/main" val="1"/>
-            </a:ext>
-          </a:extLst>
-        </p:spPr>
-        <p:txBody>
-          <a:bodyPr wrap="none" lIns="50800" tIns="50800" rIns="50800" bIns="50800" anchor="ctr">
-            <a:spAutoFit/>
-          </a:bodyPr>
-          <a:lstStyle>
-            <a:lvl1pPr>
-              <a:lnSpc>
-                <a:spcPct val="80000"/>
-              </a:lnSpc>
-              <a:spcBef>
-                <a:spcPts val="0"/>
-              </a:spcBef>
-              <a:defRPr cap="all" sz="8400">
-                <a:solidFill>
-                  <a:srgbClr val="FFFFFF"/>
-                </a:solidFill>
-              </a:defRPr>
-            </a:lvl1pPr>
-          </a:lstStyle>
-          <a:p>
-            <a:pPr/>
-            <a:r>
-              <a:t>Adds a fixed amount, or doesn’t!</a:t>
-            </a:r>
-          </a:p>
-        </p:txBody>
-      </p:sp>
-    </p:spTree>
-  </p:cSld>
-  <p:clrMapOvr>
-    <a:masterClrMapping/>
-  </p:clrMapOvr>
-  <p:transition xmlns:p14="http://schemas.microsoft.com/office/powerpoint/2010/main" spd="med" advClick="1"/>
-</p:sld>
-</file>
-
-<file path=ppt/slides/slide65.xml><?xml version="1.0" encoding="utf-8"?>
-<p:sld xmlns:a="http://schemas.openxmlformats.org/drawingml/2006/main" xmlns:r="http://schemas.openxmlformats.org/officeDocument/2006/relationships" xmlns:p="http://schemas.openxmlformats.org/presentationml/2006/main" showMasterSp="1" showMasterPhAnim="1">
-  <p:cSld>
-    <p:spTree>
-      <p:nvGrpSpPr>
-        <p:cNvPr id="1" name=""/>
-        <p:cNvGrpSpPr/>
-        <p:nvPr/>
-      </p:nvGrpSpPr>
-      <p:grpSpPr>
-        <a:xfrm>
-          <a:off x="0" y="0"/>
-          <a:ext cx="0" cy="0"/>
-          <a:chOff x="0" y="0"/>
-          <a:chExt cx="0" cy="0"/>
-        </a:xfrm>
-      </p:grpSpPr>
-      <p:sp>
-        <p:nvSpPr>
-          <p:cNvPr id="400" name="Shape 400"/>
           <p:cNvSpPr/>
           <p:nvPr>
             <p:ph type="title"/>
@@ -13780,131 +13841,74 @@
           <p:cNvPr id="212" name="Shape 212"/>
           <p:cNvSpPr/>
           <p:nvPr>
-            <p:ph type="title"/>
+            <p:ph type="ctrTitle"/>
           </p:nvPr>
         </p:nvSpPr>
         <p:spPr>
-          <a:xfrm>
-            <a:off x="3321613" y="681565"/>
-            <a:ext cx="7202010" cy="1960665"/>
-          </a:xfrm>
           <a:prstGeom prst="rect">
             <a:avLst/>
           </a:prstGeom>
         </p:spPr>
         <p:txBody>
           <a:bodyPr/>
-          <a:lstStyle>
-            <a:lvl1pPr>
-              <a:defRPr sz="12000"/>
-            </a:lvl1pPr>
-          </a:lstStyle>
+          <a:lstStyle/>
+          <a:p>
+            <a:pPr defTabSz="455675">
+              <a:defRPr sz="13259"/>
+            </a:pPr>
+          </a:p>
+        </p:txBody>
+      </p:sp>
+      <p:sp>
+        <p:nvSpPr>
+          <p:cNvPr id="213" name="Shape 213"/>
+          <p:cNvSpPr/>
+          <p:nvPr>
+            <p:ph type="subTitle" sz="quarter" idx="1"/>
+          </p:nvPr>
+        </p:nvSpPr>
+        <p:spPr>
+          <a:prstGeom prst="rect">
+            <a:avLst/>
+          </a:prstGeom>
+        </p:spPr>
+        <p:txBody>
+          <a:bodyPr/>
+          <a:lstStyle/>
           <a:p>
             <a:pPr/>
-            <a:r>
-              <a:t>Class format</a:t>
-            </a:r>
-          </a:p>
-        </p:txBody>
-      </p:sp>
-      <p:graphicFrame>
-        <p:nvGraphicFramePr>
-          <p:cNvPr id="213" name="Chart 213"/>
-          <p:cNvGraphicFramePr/>
+          </a:p>
+        </p:txBody>
+      </p:sp>
+      <p:pic>
+        <p:nvPicPr>
+          <p:cNvPr id="214" name="pasted-image.png"/>
+          <p:cNvPicPr>
+            <a:picLocks noChangeAspect="1"/>
+          </p:cNvPicPr>
           <p:nvPr/>
-        </p:nvGraphicFramePr>
-        <p:xfrm>
-          <a:off x="406399" y="2552999"/>
-          <a:ext cx="12131042" cy="6771982"/>
-        </p:xfrm>
-        <a:graphic xmlns:a="http://schemas.openxmlformats.org/drawingml/2006/main">
-          <a:graphicData uri="http://schemas.openxmlformats.org/drawingml/2006/chart">
-            <c:chart xmlns:c="http://schemas.openxmlformats.org/drawingml/2006/chart" r:id="rId2"/>
-          </a:graphicData>
-        </a:graphic>
-      </p:graphicFrame>
-      <p:sp>
-        <p:nvSpPr>
-          <p:cNvPr id="214" name="Shape 214"/>
-          <p:cNvSpPr/>
-          <p:nvPr/>
-        </p:nvSpPr>
-        <p:spPr>
-          <a:xfrm rot="2859210">
-            <a:off x="4851946" y="4656485"/>
-            <a:ext cx="5136051" cy="438152"/>
-          </a:xfrm>
-          <a:prstGeom prst="rect">
-            <a:avLst/>
-          </a:prstGeom>
-          <a:solidFill>
-            <a:schemeClr val="accent5"/>
-          </a:solidFill>
+        </p:nvPicPr>
+        <p:blipFill>
+          <a:blip r:embed="rId2">
+            <a:extLst/>
+          </a:blip>
+          <a:stretch>
+            <a:fillRect/>
+          </a:stretch>
+        </p:blipFill>
+        <p:spPr>
+          <a:xfrm>
+            <a:off x="152400" y="431800"/>
+            <a:ext cx="12700000" cy="8890000"/>
+          </a:xfrm>
+          <a:prstGeom prst="rect">
+            <a:avLst/>
+          </a:prstGeom>
           <a:ln w="12700">
             <a:miter lim="400000"/>
           </a:ln>
         </p:spPr>
-        <p:txBody>
-          <a:bodyPr lIns="50800" tIns="50800" rIns="50800" bIns="50800" anchor="ctr"/>
-          <a:lstStyle/>
-          <a:p>
-            <a:pPr algn="ctr">
-              <a:lnSpc>
-                <a:spcPct val="80000"/>
-              </a:lnSpc>
-              <a:spcBef>
-                <a:spcPts val="0"/>
-              </a:spcBef>
-              <a:defRPr cap="all" sz="2800">
-                <a:solidFill>
-                  <a:srgbClr val="FFFFFF"/>
-                </a:solidFill>
-              </a:defRPr>
-            </a:pPr>
-          </a:p>
-        </p:txBody>
-      </p:sp>
-      <p:sp>
-        <p:nvSpPr>
-          <p:cNvPr id="215" name="Shape 215"/>
-          <p:cNvSpPr/>
-          <p:nvPr/>
-        </p:nvSpPr>
-        <p:spPr>
-          <a:xfrm rot="18911602">
-            <a:off x="4826000" y="4606925"/>
-            <a:ext cx="5139401" cy="438150"/>
-          </a:xfrm>
-          <a:prstGeom prst="rect">
-            <a:avLst/>
-          </a:prstGeom>
-          <a:solidFill>
-            <a:schemeClr val="accent5"/>
-          </a:solidFill>
-          <a:ln w="12700">
-            <a:miter lim="400000"/>
-          </a:ln>
-        </p:spPr>
-        <p:txBody>
-          <a:bodyPr lIns="50800" tIns="50800" rIns="50800" bIns="50800" anchor="ctr"/>
-          <a:lstStyle/>
-          <a:p>
-            <a:pPr algn="ctr">
-              <a:lnSpc>
-                <a:spcPct val="80000"/>
-              </a:lnSpc>
-              <a:spcBef>
-                <a:spcPts val="0"/>
-              </a:spcBef>
-              <a:defRPr cap="all" sz="2800">
-                <a:solidFill>
-                  <a:srgbClr val="FFFFFF"/>
-                </a:solidFill>
-              </a:defRPr>
-            </a:pPr>
-          </a:p>
-        </p:txBody>
-      </p:sp>
+      </p:pic>
     </p:spTree>
   </p:cSld>
   <p:clrMapOvr>
@@ -13915,7 +13919,7 @@
 </file>
 
 <file path=ppt/slides/slide8.xml><?xml version="1.0" encoding="utf-8"?>
-<p:sld xmlns:a="http://schemas.openxmlformats.org/drawingml/2006/main" xmlns:r="http://schemas.openxmlformats.org/officeDocument/2006/relationships" xmlns:p="http://schemas.openxmlformats.org/presentationml/2006/main" showMasterSp="1" showMasterPhAnim="1">
+<p:sld xmlns:a="http://schemas.openxmlformats.org/drawingml/2006/main" xmlns:r="http://schemas.openxmlformats.org/officeDocument/2006/relationships" xmlns:p="http://schemas.openxmlformats.org/presentationml/2006/main" show="0" showMasterSp="1" showMasterPhAnim="1">
   <p:cSld>
     <p:spTree>
       <p:nvGrpSpPr>
@@ -13933,7 +13937,7 @@
       </p:grpSpPr>
       <p:sp>
         <p:nvSpPr>
-          <p:cNvPr id="217" name="Shape 217"/>
+          <p:cNvPr id="216" name="Shape 216"/>
           <p:cNvSpPr/>
           <p:nvPr>
             <p:ph type="title"/>
@@ -13941,8 +13945,8 @@
         </p:nvSpPr>
         <p:spPr>
           <a:xfrm>
-            <a:off x="2909630" y="846665"/>
-            <a:ext cx="7185540" cy="1960665"/>
+            <a:off x="3315263" y="677332"/>
+            <a:ext cx="7189310" cy="1960665"/>
           </a:xfrm>
           <a:prstGeom prst="rect">
             <a:avLst/>
@@ -13963,139 +13967,22 @@
           </a:p>
         </p:txBody>
       </p:sp>
-      <p:sp>
-        <p:nvSpPr>
-          <p:cNvPr id="218" name="Shape 218"/>
-          <p:cNvSpPr/>
-          <p:nvPr>
-            <p:ph type="body" idx="4294967295"/>
-          </p:nvPr>
-        </p:nvSpPr>
-        <p:spPr>
-          <a:xfrm>
-            <a:off x="406400" y="2840796"/>
-            <a:ext cx="12192000" cy="6311307"/>
-          </a:xfrm>
-          <a:prstGeom prst="rect">
-            <a:avLst/>
-          </a:prstGeom>
-        </p:spPr>
-        <p:txBody>
-          <a:bodyPr lIns="50800" tIns="50800" rIns="50800" bIns="50800"/>
-          <a:lstStyle/>
-          <a:p>
-            <a:pPr marL="677731" indent="-677731" defTabSz="560830">
-              <a:spcBef>
-                <a:spcPts val="2600"/>
-              </a:spcBef>
-              <a:buClr>
-                <a:srgbClr val="39A3D5"/>
-              </a:buClr>
-              <a:buSzPct val="40000"/>
-              <a:buFont typeface="Avenir Next"/>
-              <a:buBlip>
-                <a:blip r:embed="rId2"/>
-              </a:buBlip>
-              <a:defRPr sz="6100">
-                <a:solidFill>
-                  <a:srgbClr val="838787"/>
-                </a:solidFill>
-                <a:latin typeface="Avenir Next Medium"/>
-                <a:ea typeface="Avenir Next Medium"/>
-                <a:cs typeface="Avenir Next Medium"/>
-                <a:sym typeface="Avenir Next Medium"/>
-              </a:defRPr>
-            </a:pPr>
-            <a:r>
-              <a:t>10 minutes for lesson &amp; demo</a:t>
-            </a:r>
-          </a:p>
-          <a:p>
-            <a:pPr marL="677731" indent="-677731" defTabSz="560830">
-              <a:spcBef>
-                <a:spcPts val="2600"/>
-              </a:spcBef>
-              <a:buClr>
-                <a:srgbClr val="39A3D5"/>
-              </a:buClr>
-              <a:buSzPct val="40000"/>
-              <a:buFont typeface="Avenir Next"/>
-              <a:buBlip>
-                <a:blip r:embed="rId2"/>
-              </a:buBlip>
-              <a:defRPr sz="6100">
-                <a:solidFill>
-                  <a:srgbClr val="838787"/>
-                </a:solidFill>
-                <a:latin typeface="Avenir Next Medium"/>
-                <a:ea typeface="Avenir Next Medium"/>
-                <a:cs typeface="Avenir Next Medium"/>
-                <a:sym typeface="Avenir Next Medium"/>
-              </a:defRPr>
-            </a:pPr>
-            <a:r>
-              <a:t>15 minutes for exercise</a:t>
-            </a:r>
-          </a:p>
-          <a:p>
-            <a:pPr marL="677731" indent="-677731" defTabSz="560830">
-              <a:spcBef>
-                <a:spcPts val="2600"/>
-              </a:spcBef>
-              <a:buClr>
-                <a:srgbClr val="39A3D5"/>
-              </a:buClr>
-              <a:buSzPct val="40000"/>
-              <a:buFont typeface="Avenir Next"/>
-              <a:buBlip>
-                <a:blip r:embed="rId2"/>
-              </a:buBlip>
-              <a:defRPr sz="6100">
-                <a:solidFill>
-                  <a:srgbClr val="838787"/>
-                </a:solidFill>
-                <a:latin typeface="Avenir Next Medium"/>
-                <a:ea typeface="Avenir Next Medium"/>
-                <a:cs typeface="Avenir Next Medium"/>
-                <a:sym typeface="Avenir Next Medium"/>
-              </a:defRPr>
-            </a:pPr>
-            <a:r>
-              <a:t>Pause to review &amp; ask questions</a:t>
-            </a:r>
-          </a:p>
-          <a:p>
-            <a:pPr marL="677731" indent="-677731" defTabSz="560830">
-              <a:lnSpc>
-                <a:spcPct val="200000"/>
-              </a:lnSpc>
-              <a:spcBef>
-                <a:spcPts val="2600"/>
-              </a:spcBef>
-              <a:buClr>
-                <a:srgbClr val="39A3D5"/>
-              </a:buClr>
-              <a:buSzPct val="40000"/>
-              <a:buFont typeface="Avenir Next"/>
-              <a:buBlip>
-                <a:blip r:embed="rId2"/>
-              </a:buBlip>
-              <a:defRPr sz="6100">
-                <a:solidFill>
-                  <a:srgbClr val="838787"/>
-                </a:solidFill>
-                <a:latin typeface="Avenir Next Medium"/>
-                <a:ea typeface="Avenir Next Medium"/>
-                <a:cs typeface="Avenir Next Medium"/>
-                <a:sym typeface="Avenir Next Medium"/>
-              </a:defRPr>
-            </a:pPr>
-            <a:r>
-              <a:t>Rinse and repeat</a:t>
-            </a:r>
-          </a:p>
-        </p:txBody>
-      </p:sp>
+      <p:graphicFrame>
+        <p:nvGraphicFramePr>
+          <p:cNvPr id="217" name="Chart 217"/>
+          <p:cNvGraphicFramePr/>
+          <p:nvPr/>
+        </p:nvGraphicFramePr>
+        <p:xfrm>
+          <a:off x="406399" y="2552999"/>
+          <a:ext cx="12131042" cy="6771982"/>
+        </p:xfrm>
+        <a:graphic xmlns:a="http://schemas.openxmlformats.org/drawingml/2006/main">
+          <a:graphicData uri="http://schemas.openxmlformats.org/drawingml/2006/chart">
+            <c:chart xmlns:c="http://schemas.openxmlformats.org/drawingml/2006/chart" r:id="rId2"/>
+          </a:graphicData>
+        </a:graphic>
+      </p:graphicFrame>
     </p:spTree>
   </p:cSld>
   <p:clrMapOvr>
@@ -14106,7 +13993,7 @@
 </file>
 
 <file path=ppt/slides/slide9.xml><?xml version="1.0" encoding="utf-8"?>
-<p:sld xmlns:a="http://schemas.openxmlformats.org/drawingml/2006/main" xmlns:r="http://schemas.openxmlformats.org/officeDocument/2006/relationships" xmlns:p="http://schemas.openxmlformats.org/presentationml/2006/main" showMasterSp="1" showMasterPhAnim="1">
+<p:sld xmlns:a="http://schemas.openxmlformats.org/drawingml/2006/main" xmlns:r="http://schemas.openxmlformats.org/officeDocument/2006/relationships" xmlns:p="http://schemas.openxmlformats.org/presentationml/2006/main" show="0" showMasterSp="1" showMasterPhAnim="1">
   <p:cSld>
     <p:spTree>
       <p:nvGrpSpPr>
@@ -14124,77 +14011,134 @@
       </p:grpSpPr>
       <p:sp>
         <p:nvSpPr>
-          <p:cNvPr id="220" name="Shape 220"/>
+          <p:cNvPr id="219" name="Shape 219"/>
           <p:cNvSpPr/>
           <p:nvPr>
-            <p:ph type="ctrTitle"/>
+            <p:ph type="title"/>
           </p:nvPr>
         </p:nvSpPr>
         <p:spPr>
+          <a:xfrm>
+            <a:off x="3321613" y="681565"/>
+            <a:ext cx="7202010" cy="1960665"/>
+          </a:xfrm>
           <a:prstGeom prst="rect">
             <a:avLst/>
           </a:prstGeom>
         </p:spPr>
         <p:txBody>
           <a:bodyPr/>
-          <a:lstStyle/>
-          <a:p>
-            <a:pPr defTabSz="455675">
-              <a:defRPr sz="13259"/>
-            </a:pPr>
-          </a:p>
-        </p:txBody>
-      </p:sp>
+          <a:lstStyle>
+            <a:lvl1pPr>
+              <a:defRPr sz="12000"/>
+            </a:lvl1pPr>
+          </a:lstStyle>
+          <a:p>
+            <a:pPr/>
+            <a:r>
+              <a:t>Class format</a:t>
+            </a:r>
+          </a:p>
+        </p:txBody>
+      </p:sp>
+      <p:graphicFrame>
+        <p:nvGraphicFramePr>
+          <p:cNvPr id="220" name="Chart 220"/>
+          <p:cNvGraphicFramePr/>
+          <p:nvPr/>
+        </p:nvGraphicFramePr>
+        <p:xfrm>
+          <a:off x="406399" y="2552999"/>
+          <a:ext cx="12131042" cy="6771982"/>
+        </p:xfrm>
+        <a:graphic xmlns:a="http://schemas.openxmlformats.org/drawingml/2006/main">
+          <a:graphicData uri="http://schemas.openxmlformats.org/drawingml/2006/chart">
+            <c:chart xmlns:c="http://schemas.openxmlformats.org/drawingml/2006/chart" r:id="rId2"/>
+          </a:graphicData>
+        </a:graphic>
+      </p:graphicFrame>
       <p:sp>
         <p:nvSpPr>
           <p:cNvPr id="221" name="Shape 221"/>
           <p:cNvSpPr/>
-          <p:nvPr>
-            <p:ph type="subTitle" sz="quarter" idx="1"/>
-          </p:nvPr>
-        </p:nvSpPr>
-        <p:spPr>
-          <a:prstGeom prst="rect">
-            <a:avLst/>
-          </a:prstGeom>
-        </p:spPr>
-        <p:txBody>
-          <a:bodyPr/>
-          <a:lstStyle/>
-          <a:p>
-            <a:pPr/>
-          </a:p>
-        </p:txBody>
-      </p:sp>
-      <p:pic>
-        <p:nvPicPr>
-          <p:cNvPr id="222" name="pasted-image.png"/>
-          <p:cNvPicPr>
-            <a:picLocks noChangeAspect="1"/>
-          </p:cNvPicPr>
           <p:nvPr/>
-        </p:nvPicPr>
-        <p:blipFill>
-          <a:blip r:embed="rId2">
-            <a:extLst/>
-          </a:blip>
-          <a:stretch>
-            <a:fillRect/>
-          </a:stretch>
-        </p:blipFill>
-        <p:spPr>
-          <a:xfrm>
-            <a:off x="152400" y="431800"/>
-            <a:ext cx="12700000" cy="8890000"/>
-          </a:xfrm>
-          <a:prstGeom prst="rect">
-            <a:avLst/>
-          </a:prstGeom>
+        </p:nvSpPr>
+        <p:spPr>
+          <a:xfrm rot="2859210">
+            <a:off x="4851946" y="4656485"/>
+            <a:ext cx="5136051" cy="438152"/>
+          </a:xfrm>
+          <a:prstGeom prst="rect">
+            <a:avLst/>
+          </a:prstGeom>
+          <a:solidFill>
+            <a:schemeClr val="accent5"/>
+          </a:solidFill>
           <a:ln w="12700">
             <a:miter lim="400000"/>
           </a:ln>
         </p:spPr>
-      </p:pic>
+        <p:txBody>
+          <a:bodyPr lIns="50800" tIns="50800" rIns="50800" bIns="50800" anchor="ctr"/>
+          <a:lstStyle/>
+          <a:p>
+            <a:pPr algn="ctr">
+              <a:lnSpc>
+                <a:spcPct val="80000"/>
+              </a:lnSpc>
+              <a:spcBef>
+                <a:spcPts val="0"/>
+              </a:spcBef>
+              <a:defRPr cap="all" sz="2800">
+                <a:solidFill>
+                  <a:srgbClr val="FFFFFF"/>
+                </a:solidFill>
+              </a:defRPr>
+            </a:pPr>
+          </a:p>
+        </p:txBody>
+      </p:sp>
+      <p:sp>
+        <p:nvSpPr>
+          <p:cNvPr id="222" name="Shape 222"/>
+          <p:cNvSpPr/>
+          <p:nvPr/>
+        </p:nvSpPr>
+        <p:spPr>
+          <a:xfrm rot="18911602">
+            <a:off x="4826000" y="4606925"/>
+            <a:ext cx="5139401" cy="438150"/>
+          </a:xfrm>
+          <a:prstGeom prst="rect">
+            <a:avLst/>
+          </a:prstGeom>
+          <a:solidFill>
+            <a:schemeClr val="accent5"/>
+          </a:solidFill>
+          <a:ln w="12700">
+            <a:miter lim="400000"/>
+          </a:ln>
+        </p:spPr>
+        <p:txBody>
+          <a:bodyPr lIns="50800" tIns="50800" rIns="50800" bIns="50800" anchor="ctr"/>
+          <a:lstStyle/>
+          <a:p>
+            <a:pPr algn="ctr">
+              <a:lnSpc>
+                <a:spcPct val="80000"/>
+              </a:lnSpc>
+              <a:spcBef>
+                <a:spcPts val="0"/>
+              </a:spcBef>
+              <a:defRPr cap="all" sz="2800">
+                <a:solidFill>
+                  <a:srgbClr val="FFFFFF"/>
+                </a:solidFill>
+              </a:defRPr>
+            </a:pPr>
+          </a:p>
+        </p:txBody>
+      </p:sp>
     </p:spTree>
   </p:cSld>
   <p:clrMapOvr>

--- a/Session1/Session1_Slides.pptx
+++ b/Session1/Session1_Slides.pptx
@@ -72,6 +72,12 @@
     <p:sldId id="317" r:id="rId69"/>
     <p:sldId id="318" r:id="rId70"/>
     <p:sldId id="319" r:id="rId71"/>
+    <p:sldId id="320" r:id="rId72"/>
+    <p:sldId id="321" r:id="rId73"/>
+    <p:sldId id="322" r:id="rId74"/>
+    <p:sldId id="323" r:id="rId75"/>
+    <p:sldId id="324" r:id="rId76"/>
+    <p:sldId id="325" r:id="rId77"/>
   </p:sldIdLst>
   <p:sldSz cx="13004800" cy="9753600"/>
   <p:notesSz cx="6858000" cy="9144000"/>
@@ -8975,35 +8981,130 @@
           <a:chExt cx="0" cy="0"/>
         </a:xfrm>
       </p:grpSpPr>
-      <p:pic>
-        <p:nvPicPr>
-          <p:cNvPr id="286" name="pasted-image.png"/>
-          <p:cNvPicPr>
-            <a:picLocks noChangeAspect="1"/>
-          </p:cNvPicPr>
-          <p:nvPr/>
-        </p:nvPicPr>
-        <p:blipFill>
-          <a:blip r:embed="rId2">
-            <a:extLst/>
-          </a:blip>
-          <a:stretch>
-            <a:fillRect/>
-          </a:stretch>
-        </p:blipFill>
-        <p:spPr>
-          <a:xfrm>
-            <a:off x="360038" y="2190556"/>
-            <a:ext cx="15998073" cy="5372488"/>
-          </a:xfrm>
-          <a:prstGeom prst="rect">
-            <a:avLst/>
-          </a:prstGeom>
-          <a:ln w="12700">
-            <a:miter lim="400000"/>
-          </a:ln>
-        </p:spPr>
-      </p:pic>
+      <p:sp>
+        <p:nvSpPr>
+          <p:cNvPr id="286" name="Shape 286"/>
+          <p:cNvSpPr/>
+          <p:nvPr>
+            <p:ph type="title"/>
+          </p:nvPr>
+        </p:nvSpPr>
+        <p:spPr>
+          <a:xfrm>
+            <a:off x="654851" y="1134532"/>
+            <a:ext cx="11254831" cy="1960664"/>
+          </a:xfrm>
+          <a:prstGeom prst="rect">
+            <a:avLst/>
+          </a:prstGeom>
+        </p:spPr>
+        <p:txBody>
+          <a:bodyPr/>
+          <a:lstStyle>
+            <a:lvl1pPr defTabSz="408940">
+              <a:defRPr sz="8400"/>
+            </a:lvl1pPr>
+          </a:lstStyle>
+          <a:p>
+            <a:pPr/>
+            <a:r>
+              <a:t>Regressions vs Classification</a:t>
+            </a:r>
+          </a:p>
+        </p:txBody>
+      </p:sp>
+      <p:sp>
+        <p:nvSpPr>
+          <p:cNvPr id="287" name="Shape 287"/>
+          <p:cNvSpPr/>
+          <p:nvPr>
+            <p:ph type="body" idx="4294967295"/>
+          </p:nvPr>
+        </p:nvSpPr>
+        <p:spPr>
+          <a:xfrm>
+            <a:off x="558800" y="3060930"/>
+            <a:ext cx="12192000" cy="6311307"/>
+          </a:xfrm>
+          <a:prstGeom prst="rect">
+            <a:avLst/>
+          </a:prstGeom>
+        </p:spPr>
+        <p:txBody>
+          <a:bodyPr lIns="50800" tIns="50800" rIns="50800" bIns="50800"/>
+          <a:lstStyle/>
+          <a:p>
+            <a:pPr marL="677731" indent="-677731" defTabSz="560830">
+              <a:spcBef>
+                <a:spcPts val="2600"/>
+              </a:spcBef>
+              <a:buClr>
+                <a:srgbClr val="39A3D5"/>
+              </a:buClr>
+              <a:buSzPct val="40000"/>
+              <a:buFont typeface="Avenir Next"/>
+              <a:buBlip>
+                <a:blip r:embed="rId2"/>
+              </a:buBlip>
+              <a:defRPr sz="6100">
+                <a:solidFill>
+                  <a:srgbClr val="838787"/>
+                </a:solidFill>
+                <a:latin typeface="Avenir Next Medium"/>
+                <a:ea typeface="Avenir Next Medium"/>
+                <a:cs typeface="Avenir Next Medium"/>
+                <a:sym typeface="Avenir Next Medium"/>
+              </a:defRPr>
+            </a:pPr>
+            <a:r>
+              <a:t>Regression outputs a </a:t>
+            </a:r>
+            <a:r>
+              <a:rPr>
+                <a:solidFill>
+                  <a:schemeClr val="accent3"/>
+                </a:solidFill>
+              </a:rPr>
+              <a:t>number</a:t>
+            </a:r>
+          </a:p>
+          <a:p>
+            <a:pPr marL="677731" indent="-677731" defTabSz="560830">
+              <a:spcBef>
+                <a:spcPts val="2600"/>
+              </a:spcBef>
+              <a:buClr>
+                <a:srgbClr val="39A3D5"/>
+              </a:buClr>
+              <a:buSzPct val="40000"/>
+              <a:buFont typeface="Avenir Next"/>
+              <a:buBlip>
+                <a:blip r:embed="rId2"/>
+              </a:buBlip>
+              <a:defRPr sz="6100">
+                <a:solidFill>
+                  <a:srgbClr val="838787"/>
+                </a:solidFill>
+                <a:latin typeface="Avenir Next Medium"/>
+                <a:ea typeface="Avenir Next Medium"/>
+                <a:cs typeface="Avenir Next Medium"/>
+                <a:sym typeface="Avenir Next Medium"/>
+              </a:defRPr>
+            </a:pPr>
+            <a:r>
+              <a:t>Classification outputs a </a:t>
+            </a:r>
+            <a:r>
+              <a:rPr>
+                <a:solidFill>
+                  <a:schemeClr val="accent3"/>
+                </a:solidFill>
+              </a:rPr>
+              <a:t>label</a:t>
+            </a:r>
+          </a:p>
+        </p:txBody>
+      </p:sp>
     </p:spTree>
   </p:cSld>
   <p:clrMapOvr>
@@ -9032,7 +9133,7 @@
       </p:grpSpPr>
       <p:pic>
         <p:nvPicPr>
-          <p:cNvPr id="288" name="pasted-image.png"/>
+          <p:cNvPr id="289" name="classification.jpg"/>
           <p:cNvPicPr>
             <a:picLocks noChangeAspect="1"/>
           </p:cNvPicPr>
@@ -9042,14 +9143,15 @@
           <a:blip r:embed="rId2">
             <a:extLst/>
           </a:blip>
+          <a:srcRect l="5805" t="0" r="10515" b="0"/>
           <a:stretch>
             <a:fillRect/>
           </a:stretch>
         </p:blipFill>
         <p:spPr>
           <a:xfrm>
-            <a:off x="360038" y="2190556"/>
-            <a:ext cx="15998073" cy="5372488"/>
+            <a:off x="2248" y="1465824"/>
+            <a:ext cx="13237438" cy="6734663"/>
           </a:xfrm>
           <a:prstGeom prst="rect">
             <a:avLst/>
@@ -9059,54 +9161,6 @@
           </a:ln>
         </p:spPr>
       </p:pic>
-      <p:sp>
-        <p:nvSpPr>
-          <p:cNvPr id="289" name="Shape 289"/>
-          <p:cNvSpPr/>
-          <p:nvPr/>
-        </p:nvSpPr>
-        <p:spPr>
-          <a:xfrm>
-            <a:off x="160543" y="4610099"/>
-            <a:ext cx="2997709" cy="1143001"/>
-          </a:xfrm>
-          <a:prstGeom prst="rect">
-            <a:avLst/>
-          </a:prstGeom>
-          <a:ln w="12700">
-            <a:miter lim="400000"/>
-          </a:ln>
-          <a:extLst>
-            <a:ext uri="{C572A759-6A51-4108-AA02-DFA0A04FC94B}">
-              <ma14:wrappingTextBoxFlag xmlns:ma14="http://schemas.microsoft.com/office/mac/drawingml/2011/main" val="1"/>
-            </a:ext>
-          </a:extLst>
-        </p:spPr>
-        <p:txBody>
-          <a:bodyPr wrap="none" lIns="50800" tIns="50800" rIns="50800" bIns="50800" anchor="ctr">
-            <a:spAutoFit/>
-          </a:bodyPr>
-          <a:lstStyle>
-            <a:lvl1pPr>
-              <a:defRPr sz="6000">
-                <a:solidFill>
-                  <a:schemeClr val="accent5"/>
-                </a:solidFill>
-                <a:latin typeface="Avenir Next Medium"/>
-                <a:ea typeface="Avenir Next Medium"/>
-                <a:cs typeface="Avenir Next Medium"/>
-                <a:sym typeface="Avenir Next Medium"/>
-              </a:defRPr>
-            </a:lvl1pPr>
-          </a:lstStyle>
-          <a:p>
-            <a:pPr/>
-            <a:r>
-              <a:t>samples</a:t>
-            </a:r>
-          </a:p>
-        </p:txBody>
-      </p:sp>
     </p:spTree>
   </p:cSld>
   <p:clrMapOvr>
@@ -9162,102 +9216,6 @@
           </a:ln>
         </p:spPr>
       </p:pic>
-      <p:sp>
-        <p:nvSpPr>
-          <p:cNvPr id="292" name="Shape 292"/>
-          <p:cNvSpPr/>
-          <p:nvPr/>
-        </p:nvSpPr>
-        <p:spPr>
-          <a:xfrm>
-            <a:off x="6519010" y="1101460"/>
-            <a:ext cx="2919223" cy="1143001"/>
-          </a:xfrm>
-          <a:prstGeom prst="rect">
-            <a:avLst/>
-          </a:prstGeom>
-          <a:ln w="12700">
-            <a:miter lim="400000"/>
-          </a:ln>
-          <a:extLst>
-            <a:ext uri="{C572A759-6A51-4108-AA02-DFA0A04FC94B}">
-              <ma14:wrappingTextBoxFlag xmlns:ma14="http://schemas.microsoft.com/office/mac/drawingml/2011/main" val="1"/>
-            </a:ext>
-          </a:extLst>
-        </p:spPr>
-        <p:txBody>
-          <a:bodyPr wrap="none" lIns="50800" tIns="50800" rIns="50800" bIns="50800" anchor="ctr">
-            <a:spAutoFit/>
-          </a:bodyPr>
-          <a:lstStyle>
-            <a:lvl1pPr>
-              <a:defRPr sz="6000">
-                <a:solidFill>
-                  <a:schemeClr val="accent5"/>
-                </a:solidFill>
-                <a:latin typeface="Avenir Next Medium"/>
-                <a:ea typeface="Avenir Next Medium"/>
-                <a:cs typeface="Avenir Next Medium"/>
-                <a:sym typeface="Avenir Next Medium"/>
-              </a:defRPr>
-            </a:lvl1pPr>
-          </a:lstStyle>
-          <a:p>
-            <a:pPr/>
-            <a:r>
-              <a:t>features</a:t>
-            </a:r>
-          </a:p>
-        </p:txBody>
-      </p:sp>
-      <p:sp>
-        <p:nvSpPr>
-          <p:cNvPr id="293" name="Shape 293"/>
-          <p:cNvSpPr/>
-          <p:nvPr/>
-        </p:nvSpPr>
-        <p:spPr>
-          <a:xfrm>
-            <a:off x="160543" y="4610099"/>
-            <a:ext cx="2997709" cy="1143001"/>
-          </a:xfrm>
-          <a:prstGeom prst="rect">
-            <a:avLst/>
-          </a:prstGeom>
-          <a:ln w="12700">
-            <a:miter lim="400000"/>
-          </a:ln>
-          <a:extLst>
-            <a:ext uri="{C572A759-6A51-4108-AA02-DFA0A04FC94B}">
-              <ma14:wrappingTextBoxFlag xmlns:ma14="http://schemas.microsoft.com/office/mac/drawingml/2011/main" val="1"/>
-            </a:ext>
-          </a:extLst>
-        </p:spPr>
-        <p:txBody>
-          <a:bodyPr wrap="none" lIns="50800" tIns="50800" rIns="50800" bIns="50800" anchor="ctr">
-            <a:spAutoFit/>
-          </a:bodyPr>
-          <a:lstStyle>
-            <a:lvl1pPr>
-              <a:defRPr sz="6000">
-                <a:solidFill>
-                  <a:schemeClr val="accent5"/>
-                </a:solidFill>
-                <a:latin typeface="Avenir Next Medium"/>
-                <a:ea typeface="Avenir Next Medium"/>
-                <a:cs typeface="Avenir Next Medium"/>
-                <a:sym typeface="Avenir Next Medium"/>
-              </a:defRPr>
-            </a:lvl1pPr>
-          </a:lstStyle>
-          <a:p>
-            <a:pPr/>
-            <a:r>
-              <a:t>samples</a:t>
-            </a:r>
-          </a:p>
-        </p:txBody>
-      </p:sp>
     </p:spTree>
   </p:cSld>
   <p:clrMapOvr>
@@ -9286,7 +9244,7 @@
       </p:grpSpPr>
       <p:pic>
         <p:nvPicPr>
-          <p:cNvPr id="295" name="dataset_diagram.png"/>
+          <p:cNvPr id="293" name="pasted-image.png"/>
           <p:cNvPicPr>
             <a:picLocks noChangeAspect="1"/>
           </p:cNvPicPr>
@@ -9296,15 +9254,14 @@
           <a:blip r:embed="rId2">
             <a:extLst/>
           </a:blip>
-          <a:srcRect l="17235" t="0" r="5501" b="0"/>
           <a:stretch>
             <a:fillRect/>
           </a:stretch>
         </p:blipFill>
         <p:spPr>
           <a:xfrm>
-            <a:off x="2050388" y="1108868"/>
-            <a:ext cx="8390013" cy="7535766"/>
+            <a:off x="360038" y="2190556"/>
+            <a:ext cx="15998073" cy="5372488"/>
           </a:xfrm>
           <a:prstGeom prst="rect">
             <a:avLst/>
@@ -9314,6 +9271,54 @@
           </a:ln>
         </p:spPr>
       </p:pic>
+      <p:sp>
+        <p:nvSpPr>
+          <p:cNvPr id="294" name="Shape 294"/>
+          <p:cNvSpPr/>
+          <p:nvPr/>
+        </p:nvSpPr>
+        <p:spPr>
+          <a:xfrm>
+            <a:off x="160543" y="4610099"/>
+            <a:ext cx="2997709" cy="1143001"/>
+          </a:xfrm>
+          <a:prstGeom prst="rect">
+            <a:avLst/>
+          </a:prstGeom>
+          <a:ln w="12700">
+            <a:miter lim="400000"/>
+          </a:ln>
+          <a:extLst>
+            <a:ext uri="{C572A759-6A51-4108-AA02-DFA0A04FC94B}">
+              <ma14:wrappingTextBoxFlag xmlns:ma14="http://schemas.microsoft.com/office/mac/drawingml/2011/main" val="1"/>
+            </a:ext>
+          </a:extLst>
+        </p:spPr>
+        <p:txBody>
+          <a:bodyPr wrap="none" lIns="50800" tIns="50800" rIns="50800" bIns="50800" anchor="ctr">
+            <a:spAutoFit/>
+          </a:bodyPr>
+          <a:lstStyle>
+            <a:lvl1pPr>
+              <a:defRPr sz="6000">
+                <a:solidFill>
+                  <a:schemeClr val="accent5"/>
+                </a:solidFill>
+                <a:latin typeface="Avenir Next Medium"/>
+                <a:ea typeface="Avenir Next Medium"/>
+                <a:cs typeface="Avenir Next Medium"/>
+                <a:sym typeface="Avenir Next Medium"/>
+              </a:defRPr>
+            </a:lvl1pPr>
+          </a:lstStyle>
+          <a:p>
+            <a:pPr/>
+            <a:r>
+              <a:t>samples</a:t>
+            </a:r>
+          </a:p>
+        </p:txBody>
+      </p:sp>
     </p:spTree>
   </p:cSld>
   <p:clrMapOvr>
@@ -9526,30 +9531,9 @@
           <a:chExt cx="0" cy="0"/>
         </a:xfrm>
       </p:grpSpPr>
-      <p:sp>
-        <p:nvSpPr>
-          <p:cNvPr id="297" name="Shape 297"/>
-          <p:cNvSpPr/>
-          <p:nvPr>
-            <p:ph type="subTitle" sz="quarter" idx="1"/>
-          </p:nvPr>
-        </p:nvSpPr>
-        <p:spPr>
-          <a:prstGeom prst="rect">
-            <a:avLst/>
-          </a:prstGeom>
-        </p:spPr>
-        <p:txBody>
-          <a:bodyPr/>
-          <a:lstStyle/>
-          <a:p>
-            <a:pPr/>
-          </a:p>
-        </p:txBody>
-      </p:sp>
       <p:pic>
         <p:nvPicPr>
-          <p:cNvPr id="298" name="pasted-image.jpeg"/>
+          <p:cNvPr id="296" name="pasted-image.png"/>
           <p:cNvPicPr>
             <a:picLocks noChangeAspect="1"/>
           </p:cNvPicPr>
@@ -9559,15 +9543,14 @@
           <a:blip r:embed="rId2">
             <a:extLst/>
           </a:blip>
-          <a:srcRect l="4056" t="48434" r="9588" b="0"/>
           <a:stretch>
             <a:fillRect/>
           </a:stretch>
         </p:blipFill>
         <p:spPr>
           <a:xfrm>
-            <a:off x="341312" y="2887001"/>
-            <a:ext cx="12322208" cy="3370064"/>
+            <a:off x="360038" y="2190556"/>
+            <a:ext cx="15998073" cy="5372488"/>
           </a:xfrm>
           <a:prstGeom prst="rect">
             <a:avLst/>
@@ -9577,6 +9560,102 @@
           </a:ln>
         </p:spPr>
       </p:pic>
+      <p:sp>
+        <p:nvSpPr>
+          <p:cNvPr id="297" name="Shape 297"/>
+          <p:cNvSpPr/>
+          <p:nvPr/>
+        </p:nvSpPr>
+        <p:spPr>
+          <a:xfrm>
+            <a:off x="6519010" y="1101460"/>
+            <a:ext cx="2919223" cy="1143001"/>
+          </a:xfrm>
+          <a:prstGeom prst="rect">
+            <a:avLst/>
+          </a:prstGeom>
+          <a:ln w="12700">
+            <a:miter lim="400000"/>
+          </a:ln>
+          <a:extLst>
+            <a:ext uri="{C572A759-6A51-4108-AA02-DFA0A04FC94B}">
+              <ma14:wrappingTextBoxFlag xmlns:ma14="http://schemas.microsoft.com/office/mac/drawingml/2011/main" val="1"/>
+            </a:ext>
+          </a:extLst>
+        </p:spPr>
+        <p:txBody>
+          <a:bodyPr wrap="none" lIns="50800" tIns="50800" rIns="50800" bIns="50800" anchor="ctr">
+            <a:spAutoFit/>
+          </a:bodyPr>
+          <a:lstStyle>
+            <a:lvl1pPr>
+              <a:defRPr sz="6000">
+                <a:solidFill>
+                  <a:schemeClr val="accent5"/>
+                </a:solidFill>
+                <a:latin typeface="Avenir Next Medium"/>
+                <a:ea typeface="Avenir Next Medium"/>
+                <a:cs typeface="Avenir Next Medium"/>
+                <a:sym typeface="Avenir Next Medium"/>
+              </a:defRPr>
+            </a:lvl1pPr>
+          </a:lstStyle>
+          <a:p>
+            <a:pPr/>
+            <a:r>
+              <a:t>features</a:t>
+            </a:r>
+          </a:p>
+        </p:txBody>
+      </p:sp>
+      <p:sp>
+        <p:nvSpPr>
+          <p:cNvPr id="298" name="Shape 298"/>
+          <p:cNvSpPr/>
+          <p:nvPr/>
+        </p:nvSpPr>
+        <p:spPr>
+          <a:xfrm>
+            <a:off x="160543" y="4610099"/>
+            <a:ext cx="2997709" cy="1143001"/>
+          </a:xfrm>
+          <a:prstGeom prst="rect">
+            <a:avLst/>
+          </a:prstGeom>
+          <a:ln w="12700">
+            <a:miter lim="400000"/>
+          </a:ln>
+          <a:extLst>
+            <a:ext uri="{C572A759-6A51-4108-AA02-DFA0A04FC94B}">
+              <ma14:wrappingTextBoxFlag xmlns:ma14="http://schemas.microsoft.com/office/mac/drawingml/2011/main" val="1"/>
+            </a:ext>
+          </a:extLst>
+        </p:spPr>
+        <p:txBody>
+          <a:bodyPr wrap="none" lIns="50800" tIns="50800" rIns="50800" bIns="50800" anchor="ctr">
+            <a:spAutoFit/>
+          </a:bodyPr>
+          <a:lstStyle>
+            <a:lvl1pPr>
+              <a:defRPr sz="6000">
+                <a:solidFill>
+                  <a:schemeClr val="accent5"/>
+                </a:solidFill>
+                <a:latin typeface="Avenir Next Medium"/>
+                <a:ea typeface="Avenir Next Medium"/>
+                <a:cs typeface="Avenir Next Medium"/>
+                <a:sym typeface="Avenir Next Medium"/>
+              </a:defRPr>
+            </a:lvl1pPr>
+          </a:lstStyle>
+          <a:p>
+            <a:pPr/>
+            <a:r>
+              <a:t>samples</a:t>
+            </a:r>
+          </a:p>
+        </p:txBody>
+      </p:sp>
     </p:spTree>
   </p:cSld>
   <p:clrMapOvr>
@@ -9603,53 +9682,9 @@
           <a:chExt cx="0" cy="0"/>
         </a:xfrm>
       </p:grpSpPr>
-      <p:sp>
-        <p:nvSpPr>
-          <p:cNvPr id="300" name="Shape 300"/>
-          <p:cNvSpPr/>
-          <p:nvPr>
-            <p:ph type="ctrTitle"/>
-          </p:nvPr>
-        </p:nvSpPr>
-        <p:spPr>
-          <a:prstGeom prst="rect">
-            <a:avLst/>
-          </a:prstGeom>
-        </p:spPr>
-        <p:txBody>
-          <a:bodyPr/>
-          <a:lstStyle/>
-          <a:p>
-            <a:pPr defTabSz="455675">
-              <a:defRPr sz="13259"/>
-            </a:pPr>
-          </a:p>
-        </p:txBody>
-      </p:sp>
-      <p:sp>
-        <p:nvSpPr>
-          <p:cNvPr id="301" name="Shape 301"/>
-          <p:cNvSpPr/>
-          <p:nvPr>
-            <p:ph type="subTitle" sz="quarter" idx="1"/>
-          </p:nvPr>
-        </p:nvSpPr>
-        <p:spPr>
-          <a:prstGeom prst="rect">
-            <a:avLst/>
-          </a:prstGeom>
-        </p:spPr>
-        <p:txBody>
-          <a:bodyPr/>
-          <a:lstStyle/>
-          <a:p>
-            <a:pPr/>
-          </a:p>
-        </p:txBody>
-      </p:sp>
       <p:pic>
         <p:nvPicPr>
-          <p:cNvPr id="302" name="pasted-image.jpeg"/>
+          <p:cNvPr id="300" name="dataset_diagram.png"/>
           <p:cNvPicPr>
             <a:picLocks noChangeAspect="1"/>
           </p:cNvPicPr>
@@ -9659,14 +9694,15 @@
           <a:blip r:embed="rId2">
             <a:extLst/>
           </a:blip>
+          <a:srcRect l="17235" t="0" r="5501" b="0"/>
           <a:stretch>
             <a:fillRect/>
           </a:stretch>
         </p:blipFill>
         <p:spPr>
           <a:xfrm>
-            <a:off x="364529" y="2398910"/>
-            <a:ext cx="12275679" cy="6911821"/>
+            <a:off x="2050388" y="1108868"/>
+            <a:ext cx="8390013" cy="7535766"/>
           </a:xfrm>
           <a:prstGeom prst="rect">
             <a:avLst/>
@@ -9676,56 +9712,6 @@
           </a:ln>
         </p:spPr>
       </p:pic>
-      <p:sp>
-        <p:nvSpPr>
-          <p:cNvPr id="303" name="Shape 303"/>
-          <p:cNvSpPr/>
-          <p:nvPr/>
-        </p:nvSpPr>
-        <p:spPr>
-          <a:xfrm>
-            <a:off x="2810251" y="917362"/>
-            <a:ext cx="12125631" cy="1043944"/>
-          </a:xfrm>
-          <a:prstGeom prst="rect">
-            <a:avLst/>
-          </a:prstGeom>
-          <a:ln w="12700">
-            <a:miter lim="400000"/>
-          </a:ln>
-          <a:extLst>
-            <a:ext uri="{C572A759-6A51-4108-AA02-DFA0A04FC94B}">
-              <ma14:wrappingTextBoxFlag xmlns:ma14="http://schemas.microsoft.com/office/mac/drawingml/2011/main" val="1"/>
-            </a:ext>
-          </a:extLst>
-        </p:spPr>
-        <p:txBody>
-          <a:bodyPr lIns="50800" tIns="50800" rIns="50800" bIns="50800" anchor="ctr">
-            <a:spAutoFit/>
-          </a:bodyPr>
-          <a:lstStyle>
-            <a:lvl1pPr>
-              <a:lnSpc>
-                <a:spcPct val="80000"/>
-              </a:lnSpc>
-              <a:spcBef>
-                <a:spcPts val="0"/>
-              </a:spcBef>
-              <a:defRPr cap="all" sz="7400">
-                <a:solidFill>
-                  <a:srgbClr val="FFFFFF"/>
-                </a:solidFill>
-              </a:defRPr>
-            </a:lvl1pPr>
-          </a:lstStyle>
-          <a:p>
-            <a:pPr/>
-            <a:r>
-              <a:t>Wait! How do we test?</a:t>
-            </a:r>
-          </a:p>
-        </p:txBody>
-      </p:sp>
     </p:spTree>
   </p:cSld>
   <p:clrMapOvr>
@@ -9752,9 +9738,30 @@
           <a:chExt cx="0" cy="0"/>
         </a:xfrm>
       </p:grpSpPr>
+      <p:sp>
+        <p:nvSpPr>
+          <p:cNvPr id="302" name="Shape 302"/>
+          <p:cNvSpPr/>
+          <p:nvPr>
+            <p:ph type="subTitle" sz="quarter" idx="1"/>
+          </p:nvPr>
+        </p:nvSpPr>
+        <p:spPr>
+          <a:prstGeom prst="rect">
+            <a:avLst/>
+          </a:prstGeom>
+        </p:spPr>
+        <p:txBody>
+          <a:bodyPr/>
+          <a:lstStyle/>
+          <a:p>
+            <a:pPr/>
+          </a:p>
+        </p:txBody>
+      </p:sp>
       <p:pic>
         <p:nvPicPr>
-          <p:cNvPr id="305" name="pasted-image.png"/>
+          <p:cNvPr id="303" name="pasted-image.jpeg"/>
           <p:cNvPicPr>
             <a:picLocks noChangeAspect="1"/>
           </p:cNvPicPr>
@@ -9764,43 +9771,15 @@
           <a:blip r:embed="rId2">
             <a:extLst/>
           </a:blip>
+          <a:srcRect l="4056" t="48434" r="9588" b="0"/>
           <a:stretch>
             <a:fillRect/>
           </a:stretch>
         </p:blipFill>
         <p:spPr>
           <a:xfrm>
-            <a:off x="4603750" y="3810000"/>
-            <a:ext cx="3797300" cy="2133600"/>
-          </a:xfrm>
-          <a:prstGeom prst="rect">
-            <a:avLst/>
-          </a:prstGeom>
-          <a:ln w="12700">
-            <a:miter lim="400000"/>
-          </a:ln>
-        </p:spPr>
-      </p:pic>
-      <p:pic>
-        <p:nvPicPr>
-          <p:cNvPr id="306" name="pasted-image.png"/>
-          <p:cNvPicPr>
-            <a:picLocks noChangeAspect="1"/>
-          </p:cNvPicPr>
-          <p:nvPr/>
-        </p:nvPicPr>
-        <p:blipFill>
-          <a:blip r:embed="rId3">
-            <a:extLst/>
-          </a:blip>
-          <a:stretch>
-            <a:fillRect/>
-          </a:stretch>
-        </p:blipFill>
-        <p:spPr>
-          <a:xfrm>
-            <a:off x="-1" y="1219064"/>
-            <a:ext cx="13004801" cy="7315472"/>
+            <a:off x="341312" y="2887001"/>
+            <a:ext cx="12322208" cy="3370064"/>
           </a:xfrm>
           <a:prstGeom prst="rect">
             <a:avLst/>
@@ -9838,17 +9817,13 @@
       </p:grpSpPr>
       <p:sp>
         <p:nvSpPr>
-          <p:cNvPr id="308" name="Shape 308"/>
+          <p:cNvPr id="305" name="Shape 305"/>
           <p:cNvSpPr/>
           <p:nvPr>
-            <p:ph type="title"/>
+            <p:ph type="ctrTitle"/>
           </p:nvPr>
         </p:nvSpPr>
         <p:spPr>
-          <a:xfrm>
-            <a:off x="4546637" y="3906006"/>
-            <a:ext cx="12310459" cy="3602708"/>
-          </a:xfrm>
           <a:prstGeom prst="rect">
             <a:avLst/>
           </a:prstGeom>
@@ -9857,9 +9832,108 @@
           <a:bodyPr/>
           <a:lstStyle/>
           <a:p>
+            <a:pPr defTabSz="455675">
+              <a:defRPr sz="13259"/>
+            </a:pPr>
+          </a:p>
+        </p:txBody>
+      </p:sp>
+      <p:sp>
+        <p:nvSpPr>
+          <p:cNvPr id="306" name="Shape 306"/>
+          <p:cNvSpPr/>
+          <p:nvPr>
+            <p:ph type="subTitle" sz="quarter" idx="1"/>
+          </p:nvPr>
+        </p:nvSpPr>
+        <p:spPr>
+          <a:prstGeom prst="rect">
+            <a:avLst/>
+          </a:prstGeom>
+        </p:spPr>
+        <p:txBody>
+          <a:bodyPr/>
+          <a:lstStyle/>
+          <a:p>
             <a:pPr/>
-            <a:r>
-              <a:t>Quiz</a:t>
+          </a:p>
+        </p:txBody>
+      </p:sp>
+      <p:pic>
+        <p:nvPicPr>
+          <p:cNvPr id="307" name="pasted-image.jpeg"/>
+          <p:cNvPicPr>
+            <a:picLocks noChangeAspect="1"/>
+          </p:cNvPicPr>
+          <p:nvPr/>
+        </p:nvPicPr>
+        <p:blipFill>
+          <a:blip r:embed="rId2">
+            <a:extLst/>
+          </a:blip>
+          <a:stretch>
+            <a:fillRect/>
+          </a:stretch>
+        </p:blipFill>
+        <p:spPr>
+          <a:xfrm>
+            <a:off x="364529" y="2398910"/>
+            <a:ext cx="12275679" cy="6911821"/>
+          </a:xfrm>
+          <a:prstGeom prst="rect">
+            <a:avLst/>
+          </a:prstGeom>
+          <a:ln w="12700">
+            <a:miter lim="400000"/>
+          </a:ln>
+        </p:spPr>
+      </p:pic>
+      <p:sp>
+        <p:nvSpPr>
+          <p:cNvPr id="308" name="Shape 308"/>
+          <p:cNvSpPr/>
+          <p:nvPr/>
+        </p:nvSpPr>
+        <p:spPr>
+          <a:xfrm>
+            <a:off x="2810251" y="917362"/>
+            <a:ext cx="12125631" cy="1043944"/>
+          </a:xfrm>
+          <a:prstGeom prst="rect">
+            <a:avLst/>
+          </a:prstGeom>
+          <a:ln w="12700">
+            <a:miter lim="400000"/>
+          </a:ln>
+          <a:extLst>
+            <a:ext uri="{C572A759-6A51-4108-AA02-DFA0A04FC94B}">
+              <ma14:wrappingTextBoxFlag xmlns:ma14="http://schemas.microsoft.com/office/mac/drawingml/2011/main" val="1"/>
+            </a:ext>
+          </a:extLst>
+        </p:spPr>
+        <p:txBody>
+          <a:bodyPr lIns="50800" tIns="50800" rIns="50800" bIns="50800" anchor="ctr">
+            <a:spAutoFit/>
+          </a:bodyPr>
+          <a:lstStyle>
+            <a:lvl1pPr>
+              <a:lnSpc>
+                <a:spcPct val="80000"/>
+              </a:lnSpc>
+              <a:spcBef>
+                <a:spcPts val="0"/>
+              </a:spcBef>
+              <a:defRPr cap="all" sz="7400">
+                <a:solidFill>
+                  <a:srgbClr val="FFFFFF"/>
+                </a:solidFill>
+              </a:defRPr>
+            </a:lvl1pPr>
+          </a:lstStyle>
+          <a:p>
+            <a:pPr/>
+            <a:r>
+              <a:t>Wait! How do we test?</a:t>
             </a:r>
           </a:p>
         </p:txBody>
@@ -9890,40 +9964,64 @@
           <a:chExt cx="0" cy="0"/>
         </a:xfrm>
       </p:grpSpPr>
-      <p:sp>
-        <p:nvSpPr>
-          <p:cNvPr id="310" name="Shape 310"/>
-          <p:cNvSpPr/>
-          <p:nvPr>
-            <p:ph type="title"/>
-          </p:nvPr>
-        </p:nvSpPr>
-        <p:spPr>
-          <a:xfrm>
-            <a:off x="1117600" y="3005666"/>
-            <a:ext cx="12192000" cy="4521201"/>
-          </a:xfrm>
-          <a:prstGeom prst="rect">
-            <a:avLst/>
-          </a:prstGeom>
-        </p:spPr>
-        <p:txBody>
-          <a:bodyPr/>
-          <a:lstStyle/>
-          <a:p>
-            <a:pPr/>
-            <a:r>
-              <a:t>Hands on </a:t>
-            </a:r>
-          </a:p>
-          <a:p>
-            <a:pPr/>
-            <a:r>
-              <a:t>with Python</a:t>
-            </a:r>
-          </a:p>
-        </p:txBody>
-      </p:sp>
+      <p:pic>
+        <p:nvPicPr>
+          <p:cNvPr id="310" name="pasted-image.png"/>
+          <p:cNvPicPr>
+            <a:picLocks noChangeAspect="1"/>
+          </p:cNvPicPr>
+          <p:nvPr/>
+        </p:nvPicPr>
+        <p:blipFill>
+          <a:blip r:embed="rId2">
+            <a:extLst/>
+          </a:blip>
+          <a:stretch>
+            <a:fillRect/>
+          </a:stretch>
+        </p:blipFill>
+        <p:spPr>
+          <a:xfrm>
+            <a:off x="4603750" y="3810000"/>
+            <a:ext cx="3797300" cy="2133600"/>
+          </a:xfrm>
+          <a:prstGeom prst="rect">
+            <a:avLst/>
+          </a:prstGeom>
+          <a:ln w="12700">
+            <a:miter lim="400000"/>
+          </a:ln>
+        </p:spPr>
+      </p:pic>
+      <p:pic>
+        <p:nvPicPr>
+          <p:cNvPr id="311" name="pasted-image.png"/>
+          <p:cNvPicPr>
+            <a:picLocks noChangeAspect="1"/>
+          </p:cNvPicPr>
+          <p:nvPr/>
+        </p:nvPicPr>
+        <p:blipFill>
+          <a:blip r:embed="rId3">
+            <a:extLst/>
+          </a:blip>
+          <a:stretch>
+            <a:fillRect/>
+          </a:stretch>
+        </p:blipFill>
+        <p:spPr>
+          <a:xfrm>
+            <a:off x="-1" y="1219064"/>
+            <a:ext cx="13004801" cy="7315472"/>
+          </a:xfrm>
+          <a:prstGeom prst="rect">
+            <a:avLst/>
+          </a:prstGeom>
+          <a:ln w="12700">
+            <a:miter lim="400000"/>
+          </a:ln>
+        </p:spPr>
+      </p:pic>
     </p:spTree>
   </p:cSld>
   <p:clrMapOvr>
@@ -9950,81 +10048,30 @@
           <a:chExt cx="0" cy="0"/>
         </a:xfrm>
       </p:grpSpPr>
-      <p:pic>
-        <p:nvPicPr>
-          <p:cNvPr id="312" name="pasted-image.jpeg"/>
-          <p:cNvPicPr>
-            <a:picLocks noChangeAspect="1"/>
-          </p:cNvPicPr>
-          <p:nvPr/>
-        </p:nvPicPr>
-        <p:blipFill>
-          <a:blip r:embed="rId2">
-            <a:extLst/>
-          </a:blip>
-          <a:stretch>
-            <a:fillRect/>
-          </a:stretch>
-        </p:blipFill>
-        <p:spPr>
-          <a:xfrm>
-            <a:off x="351366" y="2010404"/>
-            <a:ext cx="12302068" cy="8261243"/>
-          </a:xfrm>
-          <a:prstGeom prst="rect">
-            <a:avLst/>
-          </a:prstGeom>
-          <a:ln w="12700">
-            <a:miter lim="400000"/>
-          </a:ln>
-        </p:spPr>
-      </p:pic>
       <p:sp>
         <p:nvSpPr>
           <p:cNvPr id="313" name="Shape 313"/>
           <p:cNvSpPr/>
-          <p:nvPr/>
-        </p:nvSpPr>
-        <p:spPr>
-          <a:xfrm>
-            <a:off x="3369052" y="697228"/>
-            <a:ext cx="12125630" cy="1043944"/>
-          </a:xfrm>
-          <a:prstGeom prst="rect">
-            <a:avLst/>
-          </a:prstGeom>
-          <a:ln w="12700">
-            <a:miter lim="400000"/>
-          </a:ln>
-          <a:extLst>
-            <a:ext uri="{C572A759-6A51-4108-AA02-DFA0A04FC94B}">
-              <ma14:wrappingTextBoxFlag xmlns:ma14="http://schemas.microsoft.com/office/mac/drawingml/2011/main" val="1"/>
-            </a:ext>
-          </a:extLst>
-        </p:spPr>
-        <p:txBody>
-          <a:bodyPr lIns="50800" tIns="50800" rIns="50800" bIns="50800" anchor="ctr">
-            <a:spAutoFit/>
-          </a:bodyPr>
-          <a:lstStyle>
-            <a:lvl1pPr>
-              <a:lnSpc>
-                <a:spcPct val="80000"/>
-              </a:lnSpc>
-              <a:spcBef>
-                <a:spcPts val="0"/>
-              </a:spcBef>
-              <a:defRPr cap="all" sz="7400">
-                <a:solidFill>
-                  <a:srgbClr val="FFFFFF"/>
-                </a:solidFill>
-              </a:defRPr>
-            </a:lvl1pPr>
-          </a:lstStyle>
+          <p:nvPr>
+            <p:ph type="title"/>
+          </p:nvPr>
+        </p:nvSpPr>
+        <p:spPr>
+          <a:xfrm>
+            <a:off x="4546637" y="3906006"/>
+            <a:ext cx="12310459" cy="3602708"/>
+          </a:xfrm>
+          <a:prstGeom prst="rect">
+            <a:avLst/>
+          </a:prstGeom>
+        </p:spPr>
+        <p:txBody>
+          <a:bodyPr/>
+          <a:lstStyle/>
           <a:p>
             <a:pPr/>
             <a:r>
-              <a:t>Setting the table</a:t>
+              <a:t>Quiz</a:t>
             </a:r>
           </a:p>
         </p:txBody>
@@ -10065,43 +10112,8 @@
         </p:nvSpPr>
         <p:spPr>
           <a:xfrm>
-            <a:off x="406400" y="1536700"/>
-            <a:ext cx="12192000" cy="1169260"/>
-          </a:xfrm>
-          <a:prstGeom prst="rect">
-            <a:avLst/>
-          </a:prstGeom>
-        </p:spPr>
-        <p:txBody>
-          <a:bodyPr/>
-          <a:lstStyle>
-            <a:lvl1pPr defTabSz="403097">
-              <a:spcBef>
-                <a:spcPts val="1900"/>
-              </a:spcBef>
-              <a:defRPr sz="8280"/>
-            </a:lvl1pPr>
-          </a:lstStyle>
-          <a:p>
-            <a:pPr/>
-            <a:r>
-              <a:t>Pandas</a:t>
-            </a:r>
-          </a:p>
-        </p:txBody>
-      </p:sp>
-      <p:sp>
-        <p:nvSpPr>
-          <p:cNvPr id="316" name="Shape 316"/>
-          <p:cNvSpPr/>
-          <p:nvPr>
-            <p:ph type="body" sz="half" idx="1"/>
-          </p:nvPr>
-        </p:nvSpPr>
-        <p:spPr>
-          <a:xfrm>
-            <a:off x="406400" y="3903099"/>
-            <a:ext cx="12192000" cy="2809780"/>
+            <a:off x="1117600" y="3005666"/>
+            <a:ext cx="12192000" cy="4521201"/>
           </a:xfrm>
           <a:prstGeom prst="rect">
             <a:avLst/>
@@ -10111,31 +10123,15 @@
           <a:bodyPr/>
           <a:lstStyle/>
           <a:p>
-            <a:pPr marL="705970" indent="-705970">
-              <a:buClrTx/>
-              <a:buSzPct val="40000"/>
-              <a:buFontTx/>
-              <a:buBlip>
-                <a:blip r:embed="rId2"/>
-              </a:buBlip>
-              <a:defRPr sz="6400"/>
-            </a:pPr>
-            <a:r>
-              <a:t>Short for “panel data”</a:t>
-            </a:r>
-          </a:p>
-          <a:p>
-            <a:pPr marL="705970" indent="-705970">
-              <a:buClrTx/>
-              <a:buSzPct val="40000"/>
-              <a:buFontTx/>
-              <a:buBlip>
-                <a:blip r:embed="rId2"/>
-              </a:buBlip>
-              <a:defRPr sz="6400"/>
-            </a:pPr>
-            <a:r>
-              <a:t>DataFrame concept from R</a:t>
+            <a:pPr/>
+            <a:r>
+              <a:t>Hands on </a:t>
+            </a:r>
+          </a:p>
+          <a:p>
+            <a:pPr/>
+            <a:r>
+              <a:t>with Python</a:t>
             </a:r>
           </a:p>
         </p:txBody>
@@ -10166,87 +10162,81 @@
           <a:chExt cx="0" cy="0"/>
         </a:xfrm>
       </p:grpSpPr>
+      <p:pic>
+        <p:nvPicPr>
+          <p:cNvPr id="317" name="pasted-image.jpeg"/>
+          <p:cNvPicPr>
+            <a:picLocks noChangeAspect="1"/>
+          </p:cNvPicPr>
+          <p:nvPr/>
+        </p:nvPicPr>
+        <p:blipFill>
+          <a:blip r:embed="rId2">
+            <a:extLst/>
+          </a:blip>
+          <a:stretch>
+            <a:fillRect/>
+          </a:stretch>
+        </p:blipFill>
+        <p:spPr>
+          <a:xfrm>
+            <a:off x="351366" y="2010404"/>
+            <a:ext cx="12302068" cy="8261243"/>
+          </a:xfrm>
+          <a:prstGeom prst="rect">
+            <a:avLst/>
+          </a:prstGeom>
+          <a:ln w="12700">
+            <a:miter lim="400000"/>
+          </a:ln>
+        </p:spPr>
+      </p:pic>
       <p:sp>
         <p:nvSpPr>
           <p:cNvPr id="318" name="Shape 318"/>
           <p:cNvSpPr/>
-          <p:nvPr>
-            <p:ph type="title"/>
-          </p:nvPr>
-        </p:nvSpPr>
-        <p:spPr>
-          <a:xfrm>
-            <a:off x="406400" y="1536700"/>
-            <a:ext cx="12192000" cy="1169260"/>
-          </a:xfrm>
-          <a:prstGeom prst="rect">
-            <a:avLst/>
-          </a:prstGeom>
-        </p:spPr>
-        <p:txBody>
-          <a:bodyPr/>
+          <p:nvPr/>
+        </p:nvSpPr>
+        <p:spPr>
+          <a:xfrm>
+            <a:off x="3369052" y="697228"/>
+            <a:ext cx="12125630" cy="1043944"/>
+          </a:xfrm>
+          <a:prstGeom prst="rect">
+            <a:avLst/>
+          </a:prstGeom>
+          <a:ln w="12700">
+            <a:miter lim="400000"/>
+          </a:ln>
+          <a:extLst>
+            <a:ext uri="{C572A759-6A51-4108-AA02-DFA0A04FC94B}">
+              <ma14:wrappingTextBoxFlag xmlns:ma14="http://schemas.microsoft.com/office/mac/drawingml/2011/main" val="1"/>
+            </a:ext>
+          </a:extLst>
+        </p:spPr>
+        <p:txBody>
+          <a:bodyPr lIns="50800" tIns="50800" rIns="50800" bIns="50800" anchor="ctr">
+            <a:spAutoFit/>
+          </a:bodyPr>
           <a:lstStyle>
-            <a:lvl1pPr defTabSz="403097">
+            <a:lvl1pPr>
+              <a:lnSpc>
+                <a:spcPct val="80000"/>
+              </a:lnSpc>
               <a:spcBef>
-                <a:spcPts val="1900"/>
+                <a:spcPts val="0"/>
               </a:spcBef>
-              <a:defRPr sz="8280"/>
+              <a:defRPr cap="all" sz="7400">
+                <a:solidFill>
+                  <a:srgbClr val="FFFFFF"/>
+                </a:solidFill>
+              </a:defRPr>
             </a:lvl1pPr>
           </a:lstStyle>
           <a:p>
             <a:pPr/>
             <a:r>
-              <a:t>Dataframe</a:t>
-            </a:r>
-          </a:p>
-        </p:txBody>
-      </p:sp>
-      <p:sp>
-        <p:nvSpPr>
-          <p:cNvPr id="319" name="Shape 319"/>
-          <p:cNvSpPr/>
-          <p:nvPr>
-            <p:ph type="body" idx="1"/>
-          </p:nvPr>
-        </p:nvSpPr>
-        <p:spPr>
-          <a:xfrm>
-            <a:off x="406400" y="3953767"/>
-            <a:ext cx="12192000" cy="4612257"/>
-          </a:xfrm>
-          <a:prstGeom prst="rect">
-            <a:avLst/>
-          </a:prstGeom>
-        </p:spPr>
-        <p:txBody>
-          <a:bodyPr/>
-          <a:lstStyle/>
-          <a:p>
-            <a:pPr marL="705970" indent="-705970">
-              <a:buClrTx/>
-              <a:buSzPct val="40000"/>
-              <a:buFontTx/>
-              <a:buBlip>
-                <a:blip r:embed="rId2"/>
-              </a:buBlip>
-              <a:defRPr sz="6400"/>
-            </a:pPr>
-            <a:r>
-              <a:t>Similar to a spreadsheet</a:t>
-            </a:r>
-          </a:p>
-          <a:p>
-            <a:pPr marL="705970" indent="-705970">
-              <a:buClrTx/>
-              <a:buSzPct val="40000"/>
-              <a:buFontTx/>
-              <a:buBlip>
-                <a:blip r:embed="rId2"/>
-              </a:buBlip>
-              <a:defRPr sz="6400"/>
-            </a:pPr>
-            <a:r>
-              <a:t>Columns are Numpy arrays with special index</a:t>
+              <a:t>Setting the table</a:t>
             </a:r>
           </a:p>
         </p:txBody>
@@ -10279,7 +10269,7 @@
       </p:grpSpPr>
       <p:sp>
         <p:nvSpPr>
-          <p:cNvPr id="321" name="Shape 321"/>
+          <p:cNvPr id="320" name="Shape 320"/>
           <p:cNvSpPr/>
           <p:nvPr>
             <p:ph type="title"/>
@@ -10307,69 +10297,57 @@
           <a:p>
             <a:pPr/>
             <a:r>
-              <a:t>importing Pandas</a:t>
-            </a:r>
-          </a:p>
-        </p:txBody>
-      </p:sp>
-      <p:sp>
-        <p:nvSpPr>
-          <p:cNvPr id="322" name="Shape 322"/>
-          <p:cNvSpPr/>
-          <p:nvPr/>
-        </p:nvSpPr>
-        <p:spPr>
-          <a:xfrm>
-            <a:off x="455296" y="4826000"/>
-            <a:ext cx="12192002" cy="1955801"/>
-          </a:xfrm>
-          <a:prstGeom prst="rect">
-            <a:avLst/>
-          </a:prstGeom>
-          <a:ln w="12700">
-            <a:miter lim="400000"/>
-          </a:ln>
-          <a:extLst>
-            <a:ext uri="{C572A759-6A51-4108-AA02-DFA0A04FC94B}">
-              <ma14:wrappingTextBoxFlag xmlns:ma14="http://schemas.microsoft.com/office/mac/drawingml/2011/main" val="1"/>
-            </a:ext>
-          </a:extLst>
-        </p:spPr>
-        <p:txBody>
-          <a:bodyPr lIns="50800" tIns="50800" rIns="50800" bIns="50800" anchor="ctr">
-            <a:spAutoFit/>
-          </a:bodyPr>
+              <a:t>Pandas</a:t>
+            </a:r>
+          </a:p>
+        </p:txBody>
+      </p:sp>
+      <p:sp>
+        <p:nvSpPr>
+          <p:cNvPr id="321" name="Shape 321"/>
+          <p:cNvSpPr/>
+          <p:nvPr>
+            <p:ph type="body" sz="half" idx="1"/>
+          </p:nvPr>
+        </p:nvSpPr>
+        <p:spPr>
+          <a:xfrm>
+            <a:off x="406400" y="3903099"/>
+            <a:ext cx="12192000" cy="2809780"/>
+          </a:xfrm>
+          <a:prstGeom prst="rect">
+            <a:avLst/>
+          </a:prstGeom>
+        </p:spPr>
+        <p:txBody>
+          <a:bodyPr/>
           <a:lstStyle/>
           <a:p>
-            <a:pPr>
-              <a:defRPr sz="5100">
-                <a:solidFill>
-                  <a:srgbClr val="838787"/>
-                </a:solidFill>
-                <a:latin typeface="Anonymous Pro for Powerline"/>
-                <a:ea typeface="Anonymous Pro for Powerline"/>
-                <a:cs typeface="Anonymous Pro for Powerline"/>
-                <a:sym typeface="Anonymous Pro for Powerline"/>
-              </a:defRPr>
+            <a:pPr marL="705970" indent="-705970">
+              <a:buClrTx/>
+              <a:buSzPct val="40000"/>
+              <a:buFontTx/>
+              <a:buBlip>
+                <a:blip r:embed="rId2"/>
+              </a:buBlip>
+              <a:defRPr sz="6400"/>
             </a:pPr>
             <a:r>
-              <a:t>import pandas as pd</a:t>
-            </a:r>
-          </a:p>
-          <a:p>
-            <a:pPr>
-              <a:defRPr sz="5100">
-                <a:solidFill>
-                  <a:srgbClr val="838787"/>
-                </a:solidFill>
-                <a:latin typeface="Anonymous Pro for Powerline"/>
-                <a:ea typeface="Anonymous Pro for Powerline"/>
-                <a:cs typeface="Anonymous Pro for Powerline"/>
-                <a:sym typeface="Anonymous Pro for Powerline"/>
-              </a:defRPr>
+              <a:t>Short for “panel data”</a:t>
+            </a:r>
+          </a:p>
+          <a:p>
+            <a:pPr marL="705970" indent="-705970">
+              <a:buClrTx/>
+              <a:buSzPct val="40000"/>
+              <a:buFontTx/>
+              <a:buBlip>
+                <a:blip r:embed="rId2"/>
+              </a:buBlip>
+              <a:defRPr sz="6400"/>
             </a:pPr>
             <a:r>
-              <a:t> </a:t>
+              <a:t>DataFrame concept from R</a:t>
             </a:r>
           </a:p>
         </p:txBody>
@@ -10402,7 +10380,7 @@
       </p:grpSpPr>
       <p:sp>
         <p:nvSpPr>
-          <p:cNvPr id="324" name="Shape 324"/>
+          <p:cNvPr id="323" name="Shape 323"/>
           <p:cNvSpPr/>
           <p:nvPr>
             <p:ph type="title"/>
@@ -10430,80 +10408,57 @@
           <a:p>
             <a:pPr/>
             <a:r>
-              <a:t>creating a Dataframe</a:t>
-            </a:r>
-          </a:p>
-        </p:txBody>
-      </p:sp>
-      <p:sp>
-        <p:nvSpPr>
-          <p:cNvPr id="325" name="Shape 325"/>
-          <p:cNvSpPr/>
-          <p:nvPr/>
-        </p:nvSpPr>
-        <p:spPr>
-          <a:xfrm>
-            <a:off x="481291" y="4826000"/>
-            <a:ext cx="13004801" cy="1955801"/>
-          </a:xfrm>
-          <a:prstGeom prst="rect">
-            <a:avLst/>
-          </a:prstGeom>
-          <a:ln w="12700">
-            <a:miter lim="400000"/>
-          </a:ln>
-          <a:extLst>
-            <a:ext uri="{C572A759-6A51-4108-AA02-DFA0A04FC94B}">
-              <ma14:wrappingTextBoxFlag xmlns:ma14="http://schemas.microsoft.com/office/mac/drawingml/2011/main" val="1"/>
-            </a:ext>
-          </a:extLst>
-        </p:spPr>
-        <p:txBody>
-          <a:bodyPr lIns="50800" tIns="50800" rIns="50800" bIns="50800" anchor="ctr">
-            <a:spAutoFit/>
-          </a:bodyPr>
+              <a:t>Dataframe</a:t>
+            </a:r>
+          </a:p>
+        </p:txBody>
+      </p:sp>
+      <p:sp>
+        <p:nvSpPr>
+          <p:cNvPr id="324" name="Shape 324"/>
+          <p:cNvSpPr/>
+          <p:nvPr>
+            <p:ph type="body" idx="1"/>
+          </p:nvPr>
+        </p:nvSpPr>
+        <p:spPr>
+          <a:xfrm>
+            <a:off x="406400" y="3953767"/>
+            <a:ext cx="12192000" cy="4612257"/>
+          </a:xfrm>
+          <a:prstGeom prst="rect">
+            <a:avLst/>
+          </a:prstGeom>
+        </p:spPr>
+        <p:txBody>
+          <a:bodyPr/>
           <a:lstStyle/>
           <a:p>
-            <a:pPr>
-              <a:defRPr sz="5100">
-                <a:solidFill>
-                  <a:srgbClr val="838787"/>
-                </a:solidFill>
-                <a:latin typeface="Anonymous Pro for Powerline"/>
-                <a:ea typeface="Anonymous Pro for Powerline"/>
-                <a:cs typeface="Anonymous Pro for Powerline"/>
-                <a:sym typeface="Anonymous Pro for Powerline"/>
-              </a:defRPr>
+            <a:pPr marL="705970" indent="-705970">
+              <a:buClrTx/>
+              <a:buSzPct val="40000"/>
+              <a:buFontTx/>
+              <a:buBlip>
+                <a:blip r:embed="rId2"/>
+              </a:buBlip>
+              <a:defRPr sz="6400"/>
             </a:pPr>
             <a:r>
-              <a:t>df = </a:t>
-            </a:r>
-            <a:r>
-              <a:rPr>
-                <a:solidFill>
-                  <a:schemeClr val="accent3"/>
-                </a:solidFill>
-              </a:rPr>
-              <a:t>pd.read_csv</a:t>
-            </a:r>
-            <a:r>
-              <a:t>(“file_name”)</a:t>
-            </a:r>
-          </a:p>
-          <a:p>
-            <a:pPr>
-              <a:defRPr sz="5100">
-                <a:solidFill>
-                  <a:srgbClr val="838787"/>
-                </a:solidFill>
-                <a:latin typeface="Anonymous Pro for Powerline"/>
-                <a:ea typeface="Anonymous Pro for Powerline"/>
-                <a:cs typeface="Anonymous Pro for Powerline"/>
-                <a:sym typeface="Anonymous Pro for Powerline"/>
-              </a:defRPr>
+              <a:t>Similar to a spreadsheet</a:t>
+            </a:r>
+          </a:p>
+          <a:p>
+            <a:pPr marL="705970" indent="-705970">
+              <a:buClrTx/>
+              <a:buSzPct val="40000"/>
+              <a:buFontTx/>
+              <a:buBlip>
+                <a:blip r:embed="rId2"/>
+              </a:buBlip>
+              <a:defRPr sz="6400"/>
             </a:pPr>
             <a:r>
-              <a:t> </a:t>
+              <a:t>Columns are Numpy arrays with special index</a:t>
             </a:r>
           </a:p>
         </p:txBody>
@@ -10691,7 +10646,7 @@
       </p:grpSpPr>
       <p:sp>
         <p:nvSpPr>
-          <p:cNvPr id="327" name="Shape 327"/>
+          <p:cNvPr id="326" name="Shape 326"/>
           <p:cNvSpPr/>
           <p:nvPr>
             <p:ph type="title"/>
@@ -10719,21 +10674,21 @@
           <a:p>
             <a:pPr/>
             <a:r>
-              <a:t>Grabbing a Column</a:t>
-            </a:r>
-          </a:p>
-        </p:txBody>
-      </p:sp>
-      <p:sp>
-        <p:nvSpPr>
-          <p:cNvPr id="328" name="Shape 328"/>
+              <a:t>importing Pandas</a:t>
+            </a:r>
+          </a:p>
+        </p:txBody>
+      </p:sp>
+      <p:sp>
+        <p:nvSpPr>
+          <p:cNvPr id="327" name="Shape 327"/>
           <p:cNvSpPr/>
           <p:nvPr/>
         </p:nvSpPr>
         <p:spPr>
           <a:xfrm>
-            <a:off x="552927" y="4826000"/>
-            <a:ext cx="12136012" cy="1955801"/>
+            <a:off x="455296" y="4826000"/>
+            <a:ext cx="12192002" cy="1955801"/>
           </a:xfrm>
           <a:prstGeom prst="rect">
             <a:avLst/>
@@ -10765,21 +10720,8 @@
               </a:defRPr>
             </a:pPr>
             <a:r>
-              <a:t>df</a:t>
-            </a:r>
-            <a:r>
-              <a:rPr>
-                <a:solidFill>
-                  <a:schemeClr val="accent3"/>
-                </a:solidFill>
-              </a:rPr>
-              <a:t>[‘profit’]</a:t>
-            </a:r>
-            <a:endParaRPr>
-              <a:solidFill>
-                <a:schemeClr val="accent3"/>
-              </a:solidFill>
-            </a:endParaRPr>
+              <a:t>import pandas as pd</a:t>
+            </a:r>
           </a:p>
           <a:p>
             <a:pPr>
@@ -10827,7 +10769,7 @@
       </p:grpSpPr>
       <p:sp>
         <p:nvSpPr>
-          <p:cNvPr id="330" name="Shape 330"/>
+          <p:cNvPr id="329" name="Shape 329"/>
           <p:cNvSpPr/>
           <p:nvPr>
             <p:ph type="title"/>
@@ -10855,21 +10797,21 @@
           <a:p>
             <a:pPr/>
             <a:r>
-              <a:t>Dataframe from columns</a:t>
-            </a:r>
-          </a:p>
-        </p:txBody>
-      </p:sp>
-      <p:sp>
-        <p:nvSpPr>
-          <p:cNvPr id="331" name="Shape 331"/>
+              <a:t>creating a Dataframe</a:t>
+            </a:r>
+          </a:p>
+        </p:txBody>
+      </p:sp>
+      <p:sp>
+        <p:nvSpPr>
+          <p:cNvPr id="330" name="Shape 330"/>
           <p:cNvSpPr/>
           <p:nvPr/>
         </p:nvSpPr>
         <p:spPr>
           <a:xfrm>
-            <a:off x="434394" y="4826000"/>
-            <a:ext cx="12946701" cy="1955801"/>
+            <a:off x="481291" y="4826000"/>
+            <a:ext cx="13004801" cy="1955801"/>
           </a:xfrm>
           <a:prstGeom prst="rect">
             <a:avLst/>
@@ -10901,7 +10843,18 @@
               </a:defRPr>
             </a:pPr>
             <a:r>
-              <a:t>columns = [‘revenue’, ‘profit’]</a:t>
+              <a:t>df = </a:t>
+            </a:r>
+            <a:r>
+              <a:rPr>
+                <a:solidFill>
+                  <a:schemeClr val="accent3"/>
+                </a:solidFill>
+              </a:rPr>
+              <a:t>pd.read_csv</a:t>
+            </a:r>
+            <a:r>
+              <a:t>(“file_name”)</a:t>
             </a:r>
           </a:p>
           <a:p>
@@ -10917,7 +10870,7 @@
               </a:defRPr>
             </a:pPr>
             <a:r>
-              <a:t>df[columns]</a:t>
+              <a:t> </a:t>
             </a:r>
           </a:p>
         </p:txBody>
@@ -10950,7 +10903,7 @@
       </p:grpSpPr>
       <p:sp>
         <p:nvSpPr>
-          <p:cNvPr id="333" name="Shape 333"/>
+          <p:cNvPr id="332" name="Shape 332"/>
           <p:cNvSpPr/>
           <p:nvPr>
             <p:ph type="title"/>
@@ -10978,21 +10931,21 @@
           <a:p>
             <a:pPr/>
             <a:r>
-              <a:t>Dropping Nulls</a:t>
-            </a:r>
-          </a:p>
-        </p:txBody>
-      </p:sp>
-      <p:sp>
-        <p:nvSpPr>
-          <p:cNvPr id="334" name="Shape 334"/>
+              <a:t>Grabbing a Column</a:t>
+            </a:r>
+          </a:p>
+        </p:txBody>
+      </p:sp>
+      <p:sp>
+        <p:nvSpPr>
+          <p:cNvPr id="333" name="Shape 333"/>
           <p:cNvSpPr/>
           <p:nvPr/>
         </p:nvSpPr>
         <p:spPr>
           <a:xfrm>
-            <a:off x="510396" y="4859069"/>
-            <a:ext cx="11141553" cy="876301"/>
+            <a:off x="552927" y="4826000"/>
+            <a:ext cx="12136012" cy="1955801"/>
           </a:xfrm>
           <a:prstGeom prst="rect">
             <a:avLst/>
@@ -11032,7 +10985,28 @@
                   <a:schemeClr val="accent3"/>
                 </a:solidFill>
               </a:rPr>
-              <a:t>.dropna()</a:t>
+              <a:t>[‘profit’]</a:t>
+            </a:r>
+            <a:endParaRPr>
+              <a:solidFill>
+                <a:schemeClr val="accent3"/>
+              </a:solidFill>
+            </a:endParaRPr>
+          </a:p>
+          <a:p>
+            <a:pPr>
+              <a:defRPr sz="5100">
+                <a:solidFill>
+                  <a:srgbClr val="838787"/>
+                </a:solidFill>
+                <a:latin typeface="Anonymous Pro for Powerline"/>
+                <a:ea typeface="Anonymous Pro for Powerline"/>
+                <a:cs typeface="Anonymous Pro for Powerline"/>
+                <a:sym typeface="Anonymous Pro for Powerline"/>
+              </a:defRPr>
+            </a:pPr>
+            <a:r>
+              <a:t> </a:t>
             </a:r>
           </a:p>
         </p:txBody>
@@ -11063,27 +11037,51 @@
           <a:chExt cx="0" cy="0"/>
         </a:xfrm>
       </p:grpSpPr>
-      <p:pic>
-        <p:nvPicPr>
-          <p:cNvPr id="336" name="dataset_diagram.png"/>
-          <p:cNvPicPr>
-            <a:picLocks noChangeAspect="1"/>
-          </p:cNvPicPr>
+      <p:sp>
+        <p:nvSpPr>
+          <p:cNvPr id="335" name="Shape 335"/>
+          <p:cNvSpPr/>
+          <p:nvPr>
+            <p:ph type="title"/>
+          </p:nvPr>
+        </p:nvSpPr>
+        <p:spPr>
+          <a:xfrm>
+            <a:off x="406400" y="1536700"/>
+            <a:ext cx="12192000" cy="1169260"/>
+          </a:xfrm>
+          <a:prstGeom prst="rect">
+            <a:avLst/>
+          </a:prstGeom>
+        </p:spPr>
+        <p:txBody>
+          <a:bodyPr/>
+          <a:lstStyle>
+            <a:lvl1pPr defTabSz="403097">
+              <a:spcBef>
+                <a:spcPts val="1900"/>
+              </a:spcBef>
+              <a:defRPr sz="8280"/>
+            </a:lvl1pPr>
+          </a:lstStyle>
+          <a:p>
+            <a:pPr/>
+            <a:r>
+              <a:t>Dataframe from columns</a:t>
+            </a:r>
+          </a:p>
+        </p:txBody>
+      </p:sp>
+      <p:sp>
+        <p:nvSpPr>
+          <p:cNvPr id="336" name="Shape 336"/>
+          <p:cNvSpPr/>
           <p:nvPr/>
-        </p:nvPicPr>
-        <p:blipFill>
-          <a:blip r:embed="rId2">
-            <a:extLst/>
-          </a:blip>
-          <a:srcRect l="17235" t="0" r="5501" b="0"/>
-          <a:stretch>
-            <a:fillRect/>
-          </a:stretch>
-        </p:blipFill>
-        <p:spPr>
-          <a:xfrm>
-            <a:off x="2050388" y="1108868"/>
-            <a:ext cx="8390013" cy="7535766"/>
+        </p:nvSpPr>
+        <p:spPr>
+          <a:xfrm>
+            <a:off x="434394" y="4826000"/>
+            <a:ext cx="12946701" cy="1955801"/>
           </a:xfrm>
           <a:prstGeom prst="rect">
             <a:avLst/>
@@ -11091,8 +11089,51 @@
           <a:ln w="12700">
             <a:miter lim="400000"/>
           </a:ln>
-        </p:spPr>
-      </p:pic>
+          <a:extLst>
+            <a:ext uri="{C572A759-6A51-4108-AA02-DFA0A04FC94B}">
+              <ma14:wrappingTextBoxFlag xmlns:ma14="http://schemas.microsoft.com/office/mac/drawingml/2011/main" val="1"/>
+            </a:ext>
+          </a:extLst>
+        </p:spPr>
+        <p:txBody>
+          <a:bodyPr lIns="50800" tIns="50800" rIns="50800" bIns="50800" anchor="ctr">
+            <a:spAutoFit/>
+          </a:bodyPr>
+          <a:lstStyle/>
+          <a:p>
+            <a:pPr>
+              <a:defRPr sz="5100">
+                <a:solidFill>
+                  <a:srgbClr val="838787"/>
+                </a:solidFill>
+                <a:latin typeface="Anonymous Pro for Powerline"/>
+                <a:ea typeface="Anonymous Pro for Powerline"/>
+                <a:cs typeface="Anonymous Pro for Powerline"/>
+                <a:sym typeface="Anonymous Pro for Powerline"/>
+              </a:defRPr>
+            </a:pPr>
+            <a:r>
+              <a:t>columns = [‘revenue’, ‘profit’]</a:t>
+            </a:r>
+          </a:p>
+          <a:p>
+            <a:pPr>
+              <a:defRPr sz="5100">
+                <a:solidFill>
+                  <a:srgbClr val="838787"/>
+                </a:solidFill>
+                <a:latin typeface="Anonymous Pro for Powerline"/>
+                <a:ea typeface="Anonymous Pro for Powerline"/>
+                <a:cs typeface="Anonymous Pro for Powerline"/>
+                <a:sym typeface="Anonymous Pro for Powerline"/>
+              </a:defRPr>
+            </a:pPr>
+            <a:r>
+              <a:t>df[columns]</a:t>
+            </a:r>
+          </a:p>
+        </p:txBody>
+      </p:sp>
     </p:spTree>
   </p:cSld>
   <p:clrMapOvr>
@@ -11119,26 +11160,51 @@
           <a:chExt cx="0" cy="0"/>
         </a:xfrm>
       </p:grpSpPr>
-      <p:pic>
-        <p:nvPicPr>
-          <p:cNvPr id="338" name="pasted-image.png"/>
-          <p:cNvPicPr>
-            <a:picLocks noChangeAspect="1"/>
-          </p:cNvPicPr>
+      <p:sp>
+        <p:nvSpPr>
+          <p:cNvPr id="338" name="Shape 338"/>
+          <p:cNvSpPr/>
+          <p:nvPr>
+            <p:ph type="title"/>
+          </p:nvPr>
+        </p:nvSpPr>
+        <p:spPr>
+          <a:xfrm>
+            <a:off x="406400" y="1536700"/>
+            <a:ext cx="12192000" cy="1169260"/>
+          </a:xfrm>
+          <a:prstGeom prst="rect">
+            <a:avLst/>
+          </a:prstGeom>
+        </p:spPr>
+        <p:txBody>
+          <a:bodyPr/>
+          <a:lstStyle>
+            <a:lvl1pPr defTabSz="403097">
+              <a:spcBef>
+                <a:spcPts val="1900"/>
+              </a:spcBef>
+              <a:defRPr sz="8280"/>
+            </a:lvl1pPr>
+          </a:lstStyle>
+          <a:p>
+            <a:pPr/>
+            <a:r>
+              <a:t>Dropping Columns</a:t>
+            </a:r>
+          </a:p>
+        </p:txBody>
+      </p:sp>
+      <p:sp>
+        <p:nvSpPr>
+          <p:cNvPr id="339" name="Shape 339"/>
+          <p:cNvSpPr/>
           <p:nvPr/>
-        </p:nvPicPr>
-        <p:blipFill>
-          <a:blip r:embed="rId2">
-            <a:extLst/>
-          </a:blip>
-          <a:stretch>
-            <a:fillRect/>
-          </a:stretch>
-        </p:blipFill>
-        <p:spPr>
-          <a:xfrm>
-            <a:off x="4603750" y="3810000"/>
-            <a:ext cx="3797300" cy="2133600"/>
+        </p:nvSpPr>
+        <p:spPr>
+          <a:xfrm>
+            <a:off x="510396" y="4859069"/>
+            <a:ext cx="11141553" cy="876301"/>
           </a:xfrm>
           <a:prstGeom prst="rect">
             <a:avLst/>
@@ -11146,37 +11212,64 @@
           <a:ln w="12700">
             <a:miter lim="400000"/>
           </a:ln>
-        </p:spPr>
-      </p:pic>
-      <p:pic>
-        <p:nvPicPr>
-          <p:cNvPr id="339" name="pasted-image.png"/>
-          <p:cNvPicPr>
-            <a:picLocks noChangeAspect="1"/>
-          </p:cNvPicPr>
-          <p:nvPr/>
-        </p:nvPicPr>
-        <p:blipFill>
-          <a:blip r:embed="rId3">
-            <a:extLst/>
-          </a:blip>
-          <a:stretch>
-            <a:fillRect/>
-          </a:stretch>
-        </p:blipFill>
-        <p:spPr>
-          <a:xfrm>
-            <a:off x="-1" y="1219064"/>
-            <a:ext cx="13004801" cy="7315472"/>
-          </a:xfrm>
-          <a:prstGeom prst="rect">
-            <a:avLst/>
-          </a:prstGeom>
-          <a:ln w="12700">
-            <a:miter lim="400000"/>
-          </a:ln>
-        </p:spPr>
-      </p:pic>
+          <a:extLst>
+            <a:ext uri="{C572A759-6A51-4108-AA02-DFA0A04FC94B}">
+              <ma14:wrappingTextBoxFlag xmlns:ma14="http://schemas.microsoft.com/office/mac/drawingml/2011/main" val="1"/>
+            </a:ext>
+          </a:extLst>
+        </p:spPr>
+        <p:txBody>
+          <a:bodyPr lIns="50800" tIns="50800" rIns="50800" bIns="50800" anchor="ctr">
+            <a:spAutoFit/>
+          </a:bodyPr>
+          <a:lstStyle/>
+          <a:p>
+            <a:pPr>
+              <a:defRPr sz="5100">
+                <a:solidFill>
+                  <a:srgbClr val="838787"/>
+                </a:solidFill>
+                <a:latin typeface="Anonymous Pro for Powerline"/>
+                <a:ea typeface="Anonymous Pro for Powerline"/>
+                <a:cs typeface="Anonymous Pro for Powerline"/>
+                <a:sym typeface="Anonymous Pro for Powerline"/>
+              </a:defRPr>
+            </a:pPr>
+            <a:r>
+              <a:rPr>
+                <a:solidFill>
+                  <a:srgbClr val="A7A7A7"/>
+                </a:solidFill>
+              </a:rPr>
+              <a:t>df</a:t>
+            </a:r>
+            <a:r>
+              <a:rPr>
+                <a:solidFill>
+                  <a:schemeClr val="accent3"/>
+                </a:solidFill>
+              </a:rPr>
+              <a:t>.drop(</a:t>
+            </a:r>
+            <a:r>
+              <a:rPr>
+                <a:solidFill>
+                  <a:srgbClr val="A7A7A7"/>
+                </a:solidFill>
+              </a:rPr>
+              <a:t>[‘revenue’],</a:t>
+            </a:r>
+            <a:r>
+              <a:rPr>
+                <a:solidFill>
+                  <a:schemeClr val="accent3"/>
+                </a:solidFill>
+              </a:rPr>
+              <a:t> axis=1)</a:t>
+            </a:r>
+          </a:p>
+        </p:txBody>
+      </p:sp>
     </p:spTree>
   </p:cSld>
   <p:clrMapOvr>
@@ -11213,8 +11306,8 @@
         </p:nvSpPr>
         <p:spPr>
           <a:xfrm>
-            <a:off x="2802101" y="4038600"/>
-            <a:ext cx="7400598" cy="4521200"/>
+            <a:off x="406400" y="1536700"/>
+            <a:ext cx="12192000" cy="1169260"/>
           </a:xfrm>
           <a:prstGeom prst="rect">
             <a:avLst/>
@@ -11222,12 +11315,83 @@
         </p:spPr>
         <p:txBody>
           <a:bodyPr/>
+          <a:lstStyle>
+            <a:lvl1pPr defTabSz="403097">
+              <a:spcBef>
+                <a:spcPts val="1900"/>
+              </a:spcBef>
+              <a:defRPr sz="8280"/>
+            </a:lvl1pPr>
+          </a:lstStyle>
+          <a:p>
+            <a:pPr/>
+            <a:r>
+              <a:t>Dividing your data</a:t>
+            </a:r>
+          </a:p>
+        </p:txBody>
+      </p:sp>
+      <p:sp>
+        <p:nvSpPr>
+          <p:cNvPr id="342" name="Shape 342"/>
+          <p:cNvSpPr/>
+          <p:nvPr/>
+        </p:nvSpPr>
+        <p:spPr>
+          <a:xfrm>
+            <a:off x="510396" y="3931969"/>
+            <a:ext cx="11141553" cy="2730501"/>
+          </a:xfrm>
+          <a:prstGeom prst="rect">
+            <a:avLst/>
+          </a:prstGeom>
+          <a:ln w="12700">
+            <a:miter lim="400000"/>
+          </a:ln>
+          <a:extLst>
+            <a:ext uri="{C572A759-6A51-4108-AA02-DFA0A04FC94B}">
+              <ma14:wrappingTextBoxFlag xmlns:ma14="http://schemas.microsoft.com/office/mac/drawingml/2011/main" val="1"/>
+            </a:ext>
+          </a:extLst>
+        </p:spPr>
+        <p:txBody>
+          <a:bodyPr lIns="50800" tIns="50800" rIns="50800" bIns="50800" anchor="ctr">
+            <a:spAutoFit/>
+          </a:bodyPr>
           <a:lstStyle/>
           <a:p>
-            <a:pPr/>
-            <a:r>
-              <a:t>Exercises</a:t>
-            </a:r>
+            <a:pPr>
+              <a:defRPr sz="5100">
+                <a:solidFill>
+                  <a:srgbClr val="838787"/>
+                </a:solidFill>
+                <a:latin typeface="Anonymous Pro for Powerline"/>
+                <a:ea typeface="Anonymous Pro for Powerline"/>
+                <a:cs typeface="Anonymous Pro for Powerline"/>
+                <a:sym typeface="Anonymous Pro for Powerline"/>
+              </a:defRPr>
+            </a:pPr>
+            <a:r>
+              <a:rPr>
+                <a:solidFill>
+                  <a:srgbClr val="A7A7A7"/>
+                </a:solidFill>
+              </a:rPr>
+              <a:t>from sklearn.model_selection import </a:t>
+            </a:r>
+            <a:r>
+              <a:rPr>
+                <a:solidFill>
+                  <a:schemeClr val="accent3"/>
+                </a:solidFill>
+              </a:rPr>
+              <a:t>train_test_split</a:t>
+            </a:r>
+            <a:endParaRPr>
+              <a:solidFill>
+                <a:srgbClr val="A7A7A7"/>
+              </a:solidFill>
+            </a:endParaRPr>
           </a:p>
         </p:txBody>
       </p:sp>
@@ -11257,100 +11421,36 @@
           <a:chExt cx="0" cy="0"/>
         </a:xfrm>
       </p:grpSpPr>
-      <p:sp>
-        <p:nvSpPr>
-          <p:cNvPr id="343" name="Shape 343"/>
-          <p:cNvSpPr/>
-          <p:nvPr>
-            <p:ph type="title"/>
-          </p:nvPr>
-        </p:nvSpPr>
-        <p:spPr>
-          <a:xfrm>
-            <a:off x="406400" y="1536700"/>
-            <a:ext cx="12192000" cy="1169260"/>
-          </a:xfrm>
-          <a:prstGeom prst="rect">
-            <a:avLst/>
-          </a:prstGeom>
-        </p:spPr>
-        <p:txBody>
-          <a:bodyPr/>
-          <a:lstStyle>
-            <a:lvl1pPr defTabSz="403097">
-              <a:spcBef>
-                <a:spcPts val="1900"/>
-              </a:spcBef>
-              <a:defRPr sz="8280"/>
-            </a:lvl1pPr>
-          </a:lstStyle>
-          <a:p>
-            <a:pPr/>
-            <a:r>
-              <a:t>Sci-Kit Learn</a:t>
-            </a:r>
-          </a:p>
-        </p:txBody>
-      </p:sp>
-      <p:sp>
-        <p:nvSpPr>
-          <p:cNvPr id="344" name="Shape 344"/>
-          <p:cNvSpPr/>
-          <p:nvPr>
-            <p:ph type="body" sz="half" idx="1"/>
-          </p:nvPr>
-        </p:nvSpPr>
-        <p:spPr>
-          <a:xfrm>
-            <a:off x="406400" y="3953767"/>
-            <a:ext cx="12192000" cy="2531601"/>
-          </a:xfrm>
-          <a:prstGeom prst="rect">
-            <a:avLst/>
-          </a:prstGeom>
-        </p:spPr>
-        <p:txBody>
-          <a:bodyPr/>
-          <a:lstStyle/>
-          <a:p>
-            <a:pPr marL="585955" indent="-585955" defTabSz="484886">
-              <a:spcBef>
-                <a:spcPts val="2300"/>
-              </a:spcBef>
-              <a:buClrTx/>
-              <a:buSzPct val="40000"/>
-              <a:buFontTx/>
-              <a:buBlip>
-                <a:blip r:embed="rId2"/>
-              </a:buBlip>
-              <a:defRPr sz="5312"/>
-            </a:pPr>
-            <a:r>
-              <a:t>All-in-one machine learning package</a:t>
-            </a:r>
-          </a:p>
-          <a:p>
-            <a:pPr marL="585955" indent="-585955" defTabSz="484886">
-              <a:lnSpc>
-                <a:spcPct val="200000"/>
-              </a:lnSpc>
-              <a:spcBef>
-                <a:spcPts val="2300"/>
-              </a:spcBef>
-              <a:buClrTx/>
-              <a:buSzPct val="40000"/>
-              <a:buFontTx/>
-              <a:buBlip>
-                <a:blip r:embed="rId2"/>
-              </a:buBlip>
-              <a:defRPr sz="5312"/>
-            </a:pPr>
-            <a:r>
-              <a:t>Built on Numpy and matplotlib</a:t>
-            </a:r>
-          </a:p>
-        </p:txBody>
-      </p:sp>
+      <p:pic>
+        <p:nvPicPr>
+          <p:cNvPr id="344" name="dataset_diagram.png"/>
+          <p:cNvPicPr>
+            <a:picLocks noChangeAspect="1"/>
+          </p:cNvPicPr>
+          <p:nvPr/>
+        </p:nvPicPr>
+        <p:blipFill>
+          <a:blip r:embed="rId2">
+            <a:extLst/>
+          </a:blip>
+          <a:srcRect l="17235" t="0" r="5501" b="0"/>
+          <a:stretch>
+            <a:fillRect/>
+          </a:stretch>
+        </p:blipFill>
+        <p:spPr>
+          <a:xfrm>
+            <a:off x="2050388" y="1108868"/>
+            <a:ext cx="8390013" cy="7535766"/>
+          </a:xfrm>
+          <a:prstGeom prst="rect">
+            <a:avLst/>
+          </a:prstGeom>
+          <a:ln w="12700">
+            <a:miter lim="400000"/>
+          </a:ln>
+        </p:spPr>
+      </p:pic>
     </p:spTree>
   </p:cSld>
   <p:clrMapOvr>
@@ -11377,80 +11477,9 @@
           <a:chExt cx="0" cy="0"/>
         </a:xfrm>
       </p:grpSpPr>
-      <p:sp>
-        <p:nvSpPr>
-          <p:cNvPr id="346" name="Shape 346"/>
-          <p:cNvSpPr/>
-          <p:nvPr>
-            <p:ph type="body" idx="13"/>
-          </p:nvPr>
-        </p:nvSpPr>
-        <p:spPr>
-          <a:prstGeom prst="rect">
-            <a:avLst/>
-          </a:prstGeom>
-        </p:spPr>
-        <p:txBody>
-          <a:bodyPr/>
-          <a:lstStyle/>
-          <a:p>
-            <a:pPr/>
-            <a:r>
-              <a:t>Text</a:t>
-            </a:r>
-          </a:p>
-        </p:txBody>
-      </p:sp>
-      <p:sp>
-        <p:nvSpPr>
-          <p:cNvPr id="347" name="Shape 347"/>
-          <p:cNvSpPr/>
-          <p:nvPr>
-            <p:ph type="title"/>
-          </p:nvPr>
-        </p:nvSpPr>
-        <p:spPr>
-          <a:prstGeom prst="rect">
-            <a:avLst/>
-          </a:prstGeom>
-        </p:spPr>
-        <p:txBody>
-          <a:bodyPr/>
-          <a:lstStyle/>
-          <a:p>
-            <a:pPr defTabSz="467359">
-              <a:spcBef>
-                <a:spcPts val="2200"/>
-              </a:spcBef>
-              <a:defRPr sz="4800"/>
-            </a:pPr>
-          </a:p>
-        </p:txBody>
-      </p:sp>
-      <p:sp>
-        <p:nvSpPr>
-          <p:cNvPr id="348" name="Shape 348"/>
-          <p:cNvSpPr/>
-          <p:nvPr>
-            <p:ph type="body" idx="1"/>
-          </p:nvPr>
-        </p:nvSpPr>
-        <p:spPr>
-          <a:prstGeom prst="rect">
-            <a:avLst/>
-          </a:prstGeom>
-        </p:spPr>
-        <p:txBody>
-          <a:bodyPr/>
-          <a:lstStyle/>
-          <a:p>
-            <a:pPr/>
-          </a:p>
-        </p:txBody>
-      </p:sp>
       <p:pic>
         <p:nvPicPr>
-          <p:cNvPr id="349" name="pasted-image.png"/>
+          <p:cNvPr id="346" name="pasted-image.png"/>
           <p:cNvPicPr>
             <a:picLocks noChangeAspect="1"/>
           </p:cNvPicPr>
@@ -11466,8 +11495,37 @@
         </p:blipFill>
         <p:spPr>
           <a:xfrm>
-            <a:off x="-1270000" y="0"/>
-            <a:ext cx="15544800" cy="9753600"/>
+            <a:off x="4603750" y="3810000"/>
+            <a:ext cx="3797300" cy="2133600"/>
+          </a:xfrm>
+          <a:prstGeom prst="rect">
+            <a:avLst/>
+          </a:prstGeom>
+          <a:ln w="12700">
+            <a:miter lim="400000"/>
+          </a:ln>
+        </p:spPr>
+      </p:pic>
+      <p:pic>
+        <p:nvPicPr>
+          <p:cNvPr id="347" name="pasted-image.png"/>
+          <p:cNvPicPr>
+            <a:picLocks noChangeAspect="1"/>
+          </p:cNvPicPr>
+          <p:nvPr/>
+        </p:nvPicPr>
+        <p:blipFill>
+          <a:blip r:embed="rId3">
+            <a:extLst/>
+          </a:blip>
+          <a:stretch>
+            <a:fillRect/>
+          </a:stretch>
+        </p:blipFill>
+        <p:spPr>
+          <a:xfrm>
+            <a:off x="-1" y="1219064"/>
+            <a:ext cx="13004801" cy="7315472"/>
           </a:xfrm>
           <a:prstGeom prst="rect">
             <a:avLst/>
@@ -11505,7 +11563,7 @@
       </p:grpSpPr>
       <p:sp>
         <p:nvSpPr>
-          <p:cNvPr id="351" name="Shape 351"/>
+          <p:cNvPr id="349" name="Shape 349"/>
           <p:cNvSpPr/>
           <p:nvPr>
             <p:ph type="title"/>
@@ -11533,21 +11591,21 @@
           <a:p>
             <a:pPr/>
             <a:r>
-              <a:t>Imported as sklearn</a:t>
-            </a:r>
-          </a:p>
-        </p:txBody>
-      </p:sp>
-      <p:sp>
-        <p:nvSpPr>
-          <p:cNvPr id="352" name="Shape 352"/>
+              <a:t>Dividing your data</a:t>
+            </a:r>
+          </a:p>
+        </p:txBody>
+      </p:sp>
+      <p:sp>
+        <p:nvSpPr>
+          <p:cNvPr id="350" name="Shape 350"/>
           <p:cNvSpPr/>
           <p:nvPr/>
         </p:nvSpPr>
         <p:spPr>
           <a:xfrm>
-            <a:off x="434394" y="4826000"/>
-            <a:ext cx="12136011" cy="1955801"/>
+            <a:off x="510396" y="4471719"/>
+            <a:ext cx="11984008" cy="1651001"/>
           </a:xfrm>
           <a:prstGeom prst="rect">
             <a:avLst/>
@@ -11579,23 +11637,20 @@
               </a:defRPr>
             </a:pPr>
             <a:r>
-              <a:t>import sklearn</a:t>
-            </a:r>
-          </a:p>
-          <a:p>
-            <a:pPr>
-              <a:defRPr sz="5100">
-                <a:solidFill>
-                  <a:srgbClr val="838787"/>
-                </a:solidFill>
-                <a:latin typeface="Anonymous Pro for Powerline"/>
-                <a:ea typeface="Anonymous Pro for Powerline"/>
-                <a:cs typeface="Anonymous Pro for Powerline"/>
-                <a:sym typeface="Anonymous Pro for Powerline"/>
-              </a:defRPr>
-            </a:pPr>
-            <a:r>
-              <a:t> </a:t>
+              <a:rPr>
+                <a:solidFill>
+                  <a:srgbClr val="A7A7A7"/>
+                </a:solidFill>
+              </a:rPr>
+              <a:t>X_train, X_test, y_train, y_test = </a:t>
+            </a:r>
+            <a:r>
+              <a:rPr>
+                <a:solidFill>
+                  <a:schemeClr val="accent3"/>
+                </a:solidFill>
+              </a:rPr>
+              <a:t>train_test_split(X, y)</a:t>
             </a:r>
           </a:p>
         </p:txBody>
@@ -11628,7 +11683,7 @@
       </p:grpSpPr>
       <p:sp>
         <p:nvSpPr>
-          <p:cNvPr id="354" name="Shape 354"/>
+          <p:cNvPr id="352" name="Shape 352"/>
           <p:cNvSpPr/>
           <p:nvPr>
             <p:ph type="title"/>
@@ -11636,8 +11691,8 @@
         </p:nvSpPr>
         <p:spPr>
           <a:xfrm>
-            <a:off x="406400" y="1536700"/>
-            <a:ext cx="12192000" cy="1169260"/>
+            <a:off x="2802101" y="4038600"/>
+            <a:ext cx="7400598" cy="4521200"/>
           </a:xfrm>
           <a:prstGeom prst="rect">
             <a:avLst/>
@@ -11645,96 +11700,11 @@
         </p:spPr>
         <p:txBody>
           <a:bodyPr/>
-          <a:lstStyle>
-            <a:lvl1pPr defTabSz="403097">
-              <a:spcBef>
-                <a:spcPts val="1900"/>
-              </a:spcBef>
-              <a:defRPr sz="8280"/>
-            </a:lvl1pPr>
-          </a:lstStyle>
+          <a:lstStyle/>
           <a:p>
             <a:pPr/>
             <a:r>
-              <a:t>Imported as sklearn</a:t>
-            </a:r>
-          </a:p>
-        </p:txBody>
-      </p:sp>
-      <p:sp>
-        <p:nvSpPr>
-          <p:cNvPr id="355" name="Shape 355"/>
-          <p:cNvSpPr/>
-          <p:nvPr/>
-        </p:nvSpPr>
-        <p:spPr>
-          <a:xfrm>
-            <a:off x="434394" y="4286249"/>
-            <a:ext cx="12136011" cy="3035301"/>
-          </a:xfrm>
-          <a:prstGeom prst="rect">
-            <a:avLst/>
-          </a:prstGeom>
-          <a:ln w="12700">
-            <a:miter lim="400000"/>
-          </a:ln>
-          <a:extLst>
-            <a:ext uri="{C572A759-6A51-4108-AA02-DFA0A04FC94B}">
-              <ma14:wrappingTextBoxFlag xmlns:ma14="http://schemas.microsoft.com/office/mac/drawingml/2011/main" val="1"/>
-            </a:ext>
-          </a:extLst>
-        </p:spPr>
-        <p:txBody>
-          <a:bodyPr lIns="50800" tIns="50800" rIns="50800" bIns="50800" anchor="ctr">
-            <a:spAutoFit/>
-          </a:bodyPr>
-          <a:lstStyle/>
-          <a:p>
-            <a:pPr>
-              <a:defRPr sz="5100">
-                <a:solidFill>
-                  <a:srgbClr val="838787"/>
-                </a:solidFill>
-                <a:latin typeface="Anonymous Pro for Powerline"/>
-                <a:ea typeface="Anonymous Pro for Powerline"/>
-                <a:cs typeface="Anonymous Pro for Powerline"/>
-                <a:sym typeface="Anonymous Pro for Powerline"/>
-              </a:defRPr>
-            </a:pPr>
-            <a:r>
-              <a:t>from sklearn.linear_model \</a:t>
-            </a:r>
-          </a:p>
-          <a:p>
-            <a:pPr>
-              <a:defRPr sz="5100">
-                <a:solidFill>
-                  <a:srgbClr val="838787"/>
-                </a:solidFill>
-                <a:latin typeface="Anonymous Pro for Powerline"/>
-                <a:ea typeface="Anonymous Pro for Powerline"/>
-                <a:cs typeface="Anonymous Pro for Powerline"/>
-                <a:sym typeface="Anonymous Pro for Powerline"/>
-              </a:defRPr>
-            </a:pPr>
-            <a:r>
-              <a:t>import LinearRegression</a:t>
-            </a:r>
-          </a:p>
-          <a:p>
-            <a:pPr>
-              <a:defRPr sz="5100">
-                <a:solidFill>
-                  <a:srgbClr val="838787"/>
-                </a:solidFill>
-                <a:latin typeface="Anonymous Pro for Powerline"/>
-                <a:ea typeface="Anonymous Pro for Powerline"/>
-                <a:cs typeface="Anonymous Pro for Powerline"/>
-                <a:sym typeface="Anonymous Pro for Powerline"/>
-              </a:defRPr>
-            </a:pPr>
-            <a:r>
-              <a:t> </a:t>
+              <a:t>Exercises</a:t>
             </a:r>
           </a:p>
         </p:txBody>
@@ -11901,7 +11871,7 @@
       </p:grpSpPr>
       <p:sp>
         <p:nvSpPr>
-          <p:cNvPr id="357" name="Shape 357"/>
+          <p:cNvPr id="354" name="Shape 354"/>
           <p:cNvSpPr/>
           <p:nvPr>
             <p:ph type="title"/>
@@ -11929,99 +11899,66 @@
           <a:p>
             <a:pPr/>
             <a:r>
-              <a:t>Linear Regression</a:t>
-            </a:r>
-          </a:p>
-        </p:txBody>
-      </p:sp>
-      <p:sp>
-        <p:nvSpPr>
-          <p:cNvPr id="358" name="Shape 358"/>
-          <p:cNvSpPr/>
-          <p:nvPr/>
-        </p:nvSpPr>
-        <p:spPr>
-          <a:xfrm>
-            <a:off x="656526" y="4571724"/>
-            <a:ext cx="12136011" cy="1333501"/>
-          </a:xfrm>
-          <a:prstGeom prst="rect">
-            <a:avLst/>
-          </a:prstGeom>
-          <a:ln w="12700">
-            <a:miter lim="400000"/>
-          </a:ln>
-          <a:extLst>
-            <a:ext uri="{C572A759-6A51-4108-AA02-DFA0A04FC94B}">
-              <ma14:wrappingTextBoxFlag xmlns:ma14="http://schemas.microsoft.com/office/mac/drawingml/2011/main" val="1"/>
-            </a:ext>
-          </a:extLst>
-        </p:spPr>
-        <p:txBody>
-          <a:bodyPr lIns="50800" tIns="50800" rIns="50800" bIns="50800" anchor="ctr">
-            <a:spAutoFit/>
-          </a:bodyPr>
+              <a:t>Sci-Kit Learn</a:t>
+            </a:r>
+          </a:p>
+        </p:txBody>
+      </p:sp>
+      <p:sp>
+        <p:nvSpPr>
+          <p:cNvPr id="355" name="Shape 355"/>
+          <p:cNvSpPr/>
+          <p:nvPr>
+            <p:ph type="body" sz="half" idx="1"/>
+          </p:nvPr>
+        </p:nvSpPr>
+        <p:spPr>
+          <a:xfrm>
+            <a:off x="406400" y="3953767"/>
+            <a:ext cx="12192000" cy="2531601"/>
+          </a:xfrm>
+          <a:prstGeom prst="rect">
+            <a:avLst/>
+          </a:prstGeom>
+        </p:spPr>
+        <p:txBody>
+          <a:bodyPr/>
           <a:lstStyle/>
           <a:p>
-            <a:pPr>
-              <a:defRPr sz="8100">
-                <a:solidFill>
-                  <a:srgbClr val="838787"/>
-                </a:solidFill>
-                <a:latin typeface="Anonymous Pro for Powerline"/>
-                <a:ea typeface="Anonymous Pro for Powerline"/>
-                <a:cs typeface="Anonymous Pro for Powerline"/>
-                <a:sym typeface="Anonymous Pro for Powerline"/>
-              </a:defRPr>
+            <a:pPr marL="585955" indent="-585955" defTabSz="484886">
+              <a:spcBef>
+                <a:spcPts val="2300"/>
+              </a:spcBef>
+              <a:buClrTx/>
+              <a:buSzPct val="40000"/>
+              <a:buFontTx/>
+              <a:buBlip>
+                <a:blip r:embed="rId2"/>
+              </a:buBlip>
+              <a:defRPr sz="5312"/>
             </a:pPr>
             <a:r>
-              <a:rPr>
-                <a:solidFill>
-                  <a:schemeClr val="accent5"/>
-                </a:solidFill>
-              </a:rPr>
-              <a:t>y</a:t>
-            </a:r>
-            <a:r>
-              <a:t> = 2</a:t>
-            </a:r>
-            <a:r>
-              <a:rPr>
-                <a:solidFill>
-                  <a:schemeClr val="accent3"/>
-                </a:solidFill>
-              </a:rPr>
-              <a:t>x</a:t>
-            </a:r>
-            <a:r>
-              <a:rPr baseline="-5999">
-                <a:solidFill>
-                  <a:schemeClr val="accent3"/>
-                </a:solidFill>
-              </a:rPr>
-              <a:t>0</a:t>
-            </a:r>
-            <a:r>
-              <a:t> + 3</a:t>
-            </a:r>
-            <a:r>
-              <a:rPr>
-                <a:solidFill>
-                  <a:schemeClr val="accent3"/>
-                </a:solidFill>
-              </a:rPr>
-              <a:t>x</a:t>
-            </a:r>
-            <a:r>
-              <a:rPr baseline="-5999">
-                <a:solidFill>
-                  <a:schemeClr val="accent3"/>
-                </a:solidFill>
-              </a:rPr>
-              <a:t>1 </a:t>
-            </a:r>
-            <a:r>
-              <a:t>+ … + 1</a:t>
+              <a:t>All-in-one machine learning package</a:t>
+            </a:r>
+          </a:p>
+          <a:p>
+            <a:pPr marL="585955" indent="-585955" defTabSz="484886">
+              <a:lnSpc>
+                <a:spcPct val="200000"/>
+              </a:lnSpc>
+              <a:spcBef>
+                <a:spcPts val="2300"/>
+              </a:spcBef>
+              <a:buClrTx/>
+              <a:buSzPct val="40000"/>
+              <a:buFontTx/>
+              <a:buBlip>
+                <a:blip r:embed="rId2"/>
+              </a:buBlip>
+              <a:defRPr sz="5312"/>
+            </a:pPr>
+            <a:r>
+              <a:t>Built on Numpy and matplotlib</a:t>
             </a:r>
           </a:p>
         </p:txBody>
@@ -12054,49 +11991,95 @@
       </p:grpSpPr>
       <p:sp>
         <p:nvSpPr>
-          <p:cNvPr id="360" name="Shape 360"/>
+          <p:cNvPr id="357" name="Shape 357"/>
+          <p:cNvSpPr/>
+          <p:nvPr>
+            <p:ph type="body" idx="13"/>
+          </p:nvPr>
+        </p:nvSpPr>
+        <p:spPr>
+          <a:prstGeom prst="rect">
+            <a:avLst/>
+          </a:prstGeom>
+        </p:spPr>
+        <p:txBody>
+          <a:bodyPr/>
+          <a:lstStyle/>
+          <a:p>
+            <a:pPr/>
+            <a:r>
+              <a:t>Text</a:t>
+            </a:r>
+          </a:p>
+        </p:txBody>
+      </p:sp>
+      <p:sp>
+        <p:nvSpPr>
+          <p:cNvPr id="358" name="Shape 358"/>
           <p:cNvSpPr/>
           <p:nvPr>
             <p:ph type="title"/>
           </p:nvPr>
         </p:nvSpPr>
         <p:spPr>
-          <a:xfrm>
-            <a:off x="406400" y="1536700"/>
-            <a:ext cx="12192000" cy="1169260"/>
-          </a:xfrm>
           <a:prstGeom prst="rect">
             <a:avLst/>
           </a:prstGeom>
         </p:spPr>
         <p:txBody>
           <a:bodyPr/>
-          <a:lstStyle>
-            <a:lvl1pPr defTabSz="403097">
+          <a:lstStyle/>
+          <a:p>
+            <a:pPr defTabSz="467359">
               <a:spcBef>
-                <a:spcPts val="1900"/>
+                <a:spcPts val="2200"/>
               </a:spcBef>
-              <a:defRPr sz="8280"/>
-            </a:lvl1pPr>
-          </a:lstStyle>
+              <a:defRPr sz="4800"/>
+            </a:pPr>
+          </a:p>
+        </p:txBody>
+      </p:sp>
+      <p:sp>
+        <p:nvSpPr>
+          <p:cNvPr id="359" name="Shape 359"/>
+          <p:cNvSpPr/>
+          <p:nvPr>
+            <p:ph type="body" idx="1"/>
+          </p:nvPr>
+        </p:nvSpPr>
+        <p:spPr>
+          <a:prstGeom prst="rect">
+            <a:avLst/>
+          </a:prstGeom>
+        </p:spPr>
+        <p:txBody>
+          <a:bodyPr/>
+          <a:lstStyle/>
           <a:p>
             <a:pPr/>
-            <a:r>
-              <a:t>Training a Model</a:t>
-            </a:r>
-          </a:p>
-        </p:txBody>
-      </p:sp>
-      <p:sp>
-        <p:nvSpPr>
-          <p:cNvPr id="361" name="Shape 361"/>
-          <p:cNvSpPr/>
+          </a:p>
+        </p:txBody>
+      </p:sp>
+      <p:pic>
+        <p:nvPicPr>
+          <p:cNvPr id="360" name="pasted-image.png"/>
+          <p:cNvPicPr>
+            <a:picLocks noChangeAspect="1"/>
+          </p:cNvPicPr>
           <p:nvPr/>
-        </p:nvSpPr>
-        <p:spPr>
-          <a:xfrm>
-            <a:off x="546594" y="4889499"/>
-            <a:ext cx="13599923" cy="1828801"/>
+        </p:nvPicPr>
+        <p:blipFill>
+          <a:blip r:embed="rId2">
+            <a:extLst/>
+          </a:blip>
+          <a:stretch>
+            <a:fillRect/>
+          </a:stretch>
+        </p:blipFill>
+        <p:spPr>
+          <a:xfrm>
+            <a:off x="-1270000" y="0"/>
+            <a:ext cx="15544800" cy="9753600"/>
           </a:xfrm>
           <a:prstGeom prst="rect">
             <a:avLst/>
@@ -12104,51 +12087,8 @@
           <a:ln w="12700">
             <a:miter lim="400000"/>
           </a:ln>
-          <a:extLst>
-            <a:ext uri="{C572A759-6A51-4108-AA02-DFA0A04FC94B}">
-              <ma14:wrappingTextBoxFlag xmlns:ma14="http://schemas.microsoft.com/office/mac/drawingml/2011/main" val="1"/>
-            </a:ext>
-          </a:extLst>
-        </p:spPr>
-        <p:txBody>
-          <a:bodyPr lIns="50800" tIns="50800" rIns="50800" bIns="50800" anchor="ctr">
-            <a:spAutoFit/>
-          </a:bodyPr>
-          <a:lstStyle/>
-          <a:p>
-            <a:pPr>
-              <a:defRPr sz="4700">
-                <a:solidFill>
-                  <a:srgbClr val="838787"/>
-                </a:solidFill>
-                <a:latin typeface="Anonymous Pro for Powerline"/>
-                <a:ea typeface="Anonymous Pro for Powerline"/>
-                <a:cs typeface="Anonymous Pro for Powerline"/>
-                <a:sym typeface="Anonymous Pro for Powerline"/>
-              </a:defRPr>
-            </a:pPr>
-            <a:r>
-              <a:t>model = LinearRegression()</a:t>
-            </a:r>
-          </a:p>
-          <a:p>
-            <a:pPr>
-              <a:defRPr sz="4700">
-                <a:solidFill>
-                  <a:srgbClr val="838787"/>
-                </a:solidFill>
-                <a:latin typeface="Anonymous Pro for Powerline"/>
-                <a:ea typeface="Anonymous Pro for Powerline"/>
-                <a:cs typeface="Anonymous Pro for Powerline"/>
-                <a:sym typeface="Anonymous Pro for Powerline"/>
-              </a:defRPr>
-            </a:pPr>
-            <a:r>
-              <a:t>model.fit(X_train,y_train)</a:t>
-            </a:r>
-          </a:p>
-        </p:txBody>
-      </p:sp>
+        </p:spPr>
+      </p:pic>
     </p:spTree>
   </p:cSld>
   <p:clrMapOvr>
@@ -12177,7 +12117,7 @@
       </p:grpSpPr>
       <p:sp>
         <p:nvSpPr>
-          <p:cNvPr id="363" name="Shape 363"/>
+          <p:cNvPr id="362" name="Shape 362"/>
           <p:cNvSpPr/>
           <p:nvPr>
             <p:ph type="title"/>
@@ -12205,21 +12145,21 @@
           <a:p>
             <a:pPr/>
             <a:r>
-              <a:t>Using a Model</a:t>
-            </a:r>
-          </a:p>
-        </p:txBody>
-      </p:sp>
-      <p:sp>
-        <p:nvSpPr>
-          <p:cNvPr id="364" name="Shape 364"/>
+              <a:t>Imported as sklearn</a:t>
+            </a:r>
+          </a:p>
+        </p:txBody>
+      </p:sp>
+      <p:sp>
+        <p:nvSpPr>
+          <p:cNvPr id="363" name="Shape 363"/>
           <p:cNvSpPr/>
           <p:nvPr/>
         </p:nvSpPr>
         <p:spPr>
           <a:xfrm>
-            <a:off x="526400" y="5397500"/>
-            <a:ext cx="13599923" cy="812801"/>
+            <a:off x="434394" y="4826000"/>
+            <a:ext cx="12136011" cy="1955801"/>
           </a:xfrm>
           <a:prstGeom prst="rect">
             <a:avLst/>
@@ -12237,9 +12177,10 @@
           <a:bodyPr lIns="50800" tIns="50800" rIns="50800" bIns="50800" anchor="ctr">
             <a:spAutoFit/>
           </a:bodyPr>
-          <a:lstStyle>
-            <a:lvl1pPr>
-              <a:defRPr sz="4700">
+          <a:lstStyle/>
+          <a:p>
+            <a:pPr>
+              <a:defRPr sz="5100">
                 <a:solidFill>
                   <a:srgbClr val="838787"/>
                 </a:solidFill>
@@ -12248,12 +12189,25 @@
                 <a:cs typeface="Anonymous Pro for Powerline"/>
                 <a:sym typeface="Anonymous Pro for Powerline"/>
               </a:defRPr>
-            </a:lvl1pPr>
-          </a:lstStyle>
-          <a:p>
-            <a:pPr/>
-            <a:r>
-              <a:t>y_predicted = model.predict(X_test)</a:t>
+            </a:pPr>
+            <a:r>
+              <a:t>import sklearn</a:t>
+            </a:r>
+          </a:p>
+          <a:p>
+            <a:pPr>
+              <a:defRPr sz="5100">
+                <a:solidFill>
+                  <a:srgbClr val="838787"/>
+                </a:solidFill>
+                <a:latin typeface="Anonymous Pro for Powerline"/>
+                <a:ea typeface="Anonymous Pro for Powerline"/>
+                <a:cs typeface="Anonymous Pro for Powerline"/>
+                <a:sym typeface="Anonymous Pro for Powerline"/>
+              </a:defRPr>
+            </a:pPr>
+            <a:r>
+              <a:t> </a:t>
             </a:r>
           </a:p>
         </p:txBody>
@@ -12286,7 +12240,7 @@
       </p:grpSpPr>
       <p:sp>
         <p:nvSpPr>
-          <p:cNvPr id="366" name="Shape 366"/>
+          <p:cNvPr id="365" name="Shape 365"/>
           <p:cNvSpPr/>
           <p:nvPr>
             <p:ph type="title"/>
@@ -12314,21 +12268,21 @@
           <a:p>
             <a:pPr/>
             <a:r>
-              <a:t>Evaluating a Model</a:t>
-            </a:r>
-          </a:p>
-        </p:txBody>
-      </p:sp>
-      <p:sp>
-        <p:nvSpPr>
-          <p:cNvPr id="367" name="Shape 367"/>
+              <a:t>Imported as sklearn</a:t>
+            </a:r>
+          </a:p>
+        </p:txBody>
+      </p:sp>
+      <p:sp>
+        <p:nvSpPr>
+          <p:cNvPr id="366" name="Shape 366"/>
           <p:cNvSpPr/>
           <p:nvPr/>
         </p:nvSpPr>
         <p:spPr>
           <a:xfrm>
-            <a:off x="526400" y="5397500"/>
-            <a:ext cx="13599923" cy="812801"/>
+            <a:off x="434394" y="4286249"/>
+            <a:ext cx="12136011" cy="3035301"/>
           </a:xfrm>
           <a:prstGeom prst="rect">
             <a:avLst/>
@@ -12346,9 +12300,10 @@
           <a:bodyPr lIns="50800" tIns="50800" rIns="50800" bIns="50800" anchor="ctr">
             <a:spAutoFit/>
           </a:bodyPr>
-          <a:lstStyle>
-            <a:lvl1pPr>
-              <a:defRPr sz="4700">
+          <a:lstStyle/>
+          <a:p>
+            <a:pPr>
+              <a:defRPr sz="5100">
                 <a:solidFill>
                   <a:srgbClr val="838787"/>
                 </a:solidFill>
@@ -12357,12 +12312,49 @@
                 <a:cs typeface="Anonymous Pro for Powerline"/>
                 <a:sym typeface="Anonymous Pro for Powerline"/>
               </a:defRPr>
-            </a:lvl1pPr>
-          </a:lstStyle>
-          <a:p>
-            <a:pPr/>
-            <a:r>
-              <a:t>model.score(X_test, y_test)</a:t>
+            </a:pPr>
+            <a:r>
+              <a:t>from sklearn.linear_model </a:t>
+            </a:r>
+          </a:p>
+          <a:p>
+            <a:pPr>
+              <a:defRPr sz="5100">
+                <a:solidFill>
+                  <a:srgbClr val="838787"/>
+                </a:solidFill>
+                <a:latin typeface="Anonymous Pro for Powerline"/>
+                <a:ea typeface="Anonymous Pro for Powerline"/>
+                <a:cs typeface="Anonymous Pro for Powerline"/>
+                <a:sym typeface="Anonymous Pro for Powerline"/>
+              </a:defRPr>
+            </a:pPr>
+            <a:r>
+              <a:t>import </a:t>
+            </a:r>
+            <a:r>
+              <a:rPr>
+                <a:solidFill>
+                  <a:schemeClr val="accent3"/>
+                </a:solidFill>
+              </a:rPr>
+              <a:t>LinearRegression</a:t>
+            </a:r>
+          </a:p>
+          <a:p>
+            <a:pPr>
+              <a:defRPr sz="5100">
+                <a:solidFill>
+                  <a:srgbClr val="838787"/>
+                </a:solidFill>
+                <a:latin typeface="Anonymous Pro for Powerline"/>
+                <a:ea typeface="Anonymous Pro for Powerline"/>
+                <a:cs typeface="Anonymous Pro for Powerline"/>
+                <a:sym typeface="Anonymous Pro for Powerline"/>
+              </a:defRPr>
+            </a:pPr>
+            <a:r>
+              <a:t> </a:t>
             </a:r>
           </a:p>
         </p:txBody>
@@ -12395,7 +12387,7 @@
       </p:grpSpPr>
       <p:sp>
         <p:nvSpPr>
-          <p:cNvPr id="369" name="Shape 369"/>
+          <p:cNvPr id="368" name="Shape 368"/>
           <p:cNvSpPr/>
           <p:nvPr>
             <p:ph type="title"/>
@@ -12423,21 +12415,21 @@
           <a:p>
             <a:pPr/>
             <a:r>
-              <a:t>Mean absolute error</a:t>
-            </a:r>
-          </a:p>
-        </p:txBody>
-      </p:sp>
-      <p:sp>
-        <p:nvSpPr>
-          <p:cNvPr id="370" name="Shape 370"/>
+              <a:t>Linear Regression</a:t>
+            </a:r>
+          </a:p>
+        </p:txBody>
+      </p:sp>
+      <p:sp>
+        <p:nvSpPr>
+          <p:cNvPr id="369" name="Shape 369"/>
           <p:cNvSpPr/>
           <p:nvPr/>
         </p:nvSpPr>
         <p:spPr>
           <a:xfrm>
-            <a:off x="265493" y="3949699"/>
-            <a:ext cx="12473814" cy="3708401"/>
+            <a:off x="656526" y="4571724"/>
+            <a:ext cx="12136011" cy="1333501"/>
           </a:xfrm>
           <a:prstGeom prst="rect">
             <a:avLst/>
@@ -12458,7 +12450,7 @@
           <a:lstStyle/>
           <a:p>
             <a:pPr>
-              <a:defRPr sz="4400">
+              <a:defRPr sz="8100">
                 <a:solidFill>
                   <a:srgbClr val="838787"/>
                 </a:solidFill>
@@ -12469,55 +12461,53 @@
               </a:defRPr>
             </a:pPr>
             <a:r>
-              <a:t>from sklearn.metrics \</a:t>
-            </a:r>
-          </a:p>
-          <a:p>
-            <a:pPr>
-              <a:defRPr sz="4400">
-                <a:solidFill>
-                  <a:srgbClr val="838787"/>
-                </a:solidFill>
-                <a:latin typeface="Anonymous Pro for Powerline"/>
-                <a:ea typeface="Anonymous Pro for Powerline"/>
-                <a:cs typeface="Anonymous Pro for Powerline"/>
-                <a:sym typeface="Anonymous Pro for Powerline"/>
-              </a:defRPr>
-            </a:pPr>
-            <a:r>
-              <a:t>import mean_absolute_error</a:t>
-            </a:r>
-          </a:p>
-          <a:p>
-            <a:pPr>
-              <a:defRPr sz="4400">
-                <a:solidFill>
-                  <a:srgbClr val="838787"/>
-                </a:solidFill>
-                <a:latin typeface="Anonymous Pro for Powerline"/>
-                <a:ea typeface="Anonymous Pro for Powerline"/>
-                <a:cs typeface="Anonymous Pro for Powerline"/>
-                <a:sym typeface="Anonymous Pro for Powerline"/>
-              </a:defRPr>
-            </a:pPr>
-            <a:r>
-              <a:t> </a:t>
-            </a:r>
-          </a:p>
-          <a:p>
-            <a:pPr>
-              <a:defRPr sz="4400">
-                <a:solidFill>
-                  <a:srgbClr val="838787"/>
-                </a:solidFill>
-                <a:latin typeface="Anonymous Pro for Powerline"/>
-                <a:ea typeface="Anonymous Pro for Powerline"/>
-                <a:cs typeface="Anonymous Pro for Powerline"/>
-                <a:sym typeface="Anonymous Pro for Powerline"/>
-              </a:defRPr>
-            </a:pPr>
-            <a:r>
-              <a:t>mean_absolute_error(y_predicted, y_test)</a:t>
+              <a:rPr>
+                <a:solidFill>
+                  <a:schemeClr val="accent5"/>
+                </a:solidFill>
+              </a:rPr>
+              <a:t>y</a:t>
+            </a:r>
+            <a:r>
+              <a:t> = 2</a:t>
+            </a:r>
+            <a:r>
+              <a:rPr>
+                <a:solidFill>
+                  <a:schemeClr val="accent3"/>
+                </a:solidFill>
+              </a:rPr>
+              <a:t>x</a:t>
+            </a:r>
+            <a:r>
+              <a:rPr baseline="-5999">
+                <a:solidFill>
+                  <a:schemeClr val="accent3"/>
+                </a:solidFill>
+              </a:rPr>
+              <a:t>0</a:t>
+            </a:r>
+            <a:r>
+              <a:t> + 3</a:t>
+            </a:r>
+            <a:r>
+              <a:rPr>
+                <a:solidFill>
+                  <a:schemeClr val="accent3"/>
+                </a:solidFill>
+              </a:rPr>
+              <a:t>x</a:t>
+            </a:r>
+            <a:r>
+              <a:rPr baseline="-5999">
+                <a:solidFill>
+                  <a:schemeClr val="accent3"/>
+                </a:solidFill>
+              </a:rPr>
+              <a:t>1 </a:t>
+            </a:r>
+            <a:r>
+              <a:t>+ … + 1</a:t>
             </a:r>
           </a:p>
         </p:txBody>
@@ -12550,7 +12540,7 @@
       </p:grpSpPr>
       <p:sp>
         <p:nvSpPr>
-          <p:cNvPr id="372" name="Shape 372"/>
+          <p:cNvPr id="371" name="Shape 371"/>
           <p:cNvSpPr/>
           <p:nvPr>
             <p:ph type="title"/>
@@ -12558,8 +12548,8 @@
         </p:nvSpPr>
         <p:spPr>
           <a:xfrm>
-            <a:off x="2802101" y="4038600"/>
-            <a:ext cx="7400598" cy="4521200"/>
+            <a:off x="406400" y="1536700"/>
+            <a:ext cx="12192000" cy="1169260"/>
           </a:xfrm>
           <a:prstGeom prst="rect">
             <a:avLst/>
@@ -12567,11 +12557,80 @@
         </p:spPr>
         <p:txBody>
           <a:bodyPr/>
+          <a:lstStyle>
+            <a:lvl1pPr defTabSz="403097">
+              <a:spcBef>
+                <a:spcPts val="1900"/>
+              </a:spcBef>
+              <a:defRPr sz="8280"/>
+            </a:lvl1pPr>
+          </a:lstStyle>
+          <a:p>
+            <a:pPr/>
+            <a:r>
+              <a:t>Training a Model</a:t>
+            </a:r>
+          </a:p>
+        </p:txBody>
+      </p:sp>
+      <p:sp>
+        <p:nvSpPr>
+          <p:cNvPr id="372" name="Shape 372"/>
+          <p:cNvSpPr/>
+          <p:nvPr/>
+        </p:nvSpPr>
+        <p:spPr>
+          <a:xfrm>
+            <a:off x="546594" y="4889499"/>
+            <a:ext cx="13599923" cy="1828801"/>
+          </a:xfrm>
+          <a:prstGeom prst="rect">
+            <a:avLst/>
+          </a:prstGeom>
+          <a:ln w="12700">
+            <a:miter lim="400000"/>
+          </a:ln>
+          <a:extLst>
+            <a:ext uri="{C572A759-6A51-4108-AA02-DFA0A04FC94B}">
+              <ma14:wrappingTextBoxFlag xmlns:ma14="http://schemas.microsoft.com/office/mac/drawingml/2011/main" val="1"/>
+            </a:ext>
+          </a:extLst>
+        </p:spPr>
+        <p:txBody>
+          <a:bodyPr lIns="50800" tIns="50800" rIns="50800" bIns="50800" anchor="ctr">
+            <a:spAutoFit/>
+          </a:bodyPr>
           <a:lstStyle/>
           <a:p>
-            <a:pPr/>
-            <a:r>
-              <a:t>Exercises</a:t>
+            <a:pPr>
+              <a:defRPr sz="4700">
+                <a:solidFill>
+                  <a:srgbClr val="838787"/>
+                </a:solidFill>
+                <a:latin typeface="Anonymous Pro for Powerline"/>
+                <a:ea typeface="Anonymous Pro for Powerline"/>
+                <a:cs typeface="Anonymous Pro for Powerline"/>
+                <a:sym typeface="Anonymous Pro for Powerline"/>
+              </a:defRPr>
+            </a:pPr>
+            <a:r>
+              <a:t>model = LinearRegression()</a:t>
+            </a:r>
+          </a:p>
+          <a:p>
+            <a:pPr>
+              <a:defRPr sz="4700">
+                <a:solidFill>
+                  <a:srgbClr val="838787"/>
+                </a:solidFill>
+                <a:latin typeface="Anonymous Pro for Powerline"/>
+                <a:ea typeface="Anonymous Pro for Powerline"/>
+                <a:cs typeface="Anonymous Pro for Powerline"/>
+                <a:sym typeface="Anonymous Pro for Powerline"/>
+              </a:defRPr>
+            </a:pPr>
+            <a:r>
+              <a:t>model.fit(X_train,y_train)</a:t>
             </a:r>
           </a:p>
         </p:txBody>
@@ -12612,8 +12671,8 @@
         </p:nvSpPr>
         <p:spPr>
           <a:xfrm>
-            <a:off x="1360652" y="4113807"/>
-            <a:ext cx="10283496" cy="1932386"/>
+            <a:off x="406400" y="1536700"/>
+            <a:ext cx="12192000" cy="1169260"/>
           </a:xfrm>
           <a:prstGeom prst="rect">
             <a:avLst/>
@@ -12622,14 +12681,65 @@
         <p:txBody>
           <a:bodyPr/>
           <a:lstStyle>
-            <a:lvl1pPr>
-              <a:defRPr sz="13000"/>
+            <a:lvl1pPr defTabSz="403097">
+              <a:spcBef>
+                <a:spcPts val="1900"/>
+              </a:spcBef>
+              <a:defRPr sz="8280"/>
             </a:lvl1pPr>
           </a:lstStyle>
           <a:p>
             <a:pPr/>
             <a:r>
-              <a:t>One-Hot Encoding</a:t>
+              <a:t>Using a Model</a:t>
+            </a:r>
+          </a:p>
+        </p:txBody>
+      </p:sp>
+      <p:sp>
+        <p:nvSpPr>
+          <p:cNvPr id="375" name="Shape 375"/>
+          <p:cNvSpPr/>
+          <p:nvPr/>
+        </p:nvSpPr>
+        <p:spPr>
+          <a:xfrm>
+            <a:off x="526400" y="5397500"/>
+            <a:ext cx="13599923" cy="812801"/>
+          </a:xfrm>
+          <a:prstGeom prst="rect">
+            <a:avLst/>
+          </a:prstGeom>
+          <a:ln w="12700">
+            <a:miter lim="400000"/>
+          </a:ln>
+          <a:extLst>
+            <a:ext uri="{C572A759-6A51-4108-AA02-DFA0A04FC94B}">
+              <ma14:wrappingTextBoxFlag xmlns:ma14="http://schemas.microsoft.com/office/mac/drawingml/2011/main" val="1"/>
+            </a:ext>
+          </a:extLst>
+        </p:spPr>
+        <p:txBody>
+          <a:bodyPr lIns="50800" tIns="50800" rIns="50800" bIns="50800" anchor="ctr">
+            <a:spAutoFit/>
+          </a:bodyPr>
+          <a:lstStyle>
+            <a:lvl1pPr>
+              <a:defRPr sz="4700">
+                <a:solidFill>
+                  <a:srgbClr val="838787"/>
+                </a:solidFill>
+                <a:latin typeface="Anonymous Pro for Powerline"/>
+                <a:ea typeface="Anonymous Pro for Powerline"/>
+                <a:cs typeface="Anonymous Pro for Powerline"/>
+                <a:sym typeface="Anonymous Pro for Powerline"/>
+              </a:defRPr>
+            </a:lvl1pPr>
+          </a:lstStyle>
+          <a:p>
+            <a:pPr/>
+            <a:r>
+              <a:t>y_predicted = model.predict(X_test)</a:t>
             </a:r>
           </a:p>
         </p:txBody>
@@ -12662,7 +12772,7 @@
       </p:grpSpPr>
       <p:sp>
         <p:nvSpPr>
-          <p:cNvPr id="376" name="Shape 376"/>
+          <p:cNvPr id="377" name="Shape 377"/>
           <p:cNvSpPr/>
           <p:nvPr>
             <p:ph type="title"/>
@@ -12690,63 +12800,55 @@
           <a:p>
             <a:pPr/>
             <a:r>
-              <a:t>The Problem</a:t>
-            </a:r>
-          </a:p>
-        </p:txBody>
-      </p:sp>
-      <p:sp>
-        <p:nvSpPr>
-          <p:cNvPr id="377" name="Shape 377"/>
-          <p:cNvSpPr/>
-          <p:nvPr>
-            <p:ph type="body" idx="1"/>
-          </p:nvPr>
-        </p:nvSpPr>
-        <p:spPr>
-          <a:xfrm>
-            <a:off x="406400" y="3497772"/>
-            <a:ext cx="12192000" cy="5610529"/>
-          </a:xfrm>
-          <a:prstGeom prst="rect">
-            <a:avLst/>
-          </a:prstGeom>
-        </p:spPr>
-        <p:txBody>
-          <a:bodyPr/>
-          <a:lstStyle/>
-          <a:p>
-            <a:pPr marL="698910" indent="-698910" defTabSz="578358">
-              <a:spcBef>
-                <a:spcPts val="2700"/>
-              </a:spcBef>
-              <a:buClrTx/>
-              <a:buSzPct val="40000"/>
-              <a:buFontTx/>
-              <a:buBlip>
-                <a:blip r:embed="rId2"/>
-              </a:buBlip>
-              <a:defRPr sz="6336"/>
-            </a:pPr>
-            <a:r>
-              <a:t>Linear models use multiplication (with coefficient)</a:t>
-            </a:r>
-          </a:p>
-          <a:p>
-            <a:pPr marL="698910" indent="-698910" defTabSz="578358">
-              <a:spcBef>
-                <a:spcPts val="2700"/>
-              </a:spcBef>
-              <a:buClrTx/>
-              <a:buSzPct val="40000"/>
-              <a:buFontTx/>
-              <a:buBlip>
-                <a:blip r:embed="rId2"/>
-              </a:buBlip>
-              <a:defRPr sz="6336"/>
-            </a:pPr>
-            <a:r>
-              <a:t>We can’t multiply categorical data   :(</a:t>
+              <a:t>Evaluating a Model</a:t>
+            </a:r>
+          </a:p>
+        </p:txBody>
+      </p:sp>
+      <p:sp>
+        <p:nvSpPr>
+          <p:cNvPr id="378" name="Shape 378"/>
+          <p:cNvSpPr/>
+          <p:nvPr/>
+        </p:nvSpPr>
+        <p:spPr>
+          <a:xfrm>
+            <a:off x="526400" y="5397500"/>
+            <a:ext cx="13599923" cy="812801"/>
+          </a:xfrm>
+          <a:prstGeom prst="rect">
+            <a:avLst/>
+          </a:prstGeom>
+          <a:ln w="12700">
+            <a:miter lim="400000"/>
+          </a:ln>
+          <a:extLst>
+            <a:ext uri="{C572A759-6A51-4108-AA02-DFA0A04FC94B}">
+              <ma14:wrappingTextBoxFlag xmlns:ma14="http://schemas.microsoft.com/office/mac/drawingml/2011/main" val="1"/>
+            </a:ext>
+          </a:extLst>
+        </p:spPr>
+        <p:txBody>
+          <a:bodyPr lIns="50800" tIns="50800" rIns="50800" bIns="50800" anchor="ctr">
+            <a:spAutoFit/>
+          </a:bodyPr>
+          <a:lstStyle>
+            <a:lvl1pPr>
+              <a:defRPr sz="4700">
+                <a:solidFill>
+                  <a:srgbClr val="838787"/>
+                </a:solidFill>
+                <a:latin typeface="Anonymous Pro for Powerline"/>
+                <a:ea typeface="Anonymous Pro for Powerline"/>
+                <a:cs typeface="Anonymous Pro for Powerline"/>
+                <a:sym typeface="Anonymous Pro for Powerline"/>
+              </a:defRPr>
+            </a:lvl1pPr>
+          </a:lstStyle>
+          <a:p>
+            <a:pPr/>
+            <a:r>
+              <a:t>model.score(X_test, y_test)</a:t>
             </a:r>
           </a:p>
         </p:txBody>
@@ -12779,7 +12881,7 @@
       </p:grpSpPr>
       <p:sp>
         <p:nvSpPr>
-          <p:cNvPr id="379" name="Shape 379"/>
+          <p:cNvPr id="380" name="Shape 380"/>
           <p:cNvSpPr/>
           <p:nvPr>
             <p:ph type="title"/>
@@ -12807,57 +12909,109 @@
           <a:p>
             <a:pPr/>
             <a:r>
-              <a:t>Simple Encoding Doesn’t work</a:t>
-            </a:r>
-          </a:p>
-        </p:txBody>
-      </p:sp>
-      <p:sp>
-        <p:nvSpPr>
-          <p:cNvPr id="380" name="Shape 380"/>
-          <p:cNvSpPr/>
-          <p:nvPr>
-            <p:ph type="body" idx="1"/>
-          </p:nvPr>
-        </p:nvSpPr>
-        <p:spPr>
-          <a:xfrm>
-            <a:off x="406400" y="3497772"/>
-            <a:ext cx="12192000" cy="5610529"/>
-          </a:xfrm>
-          <a:prstGeom prst="rect">
-            <a:avLst/>
-          </a:prstGeom>
-        </p:spPr>
-        <p:txBody>
-          <a:bodyPr/>
+              <a:t>Mean absolute error</a:t>
+            </a:r>
+          </a:p>
+        </p:txBody>
+      </p:sp>
+      <p:sp>
+        <p:nvSpPr>
+          <p:cNvPr id="381" name="Shape 381"/>
+          <p:cNvSpPr/>
+          <p:nvPr/>
+        </p:nvSpPr>
+        <p:spPr>
+          <a:xfrm>
+            <a:off x="265493" y="3949699"/>
+            <a:ext cx="12473814" cy="3708401"/>
+          </a:xfrm>
+          <a:prstGeom prst="rect">
+            <a:avLst/>
+          </a:prstGeom>
+          <a:ln w="12700">
+            <a:miter lim="400000"/>
+          </a:ln>
+          <a:extLst>
+            <a:ext uri="{C572A759-6A51-4108-AA02-DFA0A04FC94B}">
+              <ma14:wrappingTextBoxFlag xmlns:ma14="http://schemas.microsoft.com/office/mac/drawingml/2011/main" val="1"/>
+            </a:ext>
+          </a:extLst>
+        </p:spPr>
+        <p:txBody>
+          <a:bodyPr lIns="50800" tIns="50800" rIns="50800" bIns="50800" anchor="ctr">
+            <a:spAutoFit/>
+          </a:bodyPr>
           <a:lstStyle/>
           <a:p>
-            <a:pPr marL="705970" indent="-705970">
-              <a:buClrTx/>
-              <a:buSzPct val="40000"/>
-              <a:buFontTx/>
-              <a:buBlip>
-                <a:blip r:embed="rId2"/>
-              </a:buBlip>
-              <a:defRPr sz="6400"/>
+            <a:pPr>
+              <a:defRPr sz="4400">
+                <a:solidFill>
+                  <a:srgbClr val="838787"/>
+                </a:solidFill>
+                <a:latin typeface="Anonymous Pro for Powerline"/>
+                <a:ea typeface="Anonymous Pro for Powerline"/>
+                <a:cs typeface="Anonymous Pro for Powerline"/>
+                <a:sym typeface="Anonymous Pro for Powerline"/>
+              </a:defRPr>
             </a:pPr>
             <a:r>
-              <a:t>What if we re-label each category as 0,1, 2, .. etc?</a:t>
-            </a:r>
-          </a:p>
-          <a:p>
-            <a:pPr marL="705970" indent="-705970">
-              <a:buClrTx/>
-              <a:buSzPct val="40000"/>
-              <a:buFontTx/>
-              <a:buBlip>
-                <a:blip r:embed="rId2"/>
-              </a:buBlip>
-              <a:defRPr sz="6400"/>
+              <a:t>from sklearn.metrics \</a:t>
+            </a:r>
+          </a:p>
+          <a:p>
+            <a:pPr>
+              <a:defRPr sz="4400">
+                <a:solidFill>
+                  <a:srgbClr val="838787"/>
+                </a:solidFill>
+                <a:latin typeface="Anonymous Pro for Powerline"/>
+                <a:ea typeface="Anonymous Pro for Powerline"/>
+                <a:cs typeface="Anonymous Pro for Powerline"/>
+                <a:sym typeface="Anonymous Pro for Powerline"/>
+              </a:defRPr>
             </a:pPr>
             <a:r>
-              <a:t>Model thinks we’re adding more and more of same thing!</a:t>
+              <a:t>import mean_absolute_error</a:t>
+            </a:r>
+          </a:p>
+          <a:p>
+            <a:pPr>
+              <a:defRPr sz="4400">
+                <a:solidFill>
+                  <a:srgbClr val="838787"/>
+                </a:solidFill>
+                <a:latin typeface="Anonymous Pro for Powerline"/>
+                <a:ea typeface="Anonymous Pro for Powerline"/>
+                <a:cs typeface="Anonymous Pro for Powerline"/>
+                <a:sym typeface="Anonymous Pro for Powerline"/>
+              </a:defRPr>
+            </a:pPr>
+            <a:r>
+              <a:t> </a:t>
+            </a:r>
+          </a:p>
+          <a:p>
+            <a:pPr>
+              <a:defRPr sz="4400">
+                <a:solidFill>
+                  <a:srgbClr val="838787"/>
+                </a:solidFill>
+                <a:latin typeface="Anonymous Pro for Powerline"/>
+                <a:ea typeface="Anonymous Pro for Powerline"/>
+                <a:cs typeface="Anonymous Pro for Powerline"/>
+                <a:sym typeface="Anonymous Pro for Powerline"/>
+              </a:defRPr>
+            </a:pPr>
+            <a:r>
+              <a:rPr>
+                <a:solidFill>
+                  <a:schemeClr val="accent3"/>
+                </a:solidFill>
+              </a:rPr>
+              <a:t>mean_absolute_error</a:t>
+            </a:r>
+            <a:r>
+              <a:t>(y_predicted, y_test)</a:t>
             </a:r>
           </a:p>
         </p:txBody>
@@ -12890,7 +13044,7 @@
       </p:grpSpPr>
       <p:sp>
         <p:nvSpPr>
-          <p:cNvPr id="382" name="Shape 382"/>
+          <p:cNvPr id="383" name="Shape 383"/>
           <p:cNvSpPr/>
           <p:nvPr>
             <p:ph type="title"/>
@@ -12918,14 +13072,14 @@
           <a:p>
             <a:pPr/>
             <a:r>
-              <a:t>One-hot encoding</a:t>
-            </a:r>
-          </a:p>
-        </p:txBody>
-      </p:sp>
-      <p:sp>
-        <p:nvSpPr>
-          <p:cNvPr id="383" name="Shape 383"/>
+              <a:t>R2 Score</a:t>
+            </a:r>
+          </a:p>
+        </p:txBody>
+      </p:sp>
+      <p:sp>
+        <p:nvSpPr>
+          <p:cNvPr id="384" name="Shape 384"/>
           <p:cNvSpPr/>
           <p:nvPr>
             <p:ph type="body" idx="1"/>
@@ -12933,8 +13087,8 @@
         </p:nvSpPr>
         <p:spPr>
           <a:xfrm>
-            <a:off x="224565" y="3362306"/>
-            <a:ext cx="12555671" cy="5610529"/>
+            <a:off x="406400" y="2570901"/>
+            <a:ext cx="12192000" cy="6465998"/>
           </a:xfrm>
           <a:prstGeom prst="rect">
             <a:avLst/>
@@ -12944,9 +13098,9 @@
           <a:bodyPr/>
           <a:lstStyle/>
           <a:p>
-            <a:pPr marL="649492" indent="-649492" defTabSz="537463">
+            <a:pPr marL="607134" indent="-607134" defTabSz="502412">
               <a:spcBef>
-                <a:spcPts val="2500"/>
+                <a:spcPts val="2400"/>
               </a:spcBef>
               <a:buClrTx/>
               <a:buSzPct val="40000"/>
@@ -12954,16 +13108,13 @@
               <a:buBlip>
                 <a:blip r:embed="rId2"/>
               </a:buBlip>
-              <a:defRPr sz="5888"/>
+              <a:defRPr sz="5504"/>
             </a:pPr>
-            <a:r>
-              <a:t>Creates a 1-or-0 column for each unique value in categorical </a:t>
-            </a:r>
-          </a:p>
-          <a:p>
-            <a:pPr marL="649492" indent="-649492" defTabSz="537463">
+          </a:p>
+          <a:p>
+            <a:pPr marL="607134" indent="-607134" defTabSz="502412">
               <a:spcBef>
-                <a:spcPts val="2500"/>
+                <a:spcPts val="2400"/>
               </a:spcBef>
               <a:buClrTx/>
               <a:buSzPct val="40000"/>
@@ -12971,10 +13122,27 @@
               <a:buBlip>
                 <a:blip r:embed="rId2"/>
               </a:buBlip>
-              <a:defRPr sz="5888"/>
+              <a:defRPr sz="5504"/>
             </a:pPr>
             <a:r>
-              <a:t>Per row, only one of the new columns will have a 1, hence 1-hot</a:t>
+              <a:t>How much error does your model have vs “just guess the mean”? </a:t>
+            </a:r>
+          </a:p>
+          <a:p>
+            <a:pPr marL="607134" indent="-607134" defTabSz="502412">
+              <a:spcBef>
+                <a:spcPts val="2400"/>
+              </a:spcBef>
+              <a:buClrTx/>
+              <a:buSzPct val="40000"/>
+              <a:buFontTx/>
+              <a:buBlip>
+                <a:blip r:embed="rId2"/>
+              </a:buBlip>
+              <a:defRPr sz="5504"/>
+            </a:pPr>
+            <a:r>
+              <a:t>1.0 is a perfect model, 0.0 is exactly as bad as “just guess the mean”</a:t>
             </a:r>
           </a:p>
         </p:txBody>
@@ -13198,49 +13366,95 @@
       </p:grpSpPr>
       <p:sp>
         <p:nvSpPr>
-          <p:cNvPr id="385" name="Shape 385"/>
+          <p:cNvPr id="386" name="Shape 386"/>
+          <p:cNvSpPr/>
+          <p:nvPr>
+            <p:ph type="body" idx="13"/>
+          </p:nvPr>
+        </p:nvSpPr>
+        <p:spPr>
+          <a:prstGeom prst="rect">
+            <a:avLst/>
+          </a:prstGeom>
+        </p:spPr>
+        <p:txBody>
+          <a:bodyPr/>
+          <a:lstStyle/>
+          <a:p>
+            <a:pPr/>
+            <a:r>
+              <a:t>Text</a:t>
+            </a:r>
+          </a:p>
+        </p:txBody>
+      </p:sp>
+      <p:sp>
+        <p:nvSpPr>
+          <p:cNvPr id="387" name="Shape 387"/>
           <p:cNvSpPr/>
           <p:nvPr>
             <p:ph type="title"/>
           </p:nvPr>
         </p:nvSpPr>
         <p:spPr>
-          <a:xfrm>
-            <a:off x="406400" y="1536700"/>
-            <a:ext cx="12192000" cy="1169260"/>
-          </a:xfrm>
           <a:prstGeom prst="rect">
             <a:avLst/>
           </a:prstGeom>
         </p:spPr>
         <p:txBody>
           <a:bodyPr/>
-          <a:lstStyle>
-            <a:lvl1pPr defTabSz="403097">
+          <a:lstStyle/>
+          <a:p>
+            <a:pPr defTabSz="467359">
               <a:spcBef>
-                <a:spcPts val="1900"/>
+                <a:spcPts val="2200"/>
               </a:spcBef>
-              <a:defRPr sz="8280"/>
-            </a:lvl1pPr>
-          </a:lstStyle>
+              <a:defRPr sz="4800"/>
+            </a:pPr>
+          </a:p>
+        </p:txBody>
+      </p:sp>
+      <p:sp>
+        <p:nvSpPr>
+          <p:cNvPr id="388" name="Shape 388"/>
+          <p:cNvSpPr/>
+          <p:nvPr>
+            <p:ph type="body" idx="1"/>
+          </p:nvPr>
+        </p:nvSpPr>
+        <p:spPr>
+          <a:prstGeom prst="rect">
+            <a:avLst/>
+          </a:prstGeom>
+        </p:spPr>
+        <p:txBody>
+          <a:bodyPr/>
+          <a:lstStyle/>
           <a:p>
             <a:pPr/>
-            <a:r>
-              <a:t>How the math works:</a:t>
-            </a:r>
-          </a:p>
-        </p:txBody>
-      </p:sp>
-      <p:sp>
-        <p:nvSpPr>
-          <p:cNvPr id="386" name="Shape 386"/>
-          <p:cNvSpPr/>
+          </a:p>
+        </p:txBody>
+      </p:sp>
+      <p:pic>
+        <p:nvPicPr>
+          <p:cNvPr id="389" name="pasted-image.png"/>
+          <p:cNvPicPr>
+            <a:picLocks noChangeAspect="1"/>
+          </p:cNvPicPr>
           <p:nvPr/>
-        </p:nvSpPr>
-        <p:spPr>
-          <a:xfrm>
-            <a:off x="656526" y="4571724"/>
-            <a:ext cx="12136011" cy="1333501"/>
+        </p:nvPicPr>
+        <p:blipFill>
+          <a:blip r:embed="rId2">
+            <a:extLst/>
+          </a:blip>
+          <a:stretch>
+            <a:fillRect/>
+          </a:stretch>
+        </p:blipFill>
+        <p:spPr>
+          <a:xfrm>
+            <a:off x="165100" y="50800"/>
+            <a:ext cx="12674600" cy="9652000"/>
           </a:xfrm>
           <a:prstGeom prst="rect">
             <a:avLst/>
@@ -13248,62 +13462,8 @@
           <a:ln w="12700">
             <a:miter lim="400000"/>
           </a:ln>
-          <a:extLst>
-            <a:ext uri="{C572A759-6A51-4108-AA02-DFA0A04FC94B}">
-              <ma14:wrappingTextBoxFlag xmlns:ma14="http://schemas.microsoft.com/office/mac/drawingml/2011/main" val="1"/>
-            </a:ext>
-          </a:extLst>
-        </p:spPr>
-        <p:txBody>
-          <a:bodyPr lIns="50800" tIns="50800" rIns="50800" bIns="50800" anchor="ctr">
-            <a:spAutoFit/>
-          </a:bodyPr>
-          <a:lstStyle/>
-          <a:p>
-            <a:pPr>
-              <a:defRPr sz="8100">
-                <a:solidFill>
-                  <a:srgbClr val="838787"/>
-                </a:solidFill>
-                <a:latin typeface="Anonymous Pro for Powerline"/>
-                <a:ea typeface="Anonymous Pro for Powerline"/>
-                <a:cs typeface="Anonymous Pro for Powerline"/>
-                <a:sym typeface="Anonymous Pro for Powerline"/>
-              </a:defRPr>
-            </a:pPr>
-            <a:r>
-              <a:rPr>
-                <a:solidFill>
-                  <a:schemeClr val="accent5"/>
-                </a:solidFill>
-              </a:rPr>
-              <a:t>y</a:t>
-            </a:r>
-            <a:r>
-              <a:t> = … + 3</a:t>
-            </a:r>
-            <a:r>
-              <a:rPr>
-                <a:solidFill>
-                  <a:schemeClr val="accent3"/>
-                </a:solidFill>
-              </a:rPr>
-              <a:t>x</a:t>
-            </a:r>
-            <a:r>
-              <a:rPr baseline="-5999">
-                <a:solidFill>
-                  <a:schemeClr val="accent3"/>
-                </a:solidFill>
-              </a:rPr>
-              <a:t>n </a:t>
-            </a:r>
-            <a:r>
-              <a:t>+ ..</a:t>
-            </a:r>
-          </a:p>
-        </p:txBody>
-      </p:sp>
+        </p:spPr>
+      </p:pic>
     </p:spTree>
   </p:cSld>
   <p:clrMapOvr>
@@ -13332,7 +13492,7 @@
       </p:grpSpPr>
       <p:sp>
         <p:nvSpPr>
-          <p:cNvPr id="388" name="Shape 388"/>
+          <p:cNvPr id="391" name="Shape 391"/>
           <p:cNvSpPr/>
           <p:nvPr>
             <p:ph type="title"/>
@@ -13340,8 +13500,8 @@
         </p:nvSpPr>
         <p:spPr>
           <a:xfrm>
-            <a:off x="406400" y="1536700"/>
-            <a:ext cx="12192000" cy="1169260"/>
+            <a:off x="2802101" y="4038600"/>
+            <a:ext cx="7400598" cy="4521200"/>
           </a:xfrm>
           <a:prstGeom prst="rect">
             <a:avLst/>
@@ -13349,91 +13509,11 @@
         </p:spPr>
         <p:txBody>
           <a:bodyPr/>
-          <a:lstStyle>
-            <a:lvl1pPr defTabSz="403097">
-              <a:spcBef>
-                <a:spcPts val="1900"/>
-              </a:spcBef>
-              <a:defRPr sz="8280"/>
-            </a:lvl1pPr>
-          </a:lstStyle>
+          <a:lstStyle/>
           <a:p>
             <a:pPr/>
             <a:r>
-              <a:t>How the math works:</a:t>
-            </a:r>
-          </a:p>
-        </p:txBody>
-      </p:sp>
-      <p:sp>
-        <p:nvSpPr>
-          <p:cNvPr id="389" name="Shape 389"/>
-          <p:cNvSpPr/>
-          <p:nvPr/>
-        </p:nvSpPr>
-        <p:spPr>
-          <a:xfrm>
-            <a:off x="656526" y="4571724"/>
-            <a:ext cx="12136011" cy="1333501"/>
-          </a:xfrm>
-          <a:prstGeom prst="rect">
-            <a:avLst/>
-          </a:prstGeom>
-          <a:ln w="12700">
-            <a:miter lim="400000"/>
-          </a:ln>
-          <a:extLst>
-            <a:ext uri="{C572A759-6A51-4108-AA02-DFA0A04FC94B}">
-              <ma14:wrappingTextBoxFlag xmlns:ma14="http://schemas.microsoft.com/office/mac/drawingml/2011/main" val="1"/>
-            </a:ext>
-          </a:extLst>
-        </p:spPr>
-        <p:txBody>
-          <a:bodyPr lIns="50800" tIns="50800" rIns="50800" bIns="50800" anchor="ctr">
-            <a:spAutoFit/>
-          </a:bodyPr>
-          <a:lstStyle/>
-          <a:p>
-            <a:pPr>
-              <a:defRPr sz="8100">
-                <a:solidFill>
-                  <a:srgbClr val="838787"/>
-                </a:solidFill>
-                <a:latin typeface="Anonymous Pro for Powerline"/>
-                <a:ea typeface="Anonymous Pro for Powerline"/>
-                <a:cs typeface="Anonymous Pro for Powerline"/>
-                <a:sym typeface="Anonymous Pro for Powerline"/>
-              </a:defRPr>
-            </a:pPr>
-            <a:r>
-              <a:rPr>
-                <a:solidFill>
-                  <a:schemeClr val="accent5"/>
-                </a:solidFill>
-              </a:rPr>
-              <a:t>y</a:t>
-            </a:r>
-            <a:r>
-              <a:t> = … + 3</a:t>
-            </a:r>
-            <a:r>
-              <a:rPr>
-                <a:solidFill>
-                  <a:schemeClr val="accent3"/>
-                </a:solidFill>
-              </a:rPr>
-              <a:t>(1)</a:t>
-            </a:r>
-            <a:r>
-              <a:rPr baseline="-5999">
-                <a:solidFill>
-                  <a:schemeClr val="accent3"/>
-                </a:solidFill>
-              </a:rPr>
-              <a:t> </a:t>
-            </a:r>
-            <a:r>
-              <a:t>+ ..</a:t>
+              <a:t>Exercises</a:t>
             </a:r>
           </a:p>
         </p:txBody>
@@ -13466,7 +13546,7 @@
       </p:grpSpPr>
       <p:sp>
         <p:nvSpPr>
-          <p:cNvPr id="391" name="Shape 391"/>
+          <p:cNvPr id="393" name="Shape 393"/>
           <p:cNvSpPr/>
           <p:nvPr>
             <p:ph type="title"/>
@@ -13474,8 +13554,8 @@
         </p:nvSpPr>
         <p:spPr>
           <a:xfrm>
-            <a:off x="406400" y="1536700"/>
-            <a:ext cx="12192000" cy="1169260"/>
+            <a:off x="1360652" y="4113807"/>
+            <a:ext cx="10283496" cy="1932386"/>
           </a:xfrm>
           <a:prstGeom prst="rect">
             <a:avLst/>
@@ -13484,90 +13564,14 @@
         <p:txBody>
           <a:bodyPr/>
           <a:lstStyle>
-            <a:lvl1pPr defTabSz="403097">
-              <a:spcBef>
-                <a:spcPts val="1900"/>
-              </a:spcBef>
-              <a:defRPr sz="8280"/>
+            <a:lvl1pPr>
+              <a:defRPr sz="13000"/>
             </a:lvl1pPr>
           </a:lstStyle>
           <a:p>
             <a:pPr/>
             <a:r>
-              <a:t>How the math works:</a:t>
-            </a:r>
-          </a:p>
-        </p:txBody>
-      </p:sp>
-      <p:sp>
-        <p:nvSpPr>
-          <p:cNvPr id="392" name="Shape 392"/>
-          <p:cNvSpPr/>
-          <p:nvPr/>
-        </p:nvSpPr>
-        <p:spPr>
-          <a:xfrm>
-            <a:off x="656526" y="4571724"/>
-            <a:ext cx="12136011" cy="1333501"/>
-          </a:xfrm>
-          <a:prstGeom prst="rect">
-            <a:avLst/>
-          </a:prstGeom>
-          <a:ln w="12700">
-            <a:miter lim="400000"/>
-          </a:ln>
-          <a:extLst>
-            <a:ext uri="{C572A759-6A51-4108-AA02-DFA0A04FC94B}">
-              <ma14:wrappingTextBoxFlag xmlns:ma14="http://schemas.microsoft.com/office/mac/drawingml/2011/main" val="1"/>
-            </a:ext>
-          </a:extLst>
-        </p:spPr>
-        <p:txBody>
-          <a:bodyPr lIns="50800" tIns="50800" rIns="50800" bIns="50800" anchor="ctr">
-            <a:spAutoFit/>
-          </a:bodyPr>
-          <a:lstStyle/>
-          <a:p>
-            <a:pPr>
-              <a:defRPr sz="8100">
-                <a:solidFill>
-                  <a:srgbClr val="838787"/>
-                </a:solidFill>
-                <a:latin typeface="Anonymous Pro for Powerline"/>
-                <a:ea typeface="Anonymous Pro for Powerline"/>
-                <a:cs typeface="Anonymous Pro for Powerline"/>
-                <a:sym typeface="Anonymous Pro for Powerline"/>
-              </a:defRPr>
-            </a:pPr>
-            <a:r>
-              <a:rPr>
-                <a:solidFill>
-                  <a:schemeClr val="accent5"/>
-                </a:solidFill>
-              </a:rPr>
-              <a:t>y</a:t>
-            </a:r>
-            <a:r>
-              <a:t> = … + 3</a:t>
-            </a:r>
-            <a:r>
-              <a:rPr>
-                <a:solidFill>
-                  <a:schemeClr val="accent3"/>
-                </a:solidFill>
-              </a:rPr>
-              <a:t>(0)</a:t>
-            </a:r>
-            <a:r>
-              <a:rPr baseline="-5999">
-                <a:solidFill>
-                  <a:schemeClr val="accent3"/>
-                </a:solidFill>
-              </a:rPr>
-              <a:t> </a:t>
-            </a:r>
-            <a:r>
-              <a:t>+ ..</a:t>
+              <a:t>One-Hot Encoding</a:t>
             </a:r>
           </a:p>
         </p:txBody>
@@ -13600,7 +13604,7 @@
       </p:grpSpPr>
       <p:sp>
         <p:nvSpPr>
-          <p:cNvPr id="394" name="Shape 394"/>
+          <p:cNvPr id="395" name="Shape 395"/>
           <p:cNvSpPr/>
           <p:nvPr>
             <p:ph type="title"/>
@@ -13628,130 +13632,63 @@
           <a:p>
             <a:pPr/>
             <a:r>
-              <a:t>How the math works:</a:t>
-            </a:r>
-          </a:p>
-        </p:txBody>
-      </p:sp>
-      <p:sp>
-        <p:nvSpPr>
-          <p:cNvPr id="395" name="Shape 395"/>
-          <p:cNvSpPr/>
-          <p:nvPr/>
-        </p:nvSpPr>
-        <p:spPr>
-          <a:xfrm>
-            <a:off x="656526" y="4571724"/>
-            <a:ext cx="12136011" cy="1333501"/>
-          </a:xfrm>
-          <a:prstGeom prst="rect">
-            <a:avLst/>
-          </a:prstGeom>
-          <a:ln w="12700">
-            <a:miter lim="400000"/>
-          </a:ln>
-          <a:extLst>
-            <a:ext uri="{C572A759-6A51-4108-AA02-DFA0A04FC94B}">
-              <ma14:wrappingTextBoxFlag xmlns:ma14="http://schemas.microsoft.com/office/mac/drawingml/2011/main" val="1"/>
-            </a:ext>
-          </a:extLst>
-        </p:spPr>
-        <p:txBody>
-          <a:bodyPr lIns="50800" tIns="50800" rIns="50800" bIns="50800" anchor="ctr">
-            <a:spAutoFit/>
-          </a:bodyPr>
+              <a:t>The Problem</a:t>
+            </a:r>
+          </a:p>
+        </p:txBody>
+      </p:sp>
+      <p:sp>
+        <p:nvSpPr>
+          <p:cNvPr id="396" name="Shape 396"/>
+          <p:cNvSpPr/>
+          <p:nvPr>
+            <p:ph type="body" idx="1"/>
+          </p:nvPr>
+        </p:nvSpPr>
+        <p:spPr>
+          <a:xfrm>
+            <a:off x="406400" y="3497772"/>
+            <a:ext cx="12192000" cy="5610529"/>
+          </a:xfrm>
+          <a:prstGeom prst="rect">
+            <a:avLst/>
+          </a:prstGeom>
+        </p:spPr>
+        <p:txBody>
+          <a:bodyPr/>
           <a:lstStyle/>
           <a:p>
-            <a:pPr>
-              <a:defRPr sz="8100">
-                <a:solidFill>
-                  <a:srgbClr val="838787"/>
-                </a:solidFill>
-                <a:latin typeface="Anonymous Pro for Powerline"/>
-                <a:ea typeface="Anonymous Pro for Powerline"/>
-                <a:cs typeface="Anonymous Pro for Powerline"/>
-                <a:sym typeface="Anonymous Pro for Powerline"/>
-              </a:defRPr>
+            <a:pPr marL="698910" indent="-698910" defTabSz="578358">
+              <a:spcBef>
+                <a:spcPts val="2700"/>
+              </a:spcBef>
+              <a:buClrTx/>
+              <a:buSzPct val="40000"/>
+              <a:buFontTx/>
+              <a:buBlip>
+                <a:blip r:embed="rId2"/>
+              </a:buBlip>
+              <a:defRPr sz="6336"/>
             </a:pPr>
             <a:r>
-              <a:rPr>
-                <a:solidFill>
-                  <a:schemeClr val="accent5"/>
-                </a:solidFill>
-              </a:rPr>
-              <a:t>y</a:t>
-            </a:r>
-            <a:r>
-              <a:t> = … + 3</a:t>
-            </a:r>
-            <a:r>
-              <a:rPr>
-                <a:solidFill>
-                  <a:schemeClr val="accent3"/>
-                </a:solidFill>
-              </a:rPr>
-              <a:t>(0)</a:t>
-            </a:r>
-            <a:r>
-              <a:rPr baseline="-5999">
-                <a:solidFill>
-                  <a:schemeClr val="accent3"/>
-                </a:solidFill>
-              </a:rPr>
-              <a:t> </a:t>
-            </a:r>
-            <a:r>
-              <a:t>+ ..</a:t>
-            </a:r>
-          </a:p>
-        </p:txBody>
-      </p:sp>
-      <p:sp>
-        <p:nvSpPr>
-          <p:cNvPr id="396" name="Shape 396"/>
-          <p:cNvSpPr/>
-          <p:nvPr/>
-        </p:nvSpPr>
-        <p:spPr>
-          <a:xfrm>
-            <a:off x="509574" y="7119195"/>
-            <a:ext cx="11985652" cy="1170944"/>
-          </a:xfrm>
-          <a:prstGeom prst="rect">
-            <a:avLst/>
-          </a:prstGeom>
-          <a:ln w="12700">
-            <a:miter lim="400000"/>
-          </a:ln>
-          <a:extLst>
-            <a:ext uri="{C572A759-6A51-4108-AA02-DFA0A04FC94B}">
-              <ma14:wrappingTextBoxFlag xmlns:ma14="http://schemas.microsoft.com/office/mac/drawingml/2011/main" val="1"/>
-            </a:ext>
-          </a:extLst>
-        </p:spPr>
-        <p:txBody>
-          <a:bodyPr wrap="none" lIns="50800" tIns="50800" rIns="50800" bIns="50800" anchor="ctr">
-            <a:spAutoFit/>
-          </a:bodyPr>
-          <a:lstStyle>
-            <a:lvl1pPr>
-              <a:lnSpc>
-                <a:spcPct val="80000"/>
-              </a:lnSpc>
+              <a:t>Linear models use multiplication (with coefficient)</a:t>
+            </a:r>
+          </a:p>
+          <a:p>
+            <a:pPr marL="698910" indent="-698910" defTabSz="578358">
               <a:spcBef>
-                <a:spcPts val="0"/>
+                <a:spcPts val="2700"/>
               </a:spcBef>
-              <a:defRPr cap="all" sz="8400">
-                <a:solidFill>
-                  <a:srgbClr val="FFFFFF"/>
-                </a:solidFill>
-              </a:defRPr>
-            </a:lvl1pPr>
-          </a:lstStyle>
-          <a:p>
-            <a:pPr/>
-            <a:r>
-              <a:t>Adds a fixed amount, or doesn’t!</a:t>
+              <a:buClrTx/>
+              <a:buSzPct val="40000"/>
+              <a:buFontTx/>
+              <a:buBlip>
+                <a:blip r:embed="rId2"/>
+              </a:buBlip>
+              <a:defRPr sz="6336"/>
+            </a:pPr>
+            <a:r>
+              <a:t>We can’t multiply categorical data   :(</a:t>
             </a:r>
           </a:p>
         </p:txBody>
@@ -13792,8 +13729,43 @@
         </p:nvSpPr>
         <p:spPr>
           <a:xfrm>
-            <a:off x="2802101" y="4038600"/>
-            <a:ext cx="7400598" cy="4521200"/>
+            <a:off x="406400" y="1536700"/>
+            <a:ext cx="12192000" cy="1169260"/>
+          </a:xfrm>
+          <a:prstGeom prst="rect">
+            <a:avLst/>
+          </a:prstGeom>
+        </p:spPr>
+        <p:txBody>
+          <a:bodyPr/>
+          <a:lstStyle>
+            <a:lvl1pPr defTabSz="403097">
+              <a:spcBef>
+                <a:spcPts val="1900"/>
+              </a:spcBef>
+              <a:defRPr sz="8280"/>
+            </a:lvl1pPr>
+          </a:lstStyle>
+          <a:p>
+            <a:pPr/>
+            <a:r>
+              <a:t>Simple Encoding Doesn’t work</a:t>
+            </a:r>
+          </a:p>
+        </p:txBody>
+      </p:sp>
+      <p:sp>
+        <p:nvSpPr>
+          <p:cNvPr id="399" name="Shape 399"/>
+          <p:cNvSpPr/>
+          <p:nvPr>
+            <p:ph type="body" idx="1"/>
+          </p:nvPr>
+        </p:nvSpPr>
+        <p:spPr>
+          <a:xfrm>
+            <a:off x="406400" y="3497772"/>
+            <a:ext cx="12192000" cy="5610529"/>
           </a:xfrm>
           <a:prstGeom prst="rect">
             <a:avLst/>
@@ -13803,9 +13775,734 @@
           <a:bodyPr/>
           <a:lstStyle/>
           <a:p>
+            <a:pPr marL="705970" indent="-705970">
+              <a:buClrTx/>
+              <a:buSzPct val="40000"/>
+              <a:buFontTx/>
+              <a:buBlip>
+                <a:blip r:embed="rId2"/>
+              </a:buBlip>
+              <a:defRPr sz="6400"/>
+            </a:pPr>
+            <a:r>
+              <a:t>What if we re-label each category as 0,1, 2, .. etc?</a:t>
+            </a:r>
+          </a:p>
+          <a:p>
+            <a:pPr marL="705970" indent="-705970">
+              <a:buClrTx/>
+              <a:buSzPct val="40000"/>
+              <a:buFontTx/>
+              <a:buBlip>
+                <a:blip r:embed="rId2"/>
+              </a:buBlip>
+              <a:defRPr sz="6400"/>
+            </a:pPr>
+            <a:r>
+              <a:t>Model thinks we’re adding more and more of same thing!</a:t>
+            </a:r>
+          </a:p>
+        </p:txBody>
+      </p:sp>
+    </p:spTree>
+  </p:cSld>
+  <p:clrMapOvr>
+    <a:masterClrMapping/>
+  </p:clrMapOvr>
+  <p:transition xmlns:p14="http://schemas.microsoft.com/office/powerpoint/2010/main" spd="med" advClick="1"/>
+</p:sld>
+</file>
+
+<file path=ppt/slides/slide65.xml><?xml version="1.0" encoding="utf-8"?>
+<p:sld xmlns:a="http://schemas.openxmlformats.org/drawingml/2006/main" xmlns:r="http://schemas.openxmlformats.org/officeDocument/2006/relationships" xmlns:p="http://schemas.openxmlformats.org/presentationml/2006/main" showMasterSp="1" showMasterPhAnim="1">
+  <p:cSld>
+    <p:spTree>
+      <p:nvGrpSpPr>
+        <p:cNvPr id="1" name=""/>
+        <p:cNvGrpSpPr/>
+        <p:nvPr/>
+      </p:nvGrpSpPr>
+      <p:grpSpPr>
+        <a:xfrm>
+          <a:off x="0" y="0"/>
+          <a:ext cx="0" cy="0"/>
+          <a:chOff x="0" y="0"/>
+          <a:chExt cx="0" cy="0"/>
+        </a:xfrm>
+      </p:grpSpPr>
+      <p:sp>
+        <p:nvSpPr>
+          <p:cNvPr id="401" name="Shape 401"/>
+          <p:cNvSpPr/>
+          <p:nvPr>
+            <p:ph type="title"/>
+          </p:nvPr>
+        </p:nvSpPr>
+        <p:spPr>
+          <a:xfrm>
+            <a:off x="406400" y="1536700"/>
+            <a:ext cx="12192000" cy="1169260"/>
+          </a:xfrm>
+          <a:prstGeom prst="rect">
+            <a:avLst/>
+          </a:prstGeom>
+        </p:spPr>
+        <p:txBody>
+          <a:bodyPr/>
+          <a:lstStyle>
+            <a:lvl1pPr defTabSz="403097">
+              <a:spcBef>
+                <a:spcPts val="1900"/>
+              </a:spcBef>
+              <a:defRPr sz="8280"/>
+            </a:lvl1pPr>
+          </a:lstStyle>
+          <a:p>
             <a:pPr/>
             <a:r>
-              <a:t>Exercises</a:t>
+              <a:t>One-hot encoding</a:t>
+            </a:r>
+          </a:p>
+        </p:txBody>
+      </p:sp>
+      <p:sp>
+        <p:nvSpPr>
+          <p:cNvPr id="402" name="Shape 402"/>
+          <p:cNvSpPr/>
+          <p:nvPr>
+            <p:ph type="body" idx="1"/>
+          </p:nvPr>
+        </p:nvSpPr>
+        <p:spPr>
+          <a:xfrm>
+            <a:off x="224565" y="3362306"/>
+            <a:ext cx="12555671" cy="5610529"/>
+          </a:xfrm>
+          <a:prstGeom prst="rect">
+            <a:avLst/>
+          </a:prstGeom>
+        </p:spPr>
+        <p:txBody>
+          <a:bodyPr/>
+          <a:lstStyle/>
+          <a:p>
+            <a:pPr marL="649492" indent="-649492" defTabSz="537463">
+              <a:spcBef>
+                <a:spcPts val="2500"/>
+              </a:spcBef>
+              <a:buClrTx/>
+              <a:buSzPct val="40000"/>
+              <a:buFontTx/>
+              <a:buBlip>
+                <a:blip r:embed="rId2"/>
+              </a:buBlip>
+              <a:defRPr sz="5888"/>
+            </a:pPr>
+            <a:r>
+              <a:t>Creates a 1-or-0 column for each unique value in categorical </a:t>
+            </a:r>
+          </a:p>
+          <a:p>
+            <a:pPr marL="649492" indent="-649492" defTabSz="537463">
+              <a:spcBef>
+                <a:spcPts val="2500"/>
+              </a:spcBef>
+              <a:buClrTx/>
+              <a:buSzPct val="40000"/>
+              <a:buFontTx/>
+              <a:buBlip>
+                <a:blip r:embed="rId2"/>
+              </a:buBlip>
+              <a:defRPr sz="5888"/>
+            </a:pPr>
+            <a:r>
+              <a:t>Per row, only one of the new columns will have a 1, hence 1-hot</a:t>
+            </a:r>
+          </a:p>
+        </p:txBody>
+      </p:sp>
+    </p:spTree>
+  </p:cSld>
+  <p:clrMapOvr>
+    <a:masterClrMapping/>
+  </p:clrMapOvr>
+  <p:transition xmlns:p14="http://schemas.microsoft.com/office/powerpoint/2010/main" spd="med" advClick="1"/>
+</p:sld>
+</file>
+
+<file path=ppt/slides/slide66.xml><?xml version="1.0" encoding="utf-8"?>
+<p:sld xmlns:a="http://schemas.openxmlformats.org/drawingml/2006/main" xmlns:r="http://schemas.openxmlformats.org/officeDocument/2006/relationships" xmlns:p="http://schemas.openxmlformats.org/presentationml/2006/main" showMasterSp="1" showMasterPhAnim="1">
+  <p:cSld>
+    <p:spTree>
+      <p:nvGrpSpPr>
+        <p:cNvPr id="1" name=""/>
+        <p:cNvGrpSpPr/>
+        <p:nvPr/>
+      </p:nvGrpSpPr>
+      <p:grpSpPr>
+        <a:xfrm>
+          <a:off x="0" y="0"/>
+          <a:ext cx="0" cy="0"/>
+          <a:chOff x="0" y="0"/>
+          <a:chExt cx="0" cy="0"/>
+        </a:xfrm>
+      </p:grpSpPr>
+      <p:sp>
+        <p:nvSpPr>
+          <p:cNvPr id="404" name="Shape 404"/>
+          <p:cNvSpPr/>
+          <p:nvPr>
+            <p:ph type="title"/>
+          </p:nvPr>
+        </p:nvSpPr>
+        <p:spPr>
+          <a:xfrm>
+            <a:off x="406400" y="1536700"/>
+            <a:ext cx="12192000" cy="1169260"/>
+          </a:xfrm>
+          <a:prstGeom prst="rect">
+            <a:avLst/>
+          </a:prstGeom>
+        </p:spPr>
+        <p:txBody>
+          <a:bodyPr/>
+          <a:lstStyle>
+            <a:lvl1pPr defTabSz="403097">
+              <a:spcBef>
+                <a:spcPts val="1900"/>
+              </a:spcBef>
+              <a:defRPr sz="8280"/>
+            </a:lvl1pPr>
+          </a:lstStyle>
+          <a:p>
+            <a:pPr/>
+            <a:r>
+              <a:t>How the math works:</a:t>
+            </a:r>
+          </a:p>
+        </p:txBody>
+      </p:sp>
+      <p:sp>
+        <p:nvSpPr>
+          <p:cNvPr id="405" name="Shape 405"/>
+          <p:cNvSpPr/>
+          <p:nvPr/>
+        </p:nvSpPr>
+        <p:spPr>
+          <a:xfrm>
+            <a:off x="656526" y="4571724"/>
+            <a:ext cx="12136011" cy="1333501"/>
+          </a:xfrm>
+          <a:prstGeom prst="rect">
+            <a:avLst/>
+          </a:prstGeom>
+          <a:ln w="12700">
+            <a:miter lim="400000"/>
+          </a:ln>
+          <a:extLst>
+            <a:ext uri="{C572A759-6A51-4108-AA02-DFA0A04FC94B}">
+              <ma14:wrappingTextBoxFlag xmlns:ma14="http://schemas.microsoft.com/office/mac/drawingml/2011/main" val="1"/>
+            </a:ext>
+          </a:extLst>
+        </p:spPr>
+        <p:txBody>
+          <a:bodyPr lIns="50800" tIns="50800" rIns="50800" bIns="50800" anchor="ctr">
+            <a:spAutoFit/>
+          </a:bodyPr>
+          <a:lstStyle/>
+          <a:p>
+            <a:pPr>
+              <a:defRPr sz="8100">
+                <a:solidFill>
+                  <a:srgbClr val="838787"/>
+                </a:solidFill>
+                <a:latin typeface="Anonymous Pro for Powerline"/>
+                <a:ea typeface="Anonymous Pro for Powerline"/>
+                <a:cs typeface="Anonymous Pro for Powerline"/>
+                <a:sym typeface="Anonymous Pro for Powerline"/>
+              </a:defRPr>
+            </a:pPr>
+            <a:r>
+              <a:rPr>
+                <a:solidFill>
+                  <a:schemeClr val="accent5"/>
+                </a:solidFill>
+              </a:rPr>
+              <a:t>y</a:t>
+            </a:r>
+            <a:r>
+              <a:t> = … + 3</a:t>
+            </a:r>
+            <a:r>
+              <a:rPr>
+                <a:solidFill>
+                  <a:schemeClr val="accent3"/>
+                </a:solidFill>
+              </a:rPr>
+              <a:t>x</a:t>
+            </a:r>
+            <a:r>
+              <a:rPr baseline="-5999">
+                <a:solidFill>
+                  <a:schemeClr val="accent3"/>
+                </a:solidFill>
+              </a:rPr>
+              <a:t>n </a:t>
+            </a:r>
+            <a:r>
+              <a:t>+ ..</a:t>
+            </a:r>
+          </a:p>
+        </p:txBody>
+      </p:sp>
+    </p:spTree>
+  </p:cSld>
+  <p:clrMapOvr>
+    <a:masterClrMapping/>
+  </p:clrMapOvr>
+  <p:transition xmlns:p14="http://schemas.microsoft.com/office/powerpoint/2010/main" spd="med" advClick="1"/>
+</p:sld>
+</file>
+
+<file path=ppt/slides/slide67.xml><?xml version="1.0" encoding="utf-8"?>
+<p:sld xmlns:a="http://schemas.openxmlformats.org/drawingml/2006/main" xmlns:r="http://schemas.openxmlformats.org/officeDocument/2006/relationships" xmlns:p="http://schemas.openxmlformats.org/presentationml/2006/main" showMasterSp="1" showMasterPhAnim="1">
+  <p:cSld>
+    <p:spTree>
+      <p:nvGrpSpPr>
+        <p:cNvPr id="1" name=""/>
+        <p:cNvGrpSpPr/>
+        <p:nvPr/>
+      </p:nvGrpSpPr>
+      <p:grpSpPr>
+        <a:xfrm>
+          <a:off x="0" y="0"/>
+          <a:ext cx="0" cy="0"/>
+          <a:chOff x="0" y="0"/>
+          <a:chExt cx="0" cy="0"/>
+        </a:xfrm>
+      </p:grpSpPr>
+      <p:sp>
+        <p:nvSpPr>
+          <p:cNvPr id="407" name="Shape 407"/>
+          <p:cNvSpPr/>
+          <p:nvPr>
+            <p:ph type="title"/>
+          </p:nvPr>
+        </p:nvSpPr>
+        <p:spPr>
+          <a:xfrm>
+            <a:off x="406400" y="1536700"/>
+            <a:ext cx="12192000" cy="1169260"/>
+          </a:xfrm>
+          <a:prstGeom prst="rect">
+            <a:avLst/>
+          </a:prstGeom>
+        </p:spPr>
+        <p:txBody>
+          <a:bodyPr/>
+          <a:lstStyle>
+            <a:lvl1pPr defTabSz="403097">
+              <a:spcBef>
+                <a:spcPts val="1900"/>
+              </a:spcBef>
+              <a:defRPr sz="8280"/>
+            </a:lvl1pPr>
+          </a:lstStyle>
+          <a:p>
+            <a:pPr/>
+            <a:r>
+              <a:t>How the math works:</a:t>
+            </a:r>
+          </a:p>
+        </p:txBody>
+      </p:sp>
+      <p:sp>
+        <p:nvSpPr>
+          <p:cNvPr id="408" name="Shape 408"/>
+          <p:cNvSpPr/>
+          <p:nvPr/>
+        </p:nvSpPr>
+        <p:spPr>
+          <a:xfrm>
+            <a:off x="656526" y="4571724"/>
+            <a:ext cx="12136011" cy="1333501"/>
+          </a:xfrm>
+          <a:prstGeom prst="rect">
+            <a:avLst/>
+          </a:prstGeom>
+          <a:ln w="12700">
+            <a:miter lim="400000"/>
+          </a:ln>
+          <a:extLst>
+            <a:ext uri="{C572A759-6A51-4108-AA02-DFA0A04FC94B}">
+              <ma14:wrappingTextBoxFlag xmlns:ma14="http://schemas.microsoft.com/office/mac/drawingml/2011/main" val="1"/>
+            </a:ext>
+          </a:extLst>
+        </p:spPr>
+        <p:txBody>
+          <a:bodyPr lIns="50800" tIns="50800" rIns="50800" bIns="50800" anchor="ctr">
+            <a:spAutoFit/>
+          </a:bodyPr>
+          <a:lstStyle/>
+          <a:p>
+            <a:pPr>
+              <a:defRPr sz="8100">
+                <a:solidFill>
+                  <a:srgbClr val="838787"/>
+                </a:solidFill>
+                <a:latin typeface="Anonymous Pro for Powerline"/>
+                <a:ea typeface="Anonymous Pro for Powerline"/>
+                <a:cs typeface="Anonymous Pro for Powerline"/>
+                <a:sym typeface="Anonymous Pro for Powerline"/>
+              </a:defRPr>
+            </a:pPr>
+            <a:r>
+              <a:rPr>
+                <a:solidFill>
+                  <a:schemeClr val="accent5"/>
+                </a:solidFill>
+              </a:rPr>
+              <a:t>y</a:t>
+            </a:r>
+            <a:r>
+              <a:t> = … + 3</a:t>
+            </a:r>
+            <a:r>
+              <a:rPr>
+                <a:solidFill>
+                  <a:schemeClr val="accent3"/>
+                </a:solidFill>
+              </a:rPr>
+              <a:t>(1)</a:t>
+            </a:r>
+            <a:r>
+              <a:rPr baseline="-5999">
+                <a:solidFill>
+                  <a:schemeClr val="accent3"/>
+                </a:solidFill>
+              </a:rPr>
+              <a:t> </a:t>
+            </a:r>
+            <a:r>
+              <a:t>+ ..</a:t>
+            </a:r>
+          </a:p>
+        </p:txBody>
+      </p:sp>
+    </p:spTree>
+  </p:cSld>
+  <p:clrMapOvr>
+    <a:masterClrMapping/>
+  </p:clrMapOvr>
+  <p:transition xmlns:p14="http://schemas.microsoft.com/office/powerpoint/2010/main" spd="med" advClick="1"/>
+</p:sld>
+</file>
+
+<file path=ppt/slides/slide68.xml><?xml version="1.0" encoding="utf-8"?>
+<p:sld xmlns:a="http://schemas.openxmlformats.org/drawingml/2006/main" xmlns:r="http://schemas.openxmlformats.org/officeDocument/2006/relationships" xmlns:p="http://schemas.openxmlformats.org/presentationml/2006/main" showMasterSp="1" showMasterPhAnim="1">
+  <p:cSld>
+    <p:spTree>
+      <p:nvGrpSpPr>
+        <p:cNvPr id="1" name=""/>
+        <p:cNvGrpSpPr/>
+        <p:nvPr/>
+      </p:nvGrpSpPr>
+      <p:grpSpPr>
+        <a:xfrm>
+          <a:off x="0" y="0"/>
+          <a:ext cx="0" cy="0"/>
+          <a:chOff x="0" y="0"/>
+          <a:chExt cx="0" cy="0"/>
+        </a:xfrm>
+      </p:grpSpPr>
+      <p:sp>
+        <p:nvSpPr>
+          <p:cNvPr id="410" name="Shape 410"/>
+          <p:cNvSpPr/>
+          <p:nvPr>
+            <p:ph type="title"/>
+          </p:nvPr>
+        </p:nvSpPr>
+        <p:spPr>
+          <a:xfrm>
+            <a:off x="406400" y="1536700"/>
+            <a:ext cx="12192000" cy="1169260"/>
+          </a:xfrm>
+          <a:prstGeom prst="rect">
+            <a:avLst/>
+          </a:prstGeom>
+        </p:spPr>
+        <p:txBody>
+          <a:bodyPr/>
+          <a:lstStyle>
+            <a:lvl1pPr defTabSz="403097">
+              <a:spcBef>
+                <a:spcPts val="1900"/>
+              </a:spcBef>
+              <a:defRPr sz="8280"/>
+            </a:lvl1pPr>
+          </a:lstStyle>
+          <a:p>
+            <a:pPr/>
+            <a:r>
+              <a:t>How the math works:</a:t>
+            </a:r>
+          </a:p>
+        </p:txBody>
+      </p:sp>
+      <p:sp>
+        <p:nvSpPr>
+          <p:cNvPr id="411" name="Shape 411"/>
+          <p:cNvSpPr/>
+          <p:nvPr/>
+        </p:nvSpPr>
+        <p:spPr>
+          <a:xfrm>
+            <a:off x="656526" y="4571724"/>
+            <a:ext cx="12136011" cy="1333501"/>
+          </a:xfrm>
+          <a:prstGeom prst="rect">
+            <a:avLst/>
+          </a:prstGeom>
+          <a:ln w="12700">
+            <a:miter lim="400000"/>
+          </a:ln>
+          <a:extLst>
+            <a:ext uri="{C572A759-6A51-4108-AA02-DFA0A04FC94B}">
+              <ma14:wrappingTextBoxFlag xmlns:ma14="http://schemas.microsoft.com/office/mac/drawingml/2011/main" val="1"/>
+            </a:ext>
+          </a:extLst>
+        </p:spPr>
+        <p:txBody>
+          <a:bodyPr lIns="50800" tIns="50800" rIns="50800" bIns="50800" anchor="ctr">
+            <a:spAutoFit/>
+          </a:bodyPr>
+          <a:lstStyle/>
+          <a:p>
+            <a:pPr>
+              <a:defRPr sz="8100">
+                <a:solidFill>
+                  <a:srgbClr val="838787"/>
+                </a:solidFill>
+                <a:latin typeface="Anonymous Pro for Powerline"/>
+                <a:ea typeface="Anonymous Pro for Powerline"/>
+                <a:cs typeface="Anonymous Pro for Powerline"/>
+                <a:sym typeface="Anonymous Pro for Powerline"/>
+              </a:defRPr>
+            </a:pPr>
+            <a:r>
+              <a:rPr>
+                <a:solidFill>
+                  <a:schemeClr val="accent5"/>
+                </a:solidFill>
+              </a:rPr>
+              <a:t>y</a:t>
+            </a:r>
+            <a:r>
+              <a:t> = … + 3</a:t>
+            </a:r>
+            <a:r>
+              <a:rPr>
+                <a:solidFill>
+                  <a:schemeClr val="accent3"/>
+                </a:solidFill>
+              </a:rPr>
+              <a:t>(0)</a:t>
+            </a:r>
+            <a:r>
+              <a:rPr baseline="-5999">
+                <a:solidFill>
+                  <a:schemeClr val="accent3"/>
+                </a:solidFill>
+              </a:rPr>
+              <a:t> </a:t>
+            </a:r>
+            <a:r>
+              <a:t>+ ..</a:t>
+            </a:r>
+          </a:p>
+        </p:txBody>
+      </p:sp>
+    </p:spTree>
+  </p:cSld>
+  <p:clrMapOvr>
+    <a:masterClrMapping/>
+  </p:clrMapOvr>
+  <p:transition xmlns:p14="http://schemas.microsoft.com/office/powerpoint/2010/main" spd="med" advClick="1"/>
+</p:sld>
+</file>
+
+<file path=ppt/slides/slide69.xml><?xml version="1.0" encoding="utf-8"?>
+<p:sld xmlns:a="http://schemas.openxmlformats.org/drawingml/2006/main" xmlns:r="http://schemas.openxmlformats.org/officeDocument/2006/relationships" xmlns:p="http://schemas.openxmlformats.org/presentationml/2006/main" showMasterSp="1" showMasterPhAnim="1">
+  <p:cSld>
+    <p:spTree>
+      <p:nvGrpSpPr>
+        <p:cNvPr id="1" name=""/>
+        <p:cNvGrpSpPr/>
+        <p:nvPr/>
+      </p:nvGrpSpPr>
+      <p:grpSpPr>
+        <a:xfrm>
+          <a:off x="0" y="0"/>
+          <a:ext cx="0" cy="0"/>
+          <a:chOff x="0" y="0"/>
+          <a:chExt cx="0" cy="0"/>
+        </a:xfrm>
+      </p:grpSpPr>
+      <p:sp>
+        <p:nvSpPr>
+          <p:cNvPr id="413" name="Shape 413"/>
+          <p:cNvSpPr/>
+          <p:nvPr>
+            <p:ph type="title"/>
+          </p:nvPr>
+        </p:nvSpPr>
+        <p:spPr>
+          <a:xfrm>
+            <a:off x="406400" y="1536700"/>
+            <a:ext cx="12192000" cy="1169260"/>
+          </a:xfrm>
+          <a:prstGeom prst="rect">
+            <a:avLst/>
+          </a:prstGeom>
+        </p:spPr>
+        <p:txBody>
+          <a:bodyPr/>
+          <a:lstStyle>
+            <a:lvl1pPr defTabSz="403097">
+              <a:spcBef>
+                <a:spcPts val="1900"/>
+              </a:spcBef>
+              <a:defRPr sz="8280"/>
+            </a:lvl1pPr>
+          </a:lstStyle>
+          <a:p>
+            <a:pPr/>
+            <a:r>
+              <a:t>How the math works:</a:t>
+            </a:r>
+          </a:p>
+        </p:txBody>
+      </p:sp>
+      <p:sp>
+        <p:nvSpPr>
+          <p:cNvPr id="414" name="Shape 414"/>
+          <p:cNvSpPr/>
+          <p:nvPr/>
+        </p:nvSpPr>
+        <p:spPr>
+          <a:xfrm>
+            <a:off x="656526" y="4571724"/>
+            <a:ext cx="12136011" cy="1333501"/>
+          </a:xfrm>
+          <a:prstGeom prst="rect">
+            <a:avLst/>
+          </a:prstGeom>
+          <a:ln w="12700">
+            <a:miter lim="400000"/>
+          </a:ln>
+          <a:extLst>
+            <a:ext uri="{C572A759-6A51-4108-AA02-DFA0A04FC94B}">
+              <ma14:wrappingTextBoxFlag xmlns:ma14="http://schemas.microsoft.com/office/mac/drawingml/2011/main" val="1"/>
+            </a:ext>
+          </a:extLst>
+        </p:spPr>
+        <p:txBody>
+          <a:bodyPr lIns="50800" tIns="50800" rIns="50800" bIns="50800" anchor="ctr">
+            <a:spAutoFit/>
+          </a:bodyPr>
+          <a:lstStyle/>
+          <a:p>
+            <a:pPr>
+              <a:defRPr sz="8100">
+                <a:solidFill>
+                  <a:srgbClr val="838787"/>
+                </a:solidFill>
+                <a:latin typeface="Anonymous Pro for Powerline"/>
+                <a:ea typeface="Anonymous Pro for Powerline"/>
+                <a:cs typeface="Anonymous Pro for Powerline"/>
+                <a:sym typeface="Anonymous Pro for Powerline"/>
+              </a:defRPr>
+            </a:pPr>
+            <a:r>
+              <a:rPr>
+                <a:solidFill>
+                  <a:schemeClr val="accent5"/>
+                </a:solidFill>
+              </a:rPr>
+              <a:t>y</a:t>
+            </a:r>
+            <a:r>
+              <a:t> = … + 3</a:t>
+            </a:r>
+            <a:r>
+              <a:rPr>
+                <a:solidFill>
+                  <a:schemeClr val="accent3"/>
+                </a:solidFill>
+              </a:rPr>
+              <a:t>(0)</a:t>
+            </a:r>
+            <a:r>
+              <a:rPr baseline="-5999">
+                <a:solidFill>
+                  <a:schemeClr val="accent3"/>
+                </a:solidFill>
+              </a:rPr>
+              <a:t> </a:t>
+            </a:r>
+            <a:r>
+              <a:t>+ ..</a:t>
+            </a:r>
+          </a:p>
+        </p:txBody>
+      </p:sp>
+      <p:sp>
+        <p:nvSpPr>
+          <p:cNvPr id="415" name="Shape 415"/>
+          <p:cNvSpPr/>
+          <p:nvPr/>
+        </p:nvSpPr>
+        <p:spPr>
+          <a:xfrm>
+            <a:off x="509574" y="7119195"/>
+            <a:ext cx="11985652" cy="1170944"/>
+          </a:xfrm>
+          <a:prstGeom prst="rect">
+            <a:avLst/>
+          </a:prstGeom>
+          <a:ln w="12700">
+            <a:miter lim="400000"/>
+          </a:ln>
+          <a:extLst>
+            <a:ext uri="{C572A759-6A51-4108-AA02-DFA0A04FC94B}">
+              <ma14:wrappingTextBoxFlag xmlns:ma14="http://schemas.microsoft.com/office/mac/drawingml/2011/main" val="1"/>
+            </a:ext>
+          </a:extLst>
+        </p:spPr>
+        <p:txBody>
+          <a:bodyPr wrap="none" lIns="50800" tIns="50800" rIns="50800" bIns="50800" anchor="ctr">
+            <a:spAutoFit/>
+          </a:bodyPr>
+          <a:lstStyle>
+            <a:lvl1pPr>
+              <a:lnSpc>
+                <a:spcPct val="80000"/>
+              </a:lnSpc>
+              <a:spcBef>
+                <a:spcPts val="0"/>
+              </a:spcBef>
+              <a:defRPr cap="all" sz="8400">
+                <a:solidFill>
+                  <a:srgbClr val="FFFFFF"/>
+                </a:solidFill>
+              </a:defRPr>
+            </a:lvl1pPr>
+          </a:lstStyle>
+          <a:p>
+            <a:pPr/>
+            <a:r>
+              <a:t>Adds a fixed amount, or doesn’t!</a:t>
             </a:r>
           </a:p>
         </p:txBody>
@@ -13909,6 +14606,60 @@
           </a:ln>
         </p:spPr>
       </p:pic>
+    </p:spTree>
+  </p:cSld>
+  <p:clrMapOvr>
+    <a:masterClrMapping/>
+  </p:clrMapOvr>
+  <p:transition xmlns:p14="http://schemas.microsoft.com/office/powerpoint/2010/main" spd="med" advClick="1"/>
+</p:sld>
+</file>
+
+<file path=ppt/slides/slide70.xml><?xml version="1.0" encoding="utf-8"?>
+<p:sld xmlns:a="http://schemas.openxmlformats.org/drawingml/2006/main" xmlns:r="http://schemas.openxmlformats.org/officeDocument/2006/relationships" xmlns:p="http://schemas.openxmlformats.org/presentationml/2006/main" showMasterSp="1" showMasterPhAnim="1">
+  <p:cSld>
+    <p:spTree>
+      <p:nvGrpSpPr>
+        <p:cNvPr id="1" name=""/>
+        <p:cNvGrpSpPr/>
+        <p:nvPr/>
+      </p:nvGrpSpPr>
+      <p:grpSpPr>
+        <a:xfrm>
+          <a:off x="0" y="0"/>
+          <a:ext cx="0" cy="0"/>
+          <a:chOff x="0" y="0"/>
+          <a:chExt cx="0" cy="0"/>
+        </a:xfrm>
+      </p:grpSpPr>
+      <p:sp>
+        <p:nvSpPr>
+          <p:cNvPr id="417" name="Shape 417"/>
+          <p:cNvSpPr/>
+          <p:nvPr>
+            <p:ph type="title"/>
+          </p:nvPr>
+        </p:nvSpPr>
+        <p:spPr>
+          <a:xfrm>
+            <a:off x="2802101" y="4038600"/>
+            <a:ext cx="7400598" cy="4521200"/>
+          </a:xfrm>
+          <a:prstGeom prst="rect">
+            <a:avLst/>
+          </a:prstGeom>
+        </p:spPr>
+        <p:txBody>
+          <a:bodyPr/>
+          <a:lstStyle/>
+          <a:p>
+            <a:pPr/>
+            <a:r>
+              <a:t>Exercises</a:t>
+            </a:r>
+          </a:p>
+        </p:txBody>
+      </p:sp>
     </p:spTree>
   </p:cSld>
   <p:clrMapOvr>
